--- a/TEAM CHALLENGE.pptx
+++ b/TEAM CHALLENGE.pptx
@@ -5,15 +5,28 @@
     <p:sldMasterId id="2147483755" r:id="rId1"/>
   </p:sldMasterIdLst>
   <p:notesMasterIdLst>
-    <p:notesMasterId r:id="rId8"/>
+    <p:notesMasterId r:id="rId21"/>
   </p:notesMasterIdLst>
   <p:sldIdLst>
     <p:sldId id="256" r:id="rId2"/>
     <p:sldId id="257" r:id="rId3"/>
-    <p:sldId id="259" r:id="rId4"/>
-    <p:sldId id="258" r:id="rId5"/>
-    <p:sldId id="261" r:id="rId6"/>
-    <p:sldId id="260" r:id="rId7"/>
+    <p:sldId id="265" r:id="rId4"/>
+    <p:sldId id="262" r:id="rId5"/>
+    <p:sldId id="263" r:id="rId6"/>
+    <p:sldId id="264" r:id="rId7"/>
+    <p:sldId id="266" r:id="rId8"/>
+    <p:sldId id="267" r:id="rId9"/>
+    <p:sldId id="268" r:id="rId10"/>
+    <p:sldId id="269" r:id="rId11"/>
+    <p:sldId id="270" r:id="rId12"/>
+    <p:sldId id="271" r:id="rId13"/>
+    <p:sldId id="272" r:id="rId14"/>
+    <p:sldId id="273" r:id="rId15"/>
+    <p:sldId id="274" r:id="rId16"/>
+    <p:sldId id="259" r:id="rId17"/>
+    <p:sldId id="258" r:id="rId18"/>
+    <p:sldId id="261" r:id="rId19"/>
+    <p:sldId id="260" r:id="rId20"/>
   </p:sldIdLst>
   <p:sldSz cx="12192000" cy="6858000"/>
   <p:notesSz cx="6858000" cy="9144000"/>
@@ -112,6 +125,11 @@
       </a:defRPr>
     </a:lvl9pPr>
   </p:defaultTextStyle>
+  <p:extLst>
+    <p:ext uri="{EFAFB233-063F-42B5-8137-9DF3F51BA10A}">
+      <p15:sldGuideLst xmlns:p15="http://schemas.microsoft.com/office/powerpoint/2012/main"/>
+    </p:ext>
+  </p:extLst>
 </p:presentation>
 </file>
 
@@ -5100,6 +5118,1629 @@
 </p:sld>
 </file>
 
+<file path=ppt/slides/slide10.xml><?xml version="1.0" encoding="utf-8"?>
+<p:sld xmlns:a="http://schemas.openxmlformats.org/drawingml/2006/main" xmlns:r="http://schemas.openxmlformats.org/officeDocument/2006/relationships" xmlns:p="http://schemas.openxmlformats.org/presentationml/2006/main">
+  <p:cSld>
+    <p:spTree>
+      <p:nvGrpSpPr>
+        <p:cNvPr id="1" name=""/>
+        <p:cNvGrpSpPr/>
+        <p:nvPr/>
+      </p:nvGrpSpPr>
+      <p:grpSpPr>
+        <a:xfrm>
+          <a:off x="0" y="0"/>
+          <a:ext cx="0" cy="0"/>
+          <a:chOff x="0" y="0"/>
+          <a:chExt cx="0" cy="0"/>
+        </a:xfrm>
+      </p:grpSpPr>
+      <p:sp>
+        <p:nvSpPr>
+          <p:cNvPr id="2" name="Título 1">
+            <a:extLst>
+              <a:ext uri="{FF2B5EF4-FFF2-40B4-BE49-F238E27FC236}">
+                <a16:creationId xmlns:a16="http://schemas.microsoft.com/office/drawing/2014/main" id="{559DEA69-AFBA-EFE4-C965-3572C470AAC0}"/>
+              </a:ext>
+            </a:extLst>
+          </p:cNvPr>
+          <p:cNvSpPr>
+            <a:spLocks noGrp="1"/>
+          </p:cNvSpPr>
+          <p:nvPr>
+            <p:ph type="title"/>
+          </p:nvPr>
+        </p:nvSpPr>
+        <p:spPr/>
+        <p:txBody>
+          <a:bodyPr/>
+          <a:lstStyle/>
+          <a:p>
+            <a:r>
+              <a:rPr lang="es-MX" dirty="0"/>
+              <a:t>Juntando pistas</a:t>
+            </a:r>
+            <a:endParaRPr lang="en-US" dirty="0"/>
+          </a:p>
+        </p:txBody>
+      </p:sp>
+      <p:pic>
+        <p:nvPicPr>
+          <p:cNvPr id="6" name="Marcador de contenido 5">
+            <a:extLst>
+              <a:ext uri="{FF2B5EF4-FFF2-40B4-BE49-F238E27FC236}">
+                <a16:creationId xmlns:a16="http://schemas.microsoft.com/office/drawing/2014/main" id="{DBFB7611-4B6F-2441-B9C7-8F1C18580C85}"/>
+              </a:ext>
+            </a:extLst>
+          </p:cNvPr>
+          <p:cNvPicPr>
+            <a:picLocks noGrp="1" noChangeAspect="1"/>
+          </p:cNvPicPr>
+          <p:nvPr>
+            <p:ph idx="1"/>
+          </p:nvPr>
+        </p:nvPicPr>
+        <p:blipFill>
+          <a:blip r:embed="rId2"/>
+          <a:stretch>
+            <a:fillRect/>
+          </a:stretch>
+        </p:blipFill>
+        <p:spPr>
+          <a:xfrm>
+            <a:off x="1910742" y="1927330"/>
+            <a:ext cx="7388315" cy="3961004"/>
+          </a:xfrm>
+        </p:spPr>
+      </p:pic>
+      <p:sp>
+        <p:nvSpPr>
+          <p:cNvPr id="4" name="Marcador de fecha 3">
+            <a:extLst>
+              <a:ext uri="{FF2B5EF4-FFF2-40B4-BE49-F238E27FC236}">
+                <a16:creationId xmlns:a16="http://schemas.microsoft.com/office/drawing/2014/main" id="{E0148B40-3146-42F0-FE24-75C48D0881B5}"/>
+              </a:ext>
+            </a:extLst>
+          </p:cNvPr>
+          <p:cNvSpPr>
+            <a:spLocks noGrp="1"/>
+          </p:cNvSpPr>
+          <p:nvPr>
+            <p:ph type="dt" sz="half" idx="10"/>
+          </p:nvPr>
+        </p:nvSpPr>
+        <p:spPr/>
+        <p:txBody>
+          <a:bodyPr/>
+          <a:lstStyle/>
+          <a:p>
+            <a:fld id="{0A35D1BA-79EA-46D7-87E5-59794141B822}" type="datetime3">
+              <a:rPr lang="en-US" smtClean="0"/>
+              <a:t>2 December 2024</a:t>
+            </a:fld>
+            <a:endParaRPr lang="en-US"/>
+          </a:p>
+        </p:txBody>
+      </p:sp>
+    </p:spTree>
+    <p:extLst>
+      <p:ext uri="{BB962C8B-B14F-4D97-AF65-F5344CB8AC3E}">
+        <p14:creationId xmlns:p14="http://schemas.microsoft.com/office/powerpoint/2010/main" val="3948946540"/>
+      </p:ext>
+    </p:extLst>
+  </p:cSld>
+  <p:clrMapOvr>
+    <a:masterClrMapping/>
+  </p:clrMapOvr>
+</p:sld>
+</file>
+
+<file path=ppt/slides/slide11.xml><?xml version="1.0" encoding="utf-8"?>
+<p:sld xmlns:a="http://schemas.openxmlformats.org/drawingml/2006/main" xmlns:r="http://schemas.openxmlformats.org/officeDocument/2006/relationships" xmlns:p="http://schemas.openxmlformats.org/presentationml/2006/main">
+  <p:cSld>
+    <p:spTree>
+      <p:nvGrpSpPr>
+        <p:cNvPr id="1" name=""/>
+        <p:cNvGrpSpPr/>
+        <p:nvPr/>
+      </p:nvGrpSpPr>
+      <p:grpSpPr>
+        <a:xfrm>
+          <a:off x="0" y="0"/>
+          <a:ext cx="0" cy="0"/>
+          <a:chOff x="0" y="0"/>
+          <a:chExt cx="0" cy="0"/>
+        </a:xfrm>
+      </p:grpSpPr>
+      <p:sp>
+        <p:nvSpPr>
+          <p:cNvPr id="2" name="Título 1">
+            <a:extLst>
+              <a:ext uri="{FF2B5EF4-FFF2-40B4-BE49-F238E27FC236}">
+                <a16:creationId xmlns:a16="http://schemas.microsoft.com/office/drawing/2014/main" id="{96A4BBB1-0931-CAFF-7A20-DE6C2A1AC8A2}"/>
+              </a:ext>
+            </a:extLst>
+          </p:cNvPr>
+          <p:cNvSpPr>
+            <a:spLocks noGrp="1"/>
+          </p:cNvSpPr>
+          <p:nvPr>
+            <p:ph type="title"/>
+          </p:nvPr>
+        </p:nvSpPr>
+        <p:spPr/>
+        <p:txBody>
+          <a:bodyPr/>
+          <a:lstStyle/>
+          <a:p>
+            <a:r>
+              <a:rPr lang="es-MX" dirty="0"/>
+              <a:t>Comprobando culpable según lista se sospechosos</a:t>
+            </a:r>
+            <a:endParaRPr lang="en-US" dirty="0"/>
+          </a:p>
+        </p:txBody>
+      </p:sp>
+      <p:pic>
+        <p:nvPicPr>
+          <p:cNvPr id="6" name="Marcador de contenido 5">
+            <a:extLst>
+              <a:ext uri="{FF2B5EF4-FFF2-40B4-BE49-F238E27FC236}">
+                <a16:creationId xmlns:a16="http://schemas.microsoft.com/office/drawing/2014/main" id="{E39DB122-B468-DD17-BE80-30292641FCB6}"/>
+              </a:ext>
+            </a:extLst>
+          </p:cNvPr>
+          <p:cNvPicPr>
+            <a:picLocks noGrp="1" noChangeAspect="1"/>
+          </p:cNvPicPr>
+          <p:nvPr>
+            <p:ph idx="1"/>
+          </p:nvPr>
+        </p:nvPicPr>
+        <p:blipFill>
+          <a:blip r:embed="rId2"/>
+          <a:stretch>
+            <a:fillRect/>
+          </a:stretch>
+        </p:blipFill>
+        <p:spPr>
+          <a:xfrm>
+            <a:off x="1526488" y="1928313"/>
+            <a:ext cx="8150696" cy="4071536"/>
+          </a:xfrm>
+        </p:spPr>
+      </p:pic>
+      <p:sp>
+        <p:nvSpPr>
+          <p:cNvPr id="4" name="Marcador de fecha 3">
+            <a:extLst>
+              <a:ext uri="{FF2B5EF4-FFF2-40B4-BE49-F238E27FC236}">
+                <a16:creationId xmlns:a16="http://schemas.microsoft.com/office/drawing/2014/main" id="{E7FAD26F-57D0-2A73-8FAE-938641DB9C83}"/>
+              </a:ext>
+            </a:extLst>
+          </p:cNvPr>
+          <p:cNvSpPr>
+            <a:spLocks noGrp="1"/>
+          </p:cNvSpPr>
+          <p:nvPr>
+            <p:ph type="dt" sz="half" idx="10"/>
+          </p:nvPr>
+        </p:nvSpPr>
+        <p:spPr/>
+        <p:txBody>
+          <a:bodyPr/>
+          <a:lstStyle/>
+          <a:p>
+            <a:fld id="{0A35D1BA-79EA-46D7-87E5-59794141B822}" type="datetime3">
+              <a:rPr lang="en-US" smtClean="0"/>
+              <a:t>2 December 2024</a:t>
+            </a:fld>
+            <a:endParaRPr lang="en-US"/>
+          </a:p>
+        </p:txBody>
+      </p:sp>
+    </p:spTree>
+    <p:extLst>
+      <p:ext uri="{BB962C8B-B14F-4D97-AF65-F5344CB8AC3E}">
+        <p14:creationId xmlns:p14="http://schemas.microsoft.com/office/powerpoint/2010/main" val="2961516880"/>
+      </p:ext>
+    </p:extLst>
+  </p:cSld>
+  <p:clrMapOvr>
+    <a:masterClrMapping/>
+  </p:clrMapOvr>
+</p:sld>
+</file>
+
+<file path=ppt/slides/slide12.xml><?xml version="1.0" encoding="utf-8"?>
+<p:sld xmlns:a="http://schemas.openxmlformats.org/drawingml/2006/main" xmlns:r="http://schemas.openxmlformats.org/officeDocument/2006/relationships" xmlns:p="http://schemas.openxmlformats.org/presentationml/2006/main">
+  <p:cSld>
+    <p:spTree>
+      <p:nvGrpSpPr>
+        <p:cNvPr id="1" name=""/>
+        <p:cNvGrpSpPr/>
+        <p:nvPr/>
+      </p:nvGrpSpPr>
+      <p:grpSpPr>
+        <a:xfrm>
+          <a:off x="0" y="0"/>
+          <a:ext cx="0" cy="0"/>
+          <a:chOff x="0" y="0"/>
+          <a:chExt cx="0" cy="0"/>
+        </a:xfrm>
+      </p:grpSpPr>
+      <p:sp>
+        <p:nvSpPr>
+          <p:cNvPr id="2" name="Título 1">
+            <a:extLst>
+              <a:ext uri="{FF2B5EF4-FFF2-40B4-BE49-F238E27FC236}">
+                <a16:creationId xmlns:a16="http://schemas.microsoft.com/office/drawing/2014/main" id="{363E28CA-C31B-A8FB-48B0-71665FE6E7D0}"/>
+              </a:ext>
+            </a:extLst>
+          </p:cNvPr>
+          <p:cNvSpPr>
+            <a:spLocks noGrp="1"/>
+          </p:cNvSpPr>
+          <p:nvPr>
+            <p:ph type="title"/>
+          </p:nvPr>
+        </p:nvSpPr>
+        <p:spPr/>
+        <p:txBody>
+          <a:bodyPr/>
+          <a:lstStyle/>
+          <a:p>
+            <a:r>
+              <a:rPr lang="es-MX" dirty="0"/>
+              <a:t>Testimonio de “Jeremy </a:t>
+            </a:r>
+            <a:r>
+              <a:rPr lang="es-MX" dirty="0" err="1"/>
+              <a:t>Bowers</a:t>
+            </a:r>
+            <a:r>
+              <a:rPr lang="es-MX" dirty="0"/>
+              <a:t>”</a:t>
+            </a:r>
+            <a:endParaRPr lang="en-US" dirty="0"/>
+          </a:p>
+        </p:txBody>
+      </p:sp>
+      <p:pic>
+        <p:nvPicPr>
+          <p:cNvPr id="6" name="Marcador de contenido 5">
+            <a:extLst>
+              <a:ext uri="{FF2B5EF4-FFF2-40B4-BE49-F238E27FC236}">
+                <a16:creationId xmlns:a16="http://schemas.microsoft.com/office/drawing/2014/main" id="{61D6726E-E4EB-841E-90B7-D551218E6064}"/>
+              </a:ext>
+            </a:extLst>
+          </p:cNvPr>
+          <p:cNvPicPr>
+            <a:picLocks noGrp="1" noChangeAspect="1"/>
+          </p:cNvPicPr>
+          <p:nvPr>
+            <p:ph idx="1"/>
+          </p:nvPr>
+        </p:nvPicPr>
+        <p:blipFill>
+          <a:blip r:embed="rId2"/>
+          <a:stretch>
+            <a:fillRect/>
+          </a:stretch>
+        </p:blipFill>
+        <p:spPr>
+          <a:xfrm>
+            <a:off x="576749" y="2086932"/>
+            <a:ext cx="10050174" cy="3129341"/>
+          </a:xfrm>
+        </p:spPr>
+      </p:pic>
+      <p:sp>
+        <p:nvSpPr>
+          <p:cNvPr id="4" name="Marcador de fecha 3">
+            <a:extLst>
+              <a:ext uri="{FF2B5EF4-FFF2-40B4-BE49-F238E27FC236}">
+                <a16:creationId xmlns:a16="http://schemas.microsoft.com/office/drawing/2014/main" id="{965CABD0-7C2E-EA13-C7F7-A0F7F2378B1D}"/>
+              </a:ext>
+            </a:extLst>
+          </p:cNvPr>
+          <p:cNvSpPr>
+            <a:spLocks noGrp="1"/>
+          </p:cNvSpPr>
+          <p:nvPr>
+            <p:ph type="dt" sz="half" idx="10"/>
+          </p:nvPr>
+        </p:nvSpPr>
+        <p:spPr/>
+        <p:txBody>
+          <a:bodyPr/>
+          <a:lstStyle/>
+          <a:p>
+            <a:fld id="{0A35D1BA-79EA-46D7-87E5-59794141B822}" type="datetime3">
+              <a:rPr lang="en-US" smtClean="0"/>
+              <a:t>2 December 2024</a:t>
+            </a:fld>
+            <a:endParaRPr lang="en-US"/>
+          </a:p>
+        </p:txBody>
+      </p:sp>
+    </p:spTree>
+    <p:extLst>
+      <p:ext uri="{BB962C8B-B14F-4D97-AF65-F5344CB8AC3E}">
+        <p14:creationId xmlns:p14="http://schemas.microsoft.com/office/powerpoint/2010/main" val="3143527"/>
+      </p:ext>
+    </p:extLst>
+  </p:cSld>
+  <p:clrMapOvr>
+    <a:masterClrMapping/>
+  </p:clrMapOvr>
+</p:sld>
+</file>
+
+<file path=ppt/slides/slide13.xml><?xml version="1.0" encoding="utf-8"?>
+<p:sld xmlns:a="http://schemas.openxmlformats.org/drawingml/2006/main" xmlns:r="http://schemas.openxmlformats.org/officeDocument/2006/relationships" xmlns:p="http://schemas.openxmlformats.org/presentationml/2006/main">
+  <p:cSld>
+    <p:spTree>
+      <p:nvGrpSpPr>
+        <p:cNvPr id="1" name=""/>
+        <p:cNvGrpSpPr/>
+        <p:nvPr/>
+      </p:nvGrpSpPr>
+      <p:grpSpPr>
+        <a:xfrm>
+          <a:off x="0" y="0"/>
+          <a:ext cx="0" cy="0"/>
+          <a:chOff x="0" y="0"/>
+          <a:chExt cx="0" cy="0"/>
+        </a:xfrm>
+      </p:grpSpPr>
+      <p:sp>
+        <p:nvSpPr>
+          <p:cNvPr id="2" name="Título 1">
+            <a:extLst>
+              <a:ext uri="{FF2B5EF4-FFF2-40B4-BE49-F238E27FC236}">
+                <a16:creationId xmlns:a16="http://schemas.microsoft.com/office/drawing/2014/main" id="{DA624CF2-8DD1-E4E2-70CB-448779F14959}"/>
+              </a:ext>
+            </a:extLst>
+          </p:cNvPr>
+          <p:cNvSpPr>
+            <a:spLocks noGrp="1"/>
+          </p:cNvSpPr>
+          <p:nvPr>
+            <p:ph type="title"/>
+          </p:nvPr>
+        </p:nvSpPr>
+        <p:spPr/>
+        <p:txBody>
+          <a:bodyPr/>
+          <a:lstStyle/>
+          <a:p>
+            <a:r>
+              <a:rPr lang="es-MX" dirty="0"/>
+              <a:t>Comprobando testimonio </a:t>
+            </a:r>
+            <a:endParaRPr lang="en-US" dirty="0"/>
+          </a:p>
+        </p:txBody>
+      </p:sp>
+      <p:pic>
+        <p:nvPicPr>
+          <p:cNvPr id="6" name="Marcador de contenido 5">
+            <a:extLst>
+              <a:ext uri="{FF2B5EF4-FFF2-40B4-BE49-F238E27FC236}">
+                <a16:creationId xmlns:a16="http://schemas.microsoft.com/office/drawing/2014/main" id="{A9F0F875-B549-AC55-DAA2-BB65C5198914}"/>
+              </a:ext>
+            </a:extLst>
+          </p:cNvPr>
+          <p:cNvPicPr>
+            <a:picLocks noGrp="1" noChangeAspect="1"/>
+          </p:cNvPicPr>
+          <p:nvPr>
+            <p:ph idx="1"/>
+          </p:nvPr>
+        </p:nvPicPr>
+        <p:blipFill>
+          <a:blip r:embed="rId2"/>
+          <a:stretch>
+            <a:fillRect/>
+          </a:stretch>
+        </p:blipFill>
+        <p:spPr>
+          <a:xfrm>
+            <a:off x="2621819" y="1937378"/>
+            <a:ext cx="5824513" cy="3991150"/>
+          </a:xfrm>
+        </p:spPr>
+      </p:pic>
+      <p:sp>
+        <p:nvSpPr>
+          <p:cNvPr id="4" name="Marcador de fecha 3">
+            <a:extLst>
+              <a:ext uri="{FF2B5EF4-FFF2-40B4-BE49-F238E27FC236}">
+                <a16:creationId xmlns:a16="http://schemas.microsoft.com/office/drawing/2014/main" id="{D83D202F-719D-43F1-564D-1738F73A9148}"/>
+              </a:ext>
+            </a:extLst>
+          </p:cNvPr>
+          <p:cNvSpPr>
+            <a:spLocks noGrp="1"/>
+          </p:cNvSpPr>
+          <p:nvPr>
+            <p:ph type="dt" sz="half" idx="10"/>
+          </p:nvPr>
+        </p:nvSpPr>
+        <p:spPr/>
+        <p:txBody>
+          <a:bodyPr/>
+          <a:lstStyle/>
+          <a:p>
+            <a:fld id="{0A35D1BA-79EA-46D7-87E5-59794141B822}" type="datetime3">
+              <a:rPr lang="en-US" smtClean="0"/>
+              <a:t>2 December 2024</a:t>
+            </a:fld>
+            <a:endParaRPr lang="en-US"/>
+          </a:p>
+        </p:txBody>
+      </p:sp>
+    </p:spTree>
+    <p:extLst>
+      <p:ext uri="{BB962C8B-B14F-4D97-AF65-F5344CB8AC3E}">
+        <p14:creationId xmlns:p14="http://schemas.microsoft.com/office/powerpoint/2010/main" val="2530179613"/>
+      </p:ext>
+    </p:extLst>
+  </p:cSld>
+  <p:clrMapOvr>
+    <a:masterClrMapping/>
+  </p:clrMapOvr>
+</p:sld>
+</file>
+
+<file path=ppt/slides/slide14.xml><?xml version="1.0" encoding="utf-8"?>
+<p:sld xmlns:a="http://schemas.openxmlformats.org/drawingml/2006/main" xmlns:r="http://schemas.openxmlformats.org/officeDocument/2006/relationships" xmlns:p="http://schemas.openxmlformats.org/presentationml/2006/main">
+  <p:cSld>
+    <p:spTree>
+      <p:nvGrpSpPr>
+        <p:cNvPr id="1" name=""/>
+        <p:cNvGrpSpPr/>
+        <p:nvPr/>
+      </p:nvGrpSpPr>
+      <p:grpSpPr>
+        <a:xfrm>
+          <a:off x="0" y="0"/>
+          <a:ext cx="0" cy="0"/>
+          <a:chOff x="0" y="0"/>
+          <a:chExt cx="0" cy="0"/>
+        </a:xfrm>
+      </p:grpSpPr>
+      <p:sp>
+        <p:nvSpPr>
+          <p:cNvPr id="2" name="Título 1">
+            <a:extLst>
+              <a:ext uri="{FF2B5EF4-FFF2-40B4-BE49-F238E27FC236}">
+                <a16:creationId xmlns:a16="http://schemas.microsoft.com/office/drawing/2014/main" id="{721D23AF-9FC6-8218-5013-98EFF2651021}"/>
+              </a:ext>
+            </a:extLst>
+          </p:cNvPr>
+          <p:cNvSpPr>
+            <a:spLocks noGrp="1"/>
+          </p:cNvSpPr>
+          <p:nvPr>
+            <p:ph type="title"/>
+          </p:nvPr>
+        </p:nvSpPr>
+        <p:spPr/>
+        <p:txBody>
+          <a:bodyPr/>
+          <a:lstStyle/>
+          <a:p>
+            <a:r>
+              <a:rPr lang="es-MX" dirty="0"/>
+              <a:t>Juntando pistas según Testimonio</a:t>
+            </a:r>
+            <a:endParaRPr lang="en-US" dirty="0"/>
+          </a:p>
+        </p:txBody>
+      </p:sp>
+      <p:pic>
+        <p:nvPicPr>
+          <p:cNvPr id="6" name="Marcador de contenido 5">
+            <a:extLst>
+              <a:ext uri="{FF2B5EF4-FFF2-40B4-BE49-F238E27FC236}">
+                <a16:creationId xmlns:a16="http://schemas.microsoft.com/office/drawing/2014/main" id="{076854A6-16BF-AF27-47DC-5026CED89845}"/>
+              </a:ext>
+            </a:extLst>
+          </p:cNvPr>
+          <p:cNvPicPr>
+            <a:picLocks noGrp="1" noChangeAspect="1"/>
+          </p:cNvPicPr>
+          <p:nvPr>
+            <p:ph idx="1"/>
+          </p:nvPr>
+        </p:nvPicPr>
+        <p:blipFill>
+          <a:blip r:embed="rId2"/>
+          <a:stretch>
+            <a:fillRect/>
+          </a:stretch>
+        </p:blipFill>
+        <p:spPr>
+          <a:xfrm>
+            <a:off x="3537431" y="1957474"/>
+            <a:ext cx="4139510" cy="4027481"/>
+          </a:xfrm>
+        </p:spPr>
+      </p:pic>
+      <p:sp>
+        <p:nvSpPr>
+          <p:cNvPr id="4" name="Marcador de fecha 3">
+            <a:extLst>
+              <a:ext uri="{FF2B5EF4-FFF2-40B4-BE49-F238E27FC236}">
+                <a16:creationId xmlns:a16="http://schemas.microsoft.com/office/drawing/2014/main" id="{C48A04B5-2288-4CF0-6CDA-E6387EA45A29}"/>
+              </a:ext>
+            </a:extLst>
+          </p:cNvPr>
+          <p:cNvSpPr>
+            <a:spLocks noGrp="1"/>
+          </p:cNvSpPr>
+          <p:nvPr>
+            <p:ph type="dt" sz="half" idx="10"/>
+          </p:nvPr>
+        </p:nvSpPr>
+        <p:spPr/>
+        <p:txBody>
+          <a:bodyPr/>
+          <a:lstStyle/>
+          <a:p>
+            <a:fld id="{0A35D1BA-79EA-46D7-87E5-59794141B822}" type="datetime3">
+              <a:rPr lang="en-US" smtClean="0"/>
+              <a:t>2 December 2024</a:t>
+            </a:fld>
+            <a:endParaRPr lang="en-US"/>
+          </a:p>
+        </p:txBody>
+      </p:sp>
+    </p:spTree>
+    <p:extLst>
+      <p:ext uri="{BB962C8B-B14F-4D97-AF65-F5344CB8AC3E}">
+        <p14:creationId xmlns:p14="http://schemas.microsoft.com/office/powerpoint/2010/main" val="412824720"/>
+      </p:ext>
+    </p:extLst>
+  </p:cSld>
+  <p:clrMapOvr>
+    <a:masterClrMapping/>
+  </p:clrMapOvr>
+</p:sld>
+</file>
+
+<file path=ppt/slides/slide15.xml><?xml version="1.0" encoding="utf-8"?>
+<p:sld xmlns:a="http://schemas.openxmlformats.org/drawingml/2006/main" xmlns:r="http://schemas.openxmlformats.org/officeDocument/2006/relationships" xmlns:p="http://schemas.openxmlformats.org/presentationml/2006/main">
+  <p:cSld>
+    <p:spTree>
+      <p:nvGrpSpPr>
+        <p:cNvPr id="1" name=""/>
+        <p:cNvGrpSpPr/>
+        <p:nvPr/>
+      </p:nvGrpSpPr>
+      <p:grpSpPr>
+        <a:xfrm>
+          <a:off x="0" y="0"/>
+          <a:ext cx="0" cy="0"/>
+          <a:chOff x="0" y="0"/>
+          <a:chExt cx="0" cy="0"/>
+        </a:xfrm>
+      </p:grpSpPr>
+      <p:sp>
+        <p:nvSpPr>
+          <p:cNvPr id="2" name="Título 1">
+            <a:extLst>
+              <a:ext uri="{FF2B5EF4-FFF2-40B4-BE49-F238E27FC236}">
+                <a16:creationId xmlns:a16="http://schemas.microsoft.com/office/drawing/2014/main" id="{F5A90D64-7ED5-5A33-B50A-469C38062675}"/>
+              </a:ext>
+            </a:extLst>
+          </p:cNvPr>
+          <p:cNvSpPr>
+            <a:spLocks noGrp="1"/>
+          </p:cNvSpPr>
+          <p:nvPr>
+            <p:ph type="title"/>
+          </p:nvPr>
+        </p:nvSpPr>
+        <p:spPr/>
+        <p:txBody>
+          <a:bodyPr/>
+          <a:lstStyle/>
+          <a:p>
+            <a:r>
+              <a:rPr lang="es-MX"/>
+              <a:t>Comprobando resolución del caso</a:t>
+            </a:r>
+            <a:endParaRPr lang="en-US" dirty="0"/>
+          </a:p>
+        </p:txBody>
+      </p:sp>
+      <p:pic>
+        <p:nvPicPr>
+          <p:cNvPr id="6" name="Marcador de contenido 5">
+            <a:extLst>
+              <a:ext uri="{FF2B5EF4-FFF2-40B4-BE49-F238E27FC236}">
+                <a16:creationId xmlns:a16="http://schemas.microsoft.com/office/drawing/2014/main" id="{C1011E34-758B-0829-9F2E-C6B3B9785E6D}"/>
+              </a:ext>
+            </a:extLst>
+          </p:cNvPr>
+          <p:cNvPicPr>
+            <a:picLocks noGrp="1" noChangeAspect="1"/>
+          </p:cNvPicPr>
+          <p:nvPr>
+            <p:ph idx="1"/>
+          </p:nvPr>
+        </p:nvPicPr>
+        <p:blipFill>
+          <a:blip r:embed="rId2"/>
+          <a:stretch>
+            <a:fillRect/>
+          </a:stretch>
+        </p:blipFill>
+        <p:spPr>
+          <a:xfrm>
+            <a:off x="1544826" y="2108200"/>
+            <a:ext cx="8113335" cy="3644900"/>
+          </a:xfrm>
+        </p:spPr>
+      </p:pic>
+      <p:sp>
+        <p:nvSpPr>
+          <p:cNvPr id="4" name="Marcador de fecha 3">
+            <a:extLst>
+              <a:ext uri="{FF2B5EF4-FFF2-40B4-BE49-F238E27FC236}">
+                <a16:creationId xmlns:a16="http://schemas.microsoft.com/office/drawing/2014/main" id="{401E4944-7503-32E9-9860-9375DB016271}"/>
+              </a:ext>
+            </a:extLst>
+          </p:cNvPr>
+          <p:cNvSpPr>
+            <a:spLocks noGrp="1"/>
+          </p:cNvSpPr>
+          <p:nvPr>
+            <p:ph type="dt" sz="half" idx="10"/>
+          </p:nvPr>
+        </p:nvSpPr>
+        <p:spPr/>
+        <p:txBody>
+          <a:bodyPr/>
+          <a:lstStyle/>
+          <a:p>
+            <a:fld id="{0A35D1BA-79EA-46D7-87E5-59794141B822}" type="datetime3">
+              <a:rPr lang="en-US" smtClean="0"/>
+              <a:t>2 December 2024</a:t>
+            </a:fld>
+            <a:endParaRPr lang="en-US"/>
+          </a:p>
+        </p:txBody>
+      </p:sp>
+    </p:spTree>
+    <p:extLst>
+      <p:ext uri="{BB962C8B-B14F-4D97-AF65-F5344CB8AC3E}">
+        <p14:creationId xmlns:p14="http://schemas.microsoft.com/office/powerpoint/2010/main" val="4027862219"/>
+      </p:ext>
+    </p:extLst>
+  </p:cSld>
+  <p:clrMapOvr>
+    <a:masterClrMapping/>
+  </p:clrMapOvr>
+</p:sld>
+</file>
+
+<file path=ppt/slides/slide16.xml><?xml version="1.0" encoding="utf-8"?>
+<p:sld xmlns:a="http://schemas.openxmlformats.org/drawingml/2006/main" xmlns:r="http://schemas.openxmlformats.org/officeDocument/2006/relationships" xmlns:p="http://schemas.openxmlformats.org/presentationml/2006/main">
+  <p:cSld>
+    <p:spTree>
+      <p:nvGrpSpPr>
+        <p:cNvPr id="1" name=""/>
+        <p:cNvGrpSpPr/>
+        <p:nvPr/>
+      </p:nvGrpSpPr>
+      <p:grpSpPr>
+        <a:xfrm>
+          <a:off x="0" y="0"/>
+          <a:ext cx="0" cy="0"/>
+          <a:chOff x="0" y="0"/>
+          <a:chExt cx="0" cy="0"/>
+        </a:xfrm>
+      </p:grpSpPr>
+      <p:sp>
+        <p:nvSpPr>
+          <p:cNvPr id="2" name="Título 1">
+            <a:extLst>
+              <a:ext uri="{FF2B5EF4-FFF2-40B4-BE49-F238E27FC236}">
+                <a16:creationId xmlns:a16="http://schemas.microsoft.com/office/drawing/2014/main" id="{09B7BCEA-6FDE-AE5C-DB4E-60DED590D80F}"/>
+              </a:ext>
+            </a:extLst>
+          </p:cNvPr>
+          <p:cNvSpPr>
+            <a:spLocks noGrp="1"/>
+          </p:cNvSpPr>
+          <p:nvPr>
+            <p:ph type="title"/>
+          </p:nvPr>
+        </p:nvSpPr>
+        <p:spPr/>
+        <p:txBody>
+          <a:bodyPr/>
+          <a:lstStyle/>
+          <a:p>
+            <a:r>
+              <a:rPr lang="es-ES" dirty="0"/>
+              <a:t>Parte 2 –Modelo Base Datos</a:t>
+            </a:r>
+          </a:p>
+        </p:txBody>
+      </p:sp>
+      <p:sp>
+        <p:nvSpPr>
+          <p:cNvPr id="3" name="Marcador de contenido 2">
+            <a:extLst>
+              <a:ext uri="{FF2B5EF4-FFF2-40B4-BE49-F238E27FC236}">
+                <a16:creationId xmlns:a16="http://schemas.microsoft.com/office/drawing/2014/main" id="{D5C34240-5FBC-AA85-37E0-D0C72F4B9E4B}"/>
+              </a:ext>
+            </a:extLst>
+          </p:cNvPr>
+          <p:cNvSpPr>
+            <a:spLocks noGrp="1"/>
+          </p:cNvSpPr>
+          <p:nvPr>
+            <p:ph idx="1"/>
+          </p:nvPr>
+        </p:nvSpPr>
+        <p:spPr/>
+        <p:txBody>
+          <a:bodyPr>
+            <a:normAutofit/>
+          </a:bodyPr>
+          <a:lstStyle/>
+          <a:p>
+            <a:r>
+              <a:rPr lang="es-ES" dirty="0"/>
+              <a:t>Proceso:</a:t>
+            </a:r>
+          </a:p>
+          <a:p>
+            <a:pPr lvl="1"/>
+            <a:r>
+              <a:rPr lang="es-ES" dirty="0"/>
+              <a:t>Objetivo:</a:t>
+            </a:r>
+          </a:p>
+          <a:p>
+            <a:pPr lvl="2"/>
+            <a:r>
+              <a:rPr lang="es-ES" dirty="0"/>
+              <a:t>Queremos llevar un control de las piezas que nos suministra cada proveedor. Es importante conocer la cantidad de las diferentes piezas que nos suministra y en qué fecha lo hace. Un mismo proveedor nos puede suministrar una pieza con el mismo código en diferentes fechas.  </a:t>
+            </a:r>
+          </a:p>
+          <a:p>
+            <a:pPr lvl="2"/>
+            <a:r>
+              <a:rPr lang="es-ES" dirty="0"/>
+              <a:t>El diseño de la base de datos debe permitir almacenar un histórico con todas las fechas y las cantidades que nos ha proporcionado un proveedor. Una misma pieza puede ser suministrada por diferentes proveedores</a:t>
+            </a:r>
+          </a:p>
+          <a:p>
+            <a:pPr lvl="1"/>
+            <a:r>
+              <a:rPr lang="es-ES" dirty="0"/>
+              <a:t>Diseño de tablas necesarias</a:t>
+            </a:r>
+          </a:p>
+          <a:p>
+            <a:pPr lvl="1"/>
+            <a:r>
+              <a:rPr lang="es-ES" dirty="0"/>
+              <a:t>Interrelación entre tablas</a:t>
+            </a:r>
+          </a:p>
+          <a:p>
+            <a:pPr marL="0" indent="0">
+              <a:buNone/>
+            </a:pPr>
+            <a:endParaRPr lang="es-ES" dirty="0"/>
+          </a:p>
+          <a:p>
+            <a:endParaRPr lang="es-ES" dirty="0"/>
+          </a:p>
+          <a:p>
+            <a:pPr lvl="1"/>
+            <a:endParaRPr lang="es-ES" dirty="0"/>
+          </a:p>
+        </p:txBody>
+      </p:sp>
+      <p:sp>
+        <p:nvSpPr>
+          <p:cNvPr id="4" name="Marcador de fecha 3">
+            <a:extLst>
+              <a:ext uri="{FF2B5EF4-FFF2-40B4-BE49-F238E27FC236}">
+                <a16:creationId xmlns:a16="http://schemas.microsoft.com/office/drawing/2014/main" id="{AB1A2807-A0E0-9D70-0F72-04A2822C34C3}"/>
+              </a:ext>
+            </a:extLst>
+          </p:cNvPr>
+          <p:cNvSpPr>
+            <a:spLocks noGrp="1"/>
+          </p:cNvSpPr>
+          <p:nvPr>
+            <p:ph type="dt" sz="half" idx="10"/>
+          </p:nvPr>
+        </p:nvSpPr>
+        <p:spPr/>
+        <p:txBody>
+          <a:bodyPr/>
+          <a:lstStyle/>
+          <a:p>
+            <a:fld id="{0A35D1BA-79EA-46D7-87E5-59794141B822}" type="datetime3">
+              <a:rPr lang="en-US" smtClean="0"/>
+              <a:t>2 December 2024</a:t>
+            </a:fld>
+            <a:endParaRPr lang="en-US"/>
+          </a:p>
+        </p:txBody>
+      </p:sp>
+    </p:spTree>
+    <p:extLst>
+      <p:ext uri="{BB962C8B-B14F-4D97-AF65-F5344CB8AC3E}">
+        <p14:creationId xmlns:p14="http://schemas.microsoft.com/office/powerpoint/2010/main" val="3105561785"/>
+      </p:ext>
+    </p:extLst>
+  </p:cSld>
+  <p:clrMapOvr>
+    <a:masterClrMapping/>
+  </p:clrMapOvr>
+</p:sld>
+</file>
+
+<file path=ppt/slides/slide17.xml><?xml version="1.0" encoding="utf-8"?>
+<p:sld xmlns:a="http://schemas.openxmlformats.org/drawingml/2006/main" xmlns:r="http://schemas.openxmlformats.org/officeDocument/2006/relationships" xmlns:p="http://schemas.openxmlformats.org/presentationml/2006/main">
+  <p:cSld>
+    <p:spTree>
+      <p:nvGrpSpPr>
+        <p:cNvPr id="1" name=""/>
+        <p:cNvGrpSpPr/>
+        <p:nvPr/>
+      </p:nvGrpSpPr>
+      <p:grpSpPr>
+        <a:xfrm>
+          <a:off x="0" y="0"/>
+          <a:ext cx="0" cy="0"/>
+          <a:chOff x="0" y="0"/>
+          <a:chExt cx="0" cy="0"/>
+        </a:xfrm>
+      </p:grpSpPr>
+      <p:sp>
+        <p:nvSpPr>
+          <p:cNvPr id="2" name="Título 1">
+            <a:extLst>
+              <a:ext uri="{FF2B5EF4-FFF2-40B4-BE49-F238E27FC236}">
+                <a16:creationId xmlns:a16="http://schemas.microsoft.com/office/drawing/2014/main" id="{954933EC-4F64-A3BC-6339-90FCE85D6C42}"/>
+              </a:ext>
+            </a:extLst>
+          </p:cNvPr>
+          <p:cNvSpPr>
+            <a:spLocks noGrp="1"/>
+          </p:cNvSpPr>
+          <p:nvPr>
+            <p:ph type="title"/>
+          </p:nvPr>
+        </p:nvSpPr>
+        <p:spPr/>
+        <p:txBody>
+          <a:bodyPr/>
+          <a:lstStyle/>
+          <a:p>
+            <a:r>
+              <a:rPr lang="es-ES" dirty="0"/>
+              <a:t>Parte 2 –Modelo Base Datos</a:t>
+            </a:r>
+          </a:p>
+        </p:txBody>
+      </p:sp>
+      <p:sp>
+        <p:nvSpPr>
+          <p:cNvPr id="3" name="Marcador de contenido 2">
+            <a:extLst>
+              <a:ext uri="{FF2B5EF4-FFF2-40B4-BE49-F238E27FC236}">
+                <a16:creationId xmlns:a16="http://schemas.microsoft.com/office/drawing/2014/main" id="{91149DC2-1719-7003-FFBB-FC0B368EBF35}"/>
+              </a:ext>
+            </a:extLst>
+          </p:cNvPr>
+          <p:cNvSpPr>
+            <a:spLocks noGrp="1"/>
+          </p:cNvSpPr>
+          <p:nvPr>
+            <p:ph idx="1"/>
+          </p:nvPr>
+        </p:nvSpPr>
+        <p:spPr>
+          <a:xfrm>
+            <a:off x="838197" y="1796367"/>
+            <a:ext cx="9527275" cy="3643931"/>
+          </a:xfrm>
+        </p:spPr>
+        <p:txBody>
+          <a:bodyPr/>
+          <a:lstStyle/>
+          <a:p>
+            <a:r>
+              <a:rPr lang="es-ES" dirty="0"/>
+              <a:t>Definición de las tablas necesarias:</a:t>
+            </a:r>
+          </a:p>
+        </p:txBody>
+      </p:sp>
+      <p:sp>
+        <p:nvSpPr>
+          <p:cNvPr id="4" name="Marcador de fecha 3">
+            <a:extLst>
+              <a:ext uri="{FF2B5EF4-FFF2-40B4-BE49-F238E27FC236}">
+                <a16:creationId xmlns:a16="http://schemas.microsoft.com/office/drawing/2014/main" id="{E9E988EB-6C61-90E4-3690-8C343A1B45E6}"/>
+              </a:ext>
+            </a:extLst>
+          </p:cNvPr>
+          <p:cNvSpPr>
+            <a:spLocks noGrp="1"/>
+          </p:cNvSpPr>
+          <p:nvPr>
+            <p:ph type="dt" sz="half" idx="10"/>
+          </p:nvPr>
+        </p:nvSpPr>
+        <p:spPr/>
+        <p:txBody>
+          <a:bodyPr/>
+          <a:lstStyle/>
+          <a:p>
+            <a:fld id="{B36DE166-B0EE-4C2A-9DF3-B2FCF4FBEA17}" type="datetime3">
+              <a:rPr lang="en-US" smtClean="0"/>
+              <a:t>2 December 2024</a:t>
+            </a:fld>
+            <a:endParaRPr lang="en-US" dirty="0"/>
+          </a:p>
+        </p:txBody>
+      </p:sp>
+      <p:sp>
+        <p:nvSpPr>
+          <p:cNvPr id="7" name="CuadroTexto 6">
+            <a:extLst>
+              <a:ext uri="{FF2B5EF4-FFF2-40B4-BE49-F238E27FC236}">
+                <a16:creationId xmlns:a16="http://schemas.microsoft.com/office/drawing/2014/main" id="{D12B6C84-BBAC-9DEC-21B5-16B62AAF4CE5}"/>
+              </a:ext>
+            </a:extLst>
+          </p:cNvPr>
+          <p:cNvSpPr txBox="1"/>
+          <p:nvPr/>
+        </p:nvSpPr>
+        <p:spPr>
+          <a:xfrm>
+            <a:off x="838197" y="2602671"/>
+            <a:ext cx="2846745" cy="2031325"/>
+          </a:xfrm>
+          <a:prstGeom prst="rect">
+            <a:avLst/>
+          </a:prstGeom>
+          <a:noFill/>
+          <a:ln>
+            <a:solidFill>
+              <a:schemeClr val="accent1"/>
+            </a:solidFill>
+          </a:ln>
+        </p:spPr>
+        <p:txBody>
+          <a:bodyPr wrap="square" rtlCol="0">
+            <a:spAutoFit/>
+          </a:bodyPr>
+          <a:lstStyle/>
+          <a:p>
+            <a:r>
+              <a:rPr lang="es-ES" dirty="0"/>
+              <a:t>proveedor:</a:t>
+            </a:r>
+          </a:p>
+          <a:p>
+            <a:pPr marL="285750" indent="-285750">
+              <a:buFont typeface="Arial" panose="020B0604020202020204" pitchFamily="34" charset="0"/>
+              <a:buChar char="•"/>
+            </a:pPr>
+            <a:r>
+              <a:rPr lang="es-ES" dirty="0" err="1"/>
+              <a:t>cod_prov_Id</a:t>
+            </a:r>
+            <a:endParaRPr lang="es-ES" dirty="0"/>
+          </a:p>
+          <a:p>
+            <a:pPr marL="285750" indent="-285750">
+              <a:buFont typeface="Arial" panose="020B0604020202020204" pitchFamily="34" charset="0"/>
+              <a:buChar char="•"/>
+            </a:pPr>
+            <a:r>
+              <a:rPr lang="es-ES" dirty="0"/>
+              <a:t>nombre</a:t>
+            </a:r>
+          </a:p>
+          <a:p>
+            <a:pPr marL="285750" indent="-285750">
+              <a:buFont typeface="Arial" panose="020B0604020202020204" pitchFamily="34" charset="0"/>
+              <a:buChar char="•"/>
+            </a:pPr>
+            <a:r>
+              <a:rPr lang="es-ES" dirty="0" err="1"/>
+              <a:t>direccion</a:t>
+            </a:r>
+            <a:endParaRPr lang="es-ES" dirty="0"/>
+          </a:p>
+          <a:p>
+            <a:pPr marL="285750" indent="-285750">
+              <a:buFont typeface="Arial" panose="020B0604020202020204" pitchFamily="34" charset="0"/>
+              <a:buChar char="•"/>
+            </a:pPr>
+            <a:r>
+              <a:rPr lang="es-ES" dirty="0"/>
+              <a:t>ciudad</a:t>
+            </a:r>
+          </a:p>
+          <a:p>
+            <a:pPr marL="285750" indent="-285750">
+              <a:buFont typeface="Arial" panose="020B0604020202020204" pitchFamily="34" charset="0"/>
+              <a:buChar char="•"/>
+            </a:pPr>
+            <a:r>
+              <a:rPr lang="es-ES" dirty="0"/>
+              <a:t>provincia</a:t>
+            </a:r>
+          </a:p>
+          <a:p>
+            <a:endParaRPr lang="es-ES" dirty="0"/>
+          </a:p>
+        </p:txBody>
+      </p:sp>
+      <p:sp>
+        <p:nvSpPr>
+          <p:cNvPr id="8" name="CuadroTexto 7">
+            <a:extLst>
+              <a:ext uri="{FF2B5EF4-FFF2-40B4-BE49-F238E27FC236}">
+                <a16:creationId xmlns:a16="http://schemas.microsoft.com/office/drawing/2014/main" id="{A2C8E158-6470-0D15-D850-340043A48EA5}"/>
+              </a:ext>
+            </a:extLst>
+          </p:cNvPr>
+          <p:cNvSpPr txBox="1"/>
+          <p:nvPr/>
+        </p:nvSpPr>
+        <p:spPr>
+          <a:xfrm>
+            <a:off x="6794055" y="2602671"/>
+            <a:ext cx="2265950" cy="923330"/>
+          </a:xfrm>
+          <a:prstGeom prst="rect">
+            <a:avLst/>
+          </a:prstGeom>
+          <a:noFill/>
+          <a:ln>
+            <a:solidFill>
+              <a:schemeClr val="accent1"/>
+            </a:solidFill>
+          </a:ln>
+        </p:spPr>
+        <p:txBody>
+          <a:bodyPr wrap="square" rtlCol="0">
+            <a:spAutoFit/>
+          </a:bodyPr>
+          <a:lstStyle/>
+          <a:p>
+            <a:r>
+              <a:rPr lang="es-ES" dirty="0" err="1"/>
+              <a:t>categoria_pieza</a:t>
+            </a:r>
+            <a:r>
+              <a:rPr lang="es-ES" dirty="0"/>
+              <a:t>:</a:t>
+            </a:r>
+          </a:p>
+          <a:p>
+            <a:pPr marL="285750" indent="-285750">
+              <a:buFont typeface="Arial" panose="020B0604020202020204" pitchFamily="34" charset="0"/>
+              <a:buChar char="•"/>
+            </a:pPr>
+            <a:r>
+              <a:rPr lang="es-ES" dirty="0" err="1"/>
+              <a:t>cod_categoria_Id</a:t>
+            </a:r>
+            <a:endParaRPr lang="es-ES" dirty="0"/>
+          </a:p>
+          <a:p>
+            <a:pPr marL="285750" indent="-285750">
+              <a:buFont typeface="Arial" panose="020B0604020202020204" pitchFamily="34" charset="0"/>
+              <a:buChar char="•"/>
+            </a:pPr>
+            <a:r>
+              <a:rPr lang="es-ES" dirty="0"/>
+              <a:t>nombre</a:t>
+            </a:r>
+          </a:p>
+        </p:txBody>
+      </p:sp>
+      <p:sp>
+        <p:nvSpPr>
+          <p:cNvPr id="9" name="CuadroTexto 8">
+            <a:extLst>
+              <a:ext uri="{FF2B5EF4-FFF2-40B4-BE49-F238E27FC236}">
+                <a16:creationId xmlns:a16="http://schemas.microsoft.com/office/drawing/2014/main" id="{8F1AF21C-C809-6D0A-B681-E8D324A89F86}"/>
+              </a:ext>
+            </a:extLst>
+          </p:cNvPr>
+          <p:cNvSpPr txBox="1"/>
+          <p:nvPr/>
+        </p:nvSpPr>
+        <p:spPr>
+          <a:xfrm>
+            <a:off x="3879245" y="2602671"/>
+            <a:ext cx="2720507" cy="1754326"/>
+          </a:xfrm>
+          <a:prstGeom prst="rect">
+            <a:avLst/>
+          </a:prstGeom>
+          <a:noFill/>
+          <a:ln>
+            <a:solidFill>
+              <a:schemeClr val="accent1"/>
+            </a:solidFill>
+          </a:ln>
+        </p:spPr>
+        <p:txBody>
+          <a:bodyPr wrap="square" rtlCol="0">
+            <a:spAutoFit/>
+          </a:bodyPr>
+          <a:lstStyle/>
+          <a:p>
+            <a:r>
+              <a:rPr lang="es-ES" dirty="0"/>
+              <a:t>pieza:</a:t>
+            </a:r>
+          </a:p>
+          <a:p>
+            <a:pPr marL="285750" indent="-285750">
+              <a:buFont typeface="Arial" panose="020B0604020202020204" pitchFamily="34" charset="0"/>
+              <a:buChar char="•"/>
+            </a:pPr>
+            <a:r>
+              <a:rPr lang="es-ES" dirty="0" err="1"/>
+              <a:t>cod_pieza_Id</a:t>
+            </a:r>
+            <a:endParaRPr lang="es-ES" dirty="0"/>
+          </a:p>
+          <a:p>
+            <a:pPr marL="285750" indent="-285750">
+              <a:buFont typeface="Arial" panose="020B0604020202020204" pitchFamily="34" charset="0"/>
+              <a:buChar char="•"/>
+            </a:pPr>
+            <a:r>
+              <a:rPr lang="es-ES" dirty="0"/>
+              <a:t>nombre</a:t>
+            </a:r>
+          </a:p>
+          <a:p>
+            <a:pPr marL="285750" indent="-285750">
+              <a:buFont typeface="Arial" panose="020B0604020202020204" pitchFamily="34" charset="0"/>
+              <a:buChar char="•"/>
+            </a:pPr>
+            <a:r>
+              <a:rPr lang="es-ES" dirty="0"/>
+              <a:t>color</a:t>
+            </a:r>
+          </a:p>
+          <a:p>
+            <a:pPr marL="285750" indent="-285750">
+              <a:buFont typeface="Arial" panose="020B0604020202020204" pitchFamily="34" charset="0"/>
+              <a:buChar char="•"/>
+            </a:pPr>
+            <a:r>
+              <a:rPr lang="es-ES" dirty="0"/>
+              <a:t>precio</a:t>
+            </a:r>
+          </a:p>
+          <a:p>
+            <a:pPr marL="285750" indent="-285750">
+              <a:buFont typeface="Arial" panose="020B0604020202020204" pitchFamily="34" charset="0"/>
+              <a:buChar char="•"/>
+            </a:pPr>
+            <a:r>
+              <a:rPr lang="es-ES" dirty="0" err="1"/>
+              <a:t>cod_categoria_Id</a:t>
+            </a:r>
+            <a:endParaRPr lang="es-ES" dirty="0"/>
+          </a:p>
+        </p:txBody>
+      </p:sp>
+      <p:sp>
+        <p:nvSpPr>
+          <p:cNvPr id="11" name="CuadroTexto 10">
+            <a:extLst>
+              <a:ext uri="{FF2B5EF4-FFF2-40B4-BE49-F238E27FC236}">
+                <a16:creationId xmlns:a16="http://schemas.microsoft.com/office/drawing/2014/main" id="{EC3D9AB1-2C40-5DAF-9F86-1FAE7439139B}"/>
+              </a:ext>
+            </a:extLst>
+          </p:cNvPr>
+          <p:cNvSpPr txBox="1"/>
+          <p:nvPr/>
+        </p:nvSpPr>
+        <p:spPr>
+          <a:xfrm>
+            <a:off x="6794055" y="3870381"/>
+            <a:ext cx="2846745" cy="2031325"/>
+          </a:xfrm>
+          <a:prstGeom prst="rect">
+            <a:avLst/>
+          </a:prstGeom>
+          <a:noFill/>
+          <a:ln>
+            <a:solidFill>
+              <a:schemeClr val="accent1"/>
+            </a:solidFill>
+          </a:ln>
+        </p:spPr>
+        <p:txBody>
+          <a:bodyPr wrap="square" rtlCol="0">
+            <a:spAutoFit/>
+          </a:bodyPr>
+          <a:lstStyle/>
+          <a:p>
+            <a:r>
+              <a:rPr lang="es-ES" dirty="0" err="1"/>
+              <a:t>albaran_entrada_pieza</a:t>
+            </a:r>
+            <a:r>
+              <a:rPr lang="es-ES" dirty="0"/>
+              <a:t>:</a:t>
+            </a:r>
+          </a:p>
+          <a:p>
+            <a:pPr marL="285750" indent="-285750">
+              <a:buFont typeface="Arial" panose="020B0604020202020204" pitchFamily="34" charset="0"/>
+              <a:buChar char="•"/>
+            </a:pPr>
+            <a:r>
+              <a:rPr lang="es-ES" dirty="0" err="1"/>
+              <a:t>cod_albaran_Id</a:t>
+            </a:r>
+            <a:endParaRPr lang="es-ES" dirty="0"/>
+          </a:p>
+          <a:p>
+            <a:pPr marL="285750" indent="-285750">
+              <a:buFont typeface="Arial" panose="020B0604020202020204" pitchFamily="34" charset="0"/>
+              <a:buChar char="•"/>
+            </a:pPr>
+            <a:r>
+              <a:rPr lang="es-ES" dirty="0" err="1"/>
+              <a:t>cod_pieza_Id</a:t>
+            </a:r>
+            <a:endParaRPr lang="es-ES" dirty="0"/>
+          </a:p>
+          <a:p>
+            <a:pPr marL="285750" indent="-285750">
+              <a:buFont typeface="Arial" panose="020B0604020202020204" pitchFamily="34" charset="0"/>
+              <a:buChar char="•"/>
+            </a:pPr>
+            <a:r>
+              <a:rPr lang="es-ES" dirty="0" err="1"/>
+              <a:t>cod_proveedor_Id</a:t>
+            </a:r>
+            <a:endParaRPr lang="es-ES" dirty="0"/>
+          </a:p>
+          <a:p>
+            <a:pPr marL="285750" indent="-285750">
+              <a:buFont typeface="Arial" panose="020B0604020202020204" pitchFamily="34" charset="0"/>
+              <a:buChar char="•"/>
+            </a:pPr>
+            <a:r>
+              <a:rPr lang="es-ES" dirty="0" err="1"/>
+              <a:t>cantidad_piezas</a:t>
+            </a:r>
+            <a:endParaRPr lang="es-ES" dirty="0"/>
+          </a:p>
+          <a:p>
+            <a:pPr marL="285750" indent="-285750">
+              <a:buFont typeface="Arial" panose="020B0604020202020204" pitchFamily="34" charset="0"/>
+              <a:buChar char="•"/>
+            </a:pPr>
+            <a:r>
+              <a:rPr lang="es-ES" dirty="0" err="1"/>
+              <a:t>fecha_entrega</a:t>
+            </a:r>
+            <a:endParaRPr lang="es-ES" dirty="0"/>
+          </a:p>
+          <a:p>
+            <a:pPr marL="285750" indent="-285750">
+              <a:buFont typeface="Arial" panose="020B0604020202020204" pitchFamily="34" charset="0"/>
+              <a:buChar char="•"/>
+            </a:pPr>
+            <a:endParaRPr lang="es-ES" dirty="0"/>
+          </a:p>
+        </p:txBody>
+      </p:sp>
+    </p:spTree>
+    <p:extLst>
+      <p:ext uri="{BB962C8B-B14F-4D97-AF65-F5344CB8AC3E}">
+        <p14:creationId xmlns:p14="http://schemas.microsoft.com/office/powerpoint/2010/main" val="1623627184"/>
+      </p:ext>
+    </p:extLst>
+  </p:cSld>
+  <p:clrMapOvr>
+    <a:masterClrMapping/>
+  </p:clrMapOvr>
+</p:sld>
+</file>
+
+<file path=ppt/slides/slide18.xml><?xml version="1.0" encoding="utf-8"?>
+<p:sld xmlns:a="http://schemas.openxmlformats.org/drawingml/2006/main" xmlns:r="http://schemas.openxmlformats.org/officeDocument/2006/relationships" xmlns:p="http://schemas.openxmlformats.org/presentationml/2006/main">
+  <p:cSld>
+    <p:spTree>
+      <p:nvGrpSpPr>
+        <p:cNvPr id="1" name=""/>
+        <p:cNvGrpSpPr/>
+        <p:nvPr/>
+      </p:nvGrpSpPr>
+      <p:grpSpPr>
+        <a:xfrm>
+          <a:off x="0" y="0"/>
+          <a:ext cx="0" cy="0"/>
+          <a:chOff x="0" y="0"/>
+          <a:chExt cx="0" cy="0"/>
+        </a:xfrm>
+      </p:grpSpPr>
+      <p:sp>
+        <p:nvSpPr>
+          <p:cNvPr id="2" name="Título 1">
+            <a:extLst>
+              <a:ext uri="{FF2B5EF4-FFF2-40B4-BE49-F238E27FC236}">
+                <a16:creationId xmlns:a16="http://schemas.microsoft.com/office/drawing/2014/main" id="{05240DC1-2F2E-81E9-50AE-9EF9DC7E7CE2}"/>
+              </a:ext>
+            </a:extLst>
+          </p:cNvPr>
+          <p:cNvSpPr>
+            <a:spLocks noGrp="1"/>
+          </p:cNvSpPr>
+          <p:nvPr>
+            <p:ph type="title"/>
+          </p:nvPr>
+        </p:nvSpPr>
+        <p:spPr/>
+        <p:txBody>
+          <a:bodyPr/>
+          <a:lstStyle/>
+          <a:p>
+            <a:r>
+              <a:rPr lang="es-ES" dirty="0"/>
+              <a:t>Parte 2 –Modelo Base Datos</a:t>
+            </a:r>
+          </a:p>
+        </p:txBody>
+      </p:sp>
+      <p:sp>
+        <p:nvSpPr>
+          <p:cNvPr id="3" name="Marcador de contenido 2">
+            <a:extLst>
+              <a:ext uri="{FF2B5EF4-FFF2-40B4-BE49-F238E27FC236}">
+                <a16:creationId xmlns:a16="http://schemas.microsoft.com/office/drawing/2014/main" id="{3EF9CA01-4EB9-02C1-4DE9-13B4846EF91E}"/>
+              </a:ext>
+            </a:extLst>
+          </p:cNvPr>
+          <p:cNvSpPr>
+            <a:spLocks noGrp="1"/>
+          </p:cNvSpPr>
+          <p:nvPr>
+            <p:ph idx="1"/>
+          </p:nvPr>
+        </p:nvSpPr>
+        <p:spPr/>
+        <p:txBody>
+          <a:bodyPr/>
+          <a:lstStyle/>
+          <a:p>
+            <a:r>
+              <a:rPr lang="es-ES" dirty="0"/>
+              <a:t>Creación de la base de datos: </a:t>
+            </a:r>
+          </a:p>
+          <a:p>
+            <a:pPr lvl="1"/>
+            <a:r>
+              <a:rPr lang="es-ES" dirty="0"/>
+              <a:t>Ver notebook</a:t>
+            </a:r>
+          </a:p>
+        </p:txBody>
+      </p:sp>
+      <p:sp>
+        <p:nvSpPr>
+          <p:cNvPr id="4" name="Marcador de fecha 3">
+            <a:extLst>
+              <a:ext uri="{FF2B5EF4-FFF2-40B4-BE49-F238E27FC236}">
+                <a16:creationId xmlns:a16="http://schemas.microsoft.com/office/drawing/2014/main" id="{35AEAA59-06B9-4CD8-D11A-B00BA9939ECB}"/>
+              </a:ext>
+            </a:extLst>
+          </p:cNvPr>
+          <p:cNvSpPr>
+            <a:spLocks noGrp="1"/>
+          </p:cNvSpPr>
+          <p:nvPr>
+            <p:ph type="dt" sz="half" idx="10"/>
+          </p:nvPr>
+        </p:nvSpPr>
+        <p:spPr/>
+        <p:txBody>
+          <a:bodyPr/>
+          <a:lstStyle/>
+          <a:p>
+            <a:fld id="{0A35D1BA-79EA-46D7-87E5-59794141B822}" type="datetime3">
+              <a:rPr lang="en-US" smtClean="0"/>
+              <a:t>2 December 2024</a:t>
+            </a:fld>
+            <a:endParaRPr lang="en-US"/>
+          </a:p>
+        </p:txBody>
+      </p:sp>
+    </p:spTree>
+    <p:extLst>
+      <p:ext uri="{BB962C8B-B14F-4D97-AF65-F5344CB8AC3E}">
+        <p14:creationId xmlns:p14="http://schemas.microsoft.com/office/powerpoint/2010/main" val="1668531633"/>
+      </p:ext>
+    </p:extLst>
+  </p:cSld>
+  <p:clrMapOvr>
+    <a:masterClrMapping/>
+  </p:clrMapOvr>
+</p:sld>
+</file>
+
+<file path=ppt/slides/slide19.xml><?xml version="1.0" encoding="utf-8"?>
+<p:sld xmlns:a="http://schemas.openxmlformats.org/drawingml/2006/main" xmlns:r="http://schemas.openxmlformats.org/officeDocument/2006/relationships" xmlns:p="http://schemas.openxmlformats.org/presentationml/2006/main">
+  <p:cSld>
+    <p:spTree>
+      <p:nvGrpSpPr>
+        <p:cNvPr id="1" name=""/>
+        <p:cNvGrpSpPr/>
+        <p:nvPr/>
+      </p:nvGrpSpPr>
+      <p:grpSpPr>
+        <a:xfrm>
+          <a:off x="0" y="0"/>
+          <a:ext cx="0" cy="0"/>
+          <a:chOff x="0" y="0"/>
+          <a:chExt cx="0" cy="0"/>
+        </a:xfrm>
+      </p:grpSpPr>
+      <p:sp>
+        <p:nvSpPr>
+          <p:cNvPr id="2" name="Título 1">
+            <a:extLst>
+              <a:ext uri="{FF2B5EF4-FFF2-40B4-BE49-F238E27FC236}">
+                <a16:creationId xmlns:a16="http://schemas.microsoft.com/office/drawing/2014/main" id="{88EF4765-6929-D440-6ECB-FEAE3D97AE48}"/>
+              </a:ext>
+            </a:extLst>
+          </p:cNvPr>
+          <p:cNvSpPr>
+            <a:spLocks noGrp="1"/>
+          </p:cNvSpPr>
+          <p:nvPr>
+            <p:ph type="title"/>
+          </p:nvPr>
+        </p:nvSpPr>
+        <p:spPr/>
+        <p:txBody>
+          <a:bodyPr/>
+          <a:lstStyle/>
+          <a:p>
+            <a:r>
+              <a:rPr lang="es-ES" dirty="0"/>
+              <a:t>Parte 2 –Modelo Base Datos</a:t>
+            </a:r>
+          </a:p>
+        </p:txBody>
+      </p:sp>
+      <p:sp>
+        <p:nvSpPr>
+          <p:cNvPr id="3" name="Marcador de contenido 2">
+            <a:extLst>
+              <a:ext uri="{FF2B5EF4-FFF2-40B4-BE49-F238E27FC236}">
+                <a16:creationId xmlns:a16="http://schemas.microsoft.com/office/drawing/2014/main" id="{38C68160-C8F9-C4F7-9275-BDB644A04507}"/>
+              </a:ext>
+            </a:extLst>
+          </p:cNvPr>
+          <p:cNvSpPr>
+            <a:spLocks noGrp="1"/>
+          </p:cNvSpPr>
+          <p:nvPr>
+            <p:ph idx="1"/>
+          </p:nvPr>
+        </p:nvSpPr>
+        <p:spPr/>
+        <p:txBody>
+          <a:bodyPr/>
+          <a:lstStyle/>
+          <a:p>
+            <a:r>
+              <a:rPr lang="es-ES" dirty="0"/>
+              <a:t>Conexiones entre las tablas:</a:t>
+            </a:r>
+          </a:p>
+          <a:p>
+            <a:endParaRPr lang="es-ES" dirty="0"/>
+          </a:p>
+        </p:txBody>
+      </p:sp>
+      <p:sp>
+        <p:nvSpPr>
+          <p:cNvPr id="4" name="Marcador de fecha 3">
+            <a:extLst>
+              <a:ext uri="{FF2B5EF4-FFF2-40B4-BE49-F238E27FC236}">
+                <a16:creationId xmlns:a16="http://schemas.microsoft.com/office/drawing/2014/main" id="{9285E110-F7FA-3D55-3F94-E5E36E5BF145}"/>
+              </a:ext>
+            </a:extLst>
+          </p:cNvPr>
+          <p:cNvSpPr>
+            <a:spLocks noGrp="1"/>
+          </p:cNvSpPr>
+          <p:nvPr>
+            <p:ph type="dt" sz="half" idx="10"/>
+          </p:nvPr>
+        </p:nvSpPr>
+        <p:spPr/>
+        <p:txBody>
+          <a:bodyPr/>
+          <a:lstStyle/>
+          <a:p>
+            <a:fld id="{0A35D1BA-79EA-46D7-87E5-59794141B822}" type="datetime3">
+              <a:rPr lang="en-US" smtClean="0"/>
+              <a:t>2 December 2024</a:t>
+            </a:fld>
+            <a:endParaRPr lang="en-US"/>
+          </a:p>
+        </p:txBody>
+      </p:sp>
+      <p:pic>
+        <p:nvPicPr>
+          <p:cNvPr id="6" name="Imagen 5">
+            <a:extLst>
+              <a:ext uri="{FF2B5EF4-FFF2-40B4-BE49-F238E27FC236}">
+                <a16:creationId xmlns:a16="http://schemas.microsoft.com/office/drawing/2014/main" id="{7E5B1B52-B52B-0F8B-C3EB-CC87B088BB1C}"/>
+              </a:ext>
+            </a:extLst>
+          </p:cNvPr>
+          <p:cNvPicPr>
+            <a:picLocks noChangeAspect="1"/>
+          </p:cNvPicPr>
+          <p:nvPr/>
+        </p:nvPicPr>
+        <p:blipFill>
+          <a:blip r:embed="rId2"/>
+          <a:stretch>
+            <a:fillRect/>
+          </a:stretch>
+        </p:blipFill>
+        <p:spPr>
+          <a:xfrm>
+            <a:off x="4613616" y="2074269"/>
+            <a:ext cx="5350192" cy="3678257"/>
+          </a:xfrm>
+          <a:prstGeom prst="rect">
+            <a:avLst/>
+          </a:prstGeom>
+        </p:spPr>
+      </p:pic>
+    </p:spTree>
+    <p:extLst>
+      <p:ext uri="{BB962C8B-B14F-4D97-AF65-F5344CB8AC3E}">
+        <p14:creationId xmlns:p14="http://schemas.microsoft.com/office/powerpoint/2010/main" val="1117940499"/>
+      </p:ext>
+    </p:extLst>
+  </p:cSld>
+  <p:clrMapOvr>
+    <a:masterClrMapping/>
+  </p:clrMapOvr>
+</p:sld>
+</file>
+
 <file path=ppt/slides/slide2.xml><?xml version="1.0" encoding="utf-8"?>
 <p:sld xmlns:a="http://schemas.openxmlformats.org/drawingml/2006/main" xmlns:r="http://schemas.openxmlformats.org/officeDocument/2006/relationships" xmlns:p="http://schemas.openxmlformats.org/presentationml/2006/main">
   <p:cSld>
@@ -5248,7 +6889,7 @@
           <p:cNvPr id="2" name="Título 1">
             <a:extLst>
               <a:ext uri="{FF2B5EF4-FFF2-40B4-BE49-F238E27FC236}">
-                <a16:creationId xmlns:a16="http://schemas.microsoft.com/office/drawing/2014/main" id="{09B7BCEA-6FDE-AE5C-DB4E-60DED590D80F}"/>
+                <a16:creationId xmlns:a16="http://schemas.microsoft.com/office/drawing/2014/main" id="{2FA2B9F6-E080-0FFA-6FF5-786D412C779B}"/>
               </a:ext>
             </a:extLst>
           </p:cNvPr>
@@ -5265,96 +6906,47 @@
           <a:lstStyle/>
           <a:p>
             <a:r>
-              <a:rPr lang="es-ES" dirty="0"/>
-              <a:t>Parte 2 –Modelo Base Datos</a:t>
-            </a:r>
-          </a:p>
-        </p:txBody>
-      </p:sp>
-      <p:sp>
-        <p:nvSpPr>
-          <p:cNvPr id="3" name="Marcador de contenido 2">
-            <a:extLst>
-              <a:ext uri="{FF2B5EF4-FFF2-40B4-BE49-F238E27FC236}">
-                <a16:creationId xmlns:a16="http://schemas.microsoft.com/office/drawing/2014/main" id="{D5C34240-5FBC-AA85-37E0-D0C72F4B9E4B}"/>
-              </a:ext>
-            </a:extLst>
-          </p:cNvPr>
-          <p:cNvSpPr>
-            <a:spLocks noGrp="1"/>
-          </p:cNvSpPr>
+              <a:rPr lang="es-MX" dirty="0"/>
+              <a:t>Buscando asesinato con fecha Enero 15 del 2018</a:t>
+            </a:r>
+            <a:endParaRPr lang="en-US" dirty="0"/>
+          </a:p>
+        </p:txBody>
+      </p:sp>
+      <p:pic>
+        <p:nvPicPr>
+          <p:cNvPr id="6" name="Marcador de contenido 5">
+            <a:extLst>
+              <a:ext uri="{FF2B5EF4-FFF2-40B4-BE49-F238E27FC236}">
+                <a16:creationId xmlns:a16="http://schemas.microsoft.com/office/drawing/2014/main" id="{1E2722CF-E504-9723-6976-C14F6D321BA8}"/>
+              </a:ext>
+            </a:extLst>
+          </p:cNvPr>
+          <p:cNvPicPr>
+            <a:picLocks noGrp="1" noChangeAspect="1"/>
+          </p:cNvPicPr>
           <p:nvPr>
             <p:ph idx="1"/>
           </p:nvPr>
-        </p:nvSpPr>
-        <p:spPr/>
-        <p:txBody>
-          <a:bodyPr>
-            <a:normAutofit/>
-          </a:bodyPr>
-          <a:lstStyle/>
-          <a:p>
-            <a:r>
-              <a:rPr lang="es-ES" dirty="0"/>
-              <a:t>Proceso:</a:t>
-            </a:r>
-          </a:p>
-          <a:p>
-            <a:pPr lvl="1"/>
-            <a:r>
-              <a:rPr lang="es-ES" dirty="0"/>
-              <a:t>Objetivo:</a:t>
-            </a:r>
-          </a:p>
-          <a:p>
-            <a:pPr lvl="2"/>
-            <a:r>
-              <a:rPr lang="es-ES" dirty="0"/>
-              <a:t>Queremos llevar un control de las piezas que nos suministra cada proveedor. Es importante conocer la cantidad de las diferentes piezas que nos suministra y en qué fecha lo hace. Un mismo proveedor nos puede suministrar una pieza con el mismo código en diferentes fechas.  </a:t>
-            </a:r>
-          </a:p>
-          <a:p>
-            <a:pPr lvl="2"/>
-            <a:r>
-              <a:rPr lang="es-ES" dirty="0"/>
-              <a:t>El diseño de la base de datos debe permitir almacenar un histórico con todas las fechas y las cantidades que nos ha proporcionado un proveedor. Una misma pieza puede ser suministrada por diferentes proveedores</a:t>
-            </a:r>
-          </a:p>
-          <a:p>
-            <a:pPr lvl="1"/>
-            <a:r>
-              <a:rPr lang="es-ES" dirty="0"/>
-              <a:t>Diseño de tablas necesarias</a:t>
-            </a:r>
-          </a:p>
-          <a:p>
-            <a:pPr lvl="1"/>
-            <a:r>
-              <a:rPr lang="es-ES" dirty="0"/>
-              <a:t>Interrelación entre tablas</a:t>
-            </a:r>
-          </a:p>
-          <a:p>
-            <a:pPr marL="0" indent="0">
-              <a:buNone/>
-            </a:pPr>
-            <a:endParaRPr lang="es-ES" dirty="0"/>
-          </a:p>
-          <a:p>
-            <a:endParaRPr lang="es-ES" dirty="0"/>
-          </a:p>
-          <a:p>
-            <a:pPr lvl="1"/>
-            <a:endParaRPr lang="es-ES" dirty="0"/>
-          </a:p>
-        </p:txBody>
-      </p:sp>
+        </p:nvPicPr>
+        <p:blipFill>
+          <a:blip r:embed="rId2"/>
+          <a:srcRect r="1739"/>
+          <a:stretch/>
+        </p:blipFill>
+        <p:spPr>
+          <a:xfrm>
+            <a:off x="628652" y="2250990"/>
+            <a:ext cx="9906864" cy="3482292"/>
+          </a:xfrm>
+        </p:spPr>
+      </p:pic>
       <p:sp>
         <p:nvSpPr>
           <p:cNvPr id="4" name="Marcador de fecha 3">
             <a:extLst>
               <a:ext uri="{FF2B5EF4-FFF2-40B4-BE49-F238E27FC236}">
-                <a16:creationId xmlns:a16="http://schemas.microsoft.com/office/drawing/2014/main" id="{AB1A2807-A0E0-9D70-0F72-04A2822C34C3}"/>
+                <a16:creationId xmlns:a16="http://schemas.microsoft.com/office/drawing/2014/main" id="{47035899-0C3C-025C-DD7F-C5C747F5FCBA}"/>
               </a:ext>
             </a:extLst>
           </p:cNvPr>
@@ -5381,7 +6973,7 @@
     </p:spTree>
     <p:extLst>
       <p:ext uri="{BB962C8B-B14F-4D97-AF65-F5344CB8AC3E}">
-        <p14:creationId xmlns:p14="http://schemas.microsoft.com/office/powerpoint/2010/main" val="3105561785"/>
+        <p14:creationId xmlns:p14="http://schemas.microsoft.com/office/powerpoint/2010/main" val="3520244869"/>
       </p:ext>
     </p:extLst>
   </p:cSld>
@@ -5413,7 +7005,7 @@
           <p:cNvPr id="2" name="Título 1">
             <a:extLst>
               <a:ext uri="{FF2B5EF4-FFF2-40B4-BE49-F238E27FC236}">
-                <a16:creationId xmlns:a16="http://schemas.microsoft.com/office/drawing/2014/main" id="{954933EC-4F64-A3BC-6339-90FCE85D6C42}"/>
+                <a16:creationId xmlns:a16="http://schemas.microsoft.com/office/drawing/2014/main" id="{BAAFE138-5B05-07C1-A277-095A27962AA4}"/>
               </a:ext>
             </a:extLst>
           </p:cNvPr>
@@ -5426,55 +7018,76 @@
         </p:nvSpPr>
         <p:spPr/>
         <p:txBody>
-          <a:bodyPr/>
-          <a:lstStyle/>
-          <a:p>
-            <a:r>
-              <a:rPr lang="es-ES" dirty="0"/>
-              <a:t>Parte 2 –Modelo Base Datos</a:t>
-            </a:r>
-          </a:p>
-        </p:txBody>
-      </p:sp>
-      <p:sp>
-        <p:nvSpPr>
-          <p:cNvPr id="3" name="Marcador de contenido 2">
-            <a:extLst>
-              <a:ext uri="{FF2B5EF4-FFF2-40B4-BE49-F238E27FC236}">
-                <a16:creationId xmlns:a16="http://schemas.microsoft.com/office/drawing/2014/main" id="{91149DC2-1719-7003-FFBB-FC0B368EBF35}"/>
-              </a:ext>
-            </a:extLst>
-          </p:cNvPr>
-          <p:cNvSpPr>
-            <a:spLocks noGrp="1"/>
-          </p:cNvSpPr>
+          <a:bodyPr>
+            <a:normAutofit fontScale="90000"/>
+          </a:bodyPr>
+          <a:lstStyle/>
+          <a:p>
+            <a:r>
+              <a:rPr lang="es-MX" dirty="0"/>
+              <a:t>Buscando Testigos: </a:t>
+            </a:r>
+            <a:br>
+              <a:rPr lang="es-MX" dirty="0"/>
+            </a:br>
+            <a:r>
+              <a:rPr lang="es-MX" sz="3100" dirty="0"/>
+              <a:t>El primer testigo, vive en la última casa de "</a:t>
+            </a:r>
+            <a:r>
+              <a:rPr lang="es-MX" sz="3100" dirty="0" err="1"/>
+              <a:t>Northwestern</a:t>
+            </a:r>
+            <a:r>
+              <a:rPr lang="es-MX" sz="3100" dirty="0"/>
+              <a:t> </a:t>
+            </a:r>
+            <a:r>
+              <a:rPr lang="es-MX" sz="3100" dirty="0" err="1"/>
+              <a:t>Dr</a:t>
+            </a:r>
+            <a:r>
+              <a:rPr lang="es-MX" sz="3100" dirty="0"/>
+              <a:t>".</a:t>
+            </a:r>
+            <a:endParaRPr lang="en-US" sz="3100" dirty="0"/>
+          </a:p>
+        </p:txBody>
+      </p:sp>
+      <p:pic>
+        <p:nvPicPr>
+          <p:cNvPr id="6" name="Marcador de contenido 5">
+            <a:extLst>
+              <a:ext uri="{FF2B5EF4-FFF2-40B4-BE49-F238E27FC236}">
+                <a16:creationId xmlns:a16="http://schemas.microsoft.com/office/drawing/2014/main" id="{68D974C5-B876-A69F-0513-83135B8FAE1B}"/>
+              </a:ext>
+            </a:extLst>
+          </p:cNvPr>
+          <p:cNvPicPr>
+            <a:picLocks noGrp="1" noChangeAspect="1"/>
+          </p:cNvPicPr>
           <p:nvPr>
             <p:ph idx="1"/>
           </p:nvPr>
-        </p:nvSpPr>
+        </p:nvPicPr>
+        <p:blipFill>
+          <a:blip r:embed="rId2"/>
+          <a:srcRect r="34226"/>
+          <a:stretch/>
+        </p:blipFill>
         <p:spPr>
           <a:xfrm>
-            <a:off x="838197" y="1796367"/>
-            <a:ext cx="9527275" cy="3643931"/>
+            <a:off x="1619758" y="2004241"/>
+            <a:ext cx="7964156" cy="3919679"/>
           </a:xfrm>
         </p:spPr>
-        <p:txBody>
-          <a:bodyPr/>
-          <a:lstStyle/>
-          <a:p>
-            <a:r>
-              <a:rPr lang="es-ES" dirty="0"/>
-              <a:t>Definición de las tablas necesarias:</a:t>
-            </a:r>
-          </a:p>
-        </p:txBody>
-      </p:sp>
+      </p:pic>
       <p:sp>
         <p:nvSpPr>
           <p:cNvPr id="4" name="Marcador de fecha 3">
             <a:extLst>
               <a:ext uri="{FF2B5EF4-FFF2-40B4-BE49-F238E27FC236}">
-                <a16:creationId xmlns:a16="http://schemas.microsoft.com/office/drawing/2014/main" id="{E9E988EB-6C61-90E4-3690-8C343A1B45E6}"/>
+                <a16:creationId xmlns:a16="http://schemas.microsoft.com/office/drawing/2014/main" id="{36651BE2-5FCF-FB34-5468-7414FAB56B46}"/>
               </a:ext>
             </a:extLst>
           </p:cNvPr>
@@ -5490,376 +7103,18 @@
           <a:bodyPr/>
           <a:lstStyle/>
           <a:p>
-            <a:fld id="{B36DE166-B0EE-4C2A-9DF3-B2FCF4FBEA17}" type="datetime3">
+            <a:fld id="{0A35D1BA-79EA-46D7-87E5-59794141B822}" type="datetime3">
               <a:rPr lang="en-US" smtClean="0"/>
               <a:t>2 December 2024</a:t>
             </a:fld>
-            <a:endParaRPr lang="en-US" dirty="0"/>
-          </a:p>
-        </p:txBody>
-      </p:sp>
-      <p:sp>
-        <p:nvSpPr>
-          <p:cNvPr id="7" name="CuadroTexto 6">
-            <a:extLst>
-              <a:ext uri="{FF2B5EF4-FFF2-40B4-BE49-F238E27FC236}">
-                <a16:creationId xmlns:a16="http://schemas.microsoft.com/office/drawing/2014/main" id="{D12B6C84-BBAC-9DEC-21B5-16B62AAF4CE5}"/>
-              </a:ext>
-            </a:extLst>
-          </p:cNvPr>
-          <p:cNvSpPr txBox="1"/>
-          <p:nvPr/>
-        </p:nvSpPr>
-        <p:spPr>
-          <a:xfrm>
-            <a:off x="838197" y="2602671"/>
-            <a:ext cx="2846745" cy="2031325"/>
-          </a:xfrm>
-          <a:prstGeom prst="rect">
-            <a:avLst/>
-          </a:prstGeom>
-          <a:noFill/>
-          <a:ln>
-            <a:solidFill>
-              <a:schemeClr val="accent1"/>
-            </a:solidFill>
-          </a:ln>
-        </p:spPr>
-        <p:txBody>
-          <a:bodyPr wrap="square" rtlCol="0">
-            <a:spAutoFit/>
-          </a:bodyPr>
-          <a:lstStyle/>
-          <a:p>
-            <a:r>
-              <a:rPr lang="es-ES" dirty="0"/>
-              <a:t>proveedor:</a:t>
-            </a:r>
-          </a:p>
-          <a:p>
-            <a:pPr marL="285750" indent="-285750">
-              <a:buFont typeface="Arial" panose="020B0604020202020204" pitchFamily="34" charset="0"/>
-              <a:buChar char="•"/>
-            </a:pPr>
-            <a:r>
-              <a:rPr lang="es-ES" dirty="0" err="1"/>
-              <a:t>cod_prov_Id</a:t>
-            </a:r>
-            <a:endParaRPr lang="es-ES" dirty="0"/>
-          </a:p>
-          <a:p>
-            <a:pPr marL="285750" indent="-285750">
-              <a:buFont typeface="Arial" panose="020B0604020202020204" pitchFamily="34" charset="0"/>
-              <a:buChar char="•"/>
-            </a:pPr>
-            <a:r>
-              <a:rPr lang="es-ES" dirty="0"/>
-              <a:t>nombre</a:t>
-            </a:r>
-          </a:p>
-          <a:p>
-            <a:pPr marL="285750" indent="-285750">
-              <a:buFont typeface="Arial" panose="020B0604020202020204" pitchFamily="34" charset="0"/>
-              <a:buChar char="•"/>
-            </a:pPr>
-            <a:r>
-              <a:rPr lang="es-ES" dirty="0" err="1"/>
-              <a:t>direccion</a:t>
-            </a:r>
-            <a:endParaRPr lang="es-ES" dirty="0"/>
-          </a:p>
-          <a:p>
-            <a:pPr marL="285750" indent="-285750">
-              <a:buFont typeface="Arial" panose="020B0604020202020204" pitchFamily="34" charset="0"/>
-              <a:buChar char="•"/>
-            </a:pPr>
-            <a:r>
-              <a:rPr lang="es-ES" dirty="0"/>
-              <a:t>ciudad</a:t>
-            </a:r>
-          </a:p>
-          <a:p>
-            <a:pPr marL="285750" indent="-285750">
-              <a:buFont typeface="Arial" panose="020B0604020202020204" pitchFamily="34" charset="0"/>
-              <a:buChar char="•"/>
-            </a:pPr>
-            <a:r>
-              <a:rPr lang="es-ES" dirty="0"/>
-              <a:t>provincia</a:t>
-            </a:r>
-          </a:p>
-          <a:p>
-            <a:endParaRPr lang="es-ES" dirty="0"/>
-          </a:p>
-        </p:txBody>
-      </p:sp>
-      <p:sp>
-        <p:nvSpPr>
-          <p:cNvPr id="8" name="CuadroTexto 7">
-            <a:extLst>
-              <a:ext uri="{FF2B5EF4-FFF2-40B4-BE49-F238E27FC236}">
-                <a16:creationId xmlns:a16="http://schemas.microsoft.com/office/drawing/2014/main" id="{A2C8E158-6470-0D15-D850-340043A48EA5}"/>
-              </a:ext>
-            </a:extLst>
-          </p:cNvPr>
-          <p:cNvSpPr txBox="1"/>
-          <p:nvPr/>
-        </p:nvSpPr>
-        <p:spPr>
-          <a:xfrm>
-            <a:off x="6794055" y="2602671"/>
-            <a:ext cx="2265950" cy="923330"/>
-          </a:xfrm>
-          <a:prstGeom prst="rect">
-            <a:avLst/>
-          </a:prstGeom>
-          <a:noFill/>
-          <a:ln>
-            <a:solidFill>
-              <a:schemeClr val="accent1"/>
-            </a:solidFill>
-          </a:ln>
-        </p:spPr>
-        <p:txBody>
-          <a:bodyPr wrap="square" rtlCol="0">
-            <a:spAutoFit/>
-          </a:bodyPr>
-          <a:lstStyle/>
-          <a:p>
-            <a:r>
-              <a:rPr lang="es-ES" dirty="0" err="1"/>
-              <a:t>categoria_pieza</a:t>
-            </a:r>
-            <a:r>
-              <a:rPr lang="es-ES" dirty="0"/>
-              <a:t>:</a:t>
-            </a:r>
-          </a:p>
-          <a:p>
-            <a:pPr marL="285750" indent="-285750">
-              <a:buFont typeface="Arial" panose="020B0604020202020204" pitchFamily="34" charset="0"/>
-              <a:buChar char="•"/>
-            </a:pPr>
-            <a:r>
-              <a:rPr lang="es-ES" dirty="0" err="1"/>
-              <a:t>cod_categoria_Id</a:t>
-            </a:r>
-            <a:endParaRPr lang="es-ES" dirty="0"/>
-          </a:p>
-          <a:p>
-            <a:pPr marL="285750" indent="-285750">
-              <a:buFont typeface="Arial" panose="020B0604020202020204" pitchFamily="34" charset="0"/>
-              <a:buChar char="•"/>
-            </a:pPr>
-            <a:r>
-              <a:rPr lang="es-ES" dirty="0"/>
-              <a:t>nombre</a:t>
-            </a:r>
-          </a:p>
-        </p:txBody>
-      </p:sp>
-      <p:sp>
-        <p:nvSpPr>
-          <p:cNvPr id="9" name="CuadroTexto 8">
-            <a:extLst>
-              <a:ext uri="{FF2B5EF4-FFF2-40B4-BE49-F238E27FC236}">
-                <a16:creationId xmlns:a16="http://schemas.microsoft.com/office/drawing/2014/main" id="{8F1AF21C-C809-6D0A-B681-E8D324A89F86}"/>
-              </a:ext>
-            </a:extLst>
-          </p:cNvPr>
-          <p:cNvSpPr txBox="1"/>
-          <p:nvPr/>
-        </p:nvSpPr>
-        <p:spPr>
-          <a:xfrm>
-            <a:off x="3879245" y="2602671"/>
-            <a:ext cx="2720507" cy="1754326"/>
-          </a:xfrm>
-          <a:prstGeom prst="rect">
-            <a:avLst/>
-          </a:prstGeom>
-          <a:noFill/>
-          <a:ln>
-            <a:solidFill>
-              <a:schemeClr val="accent1"/>
-            </a:solidFill>
-          </a:ln>
-        </p:spPr>
-        <p:txBody>
-          <a:bodyPr wrap="square" rtlCol="0">
-            <a:spAutoFit/>
-          </a:bodyPr>
-          <a:lstStyle/>
-          <a:p>
-            <a:r>
-              <a:rPr lang="es-ES" dirty="0"/>
-              <a:t>pieza:</a:t>
-            </a:r>
-          </a:p>
-          <a:p>
-            <a:pPr marL="285750" indent="-285750">
-              <a:buFont typeface="Arial" panose="020B0604020202020204" pitchFamily="34" charset="0"/>
-              <a:buChar char="•"/>
-            </a:pPr>
-            <a:r>
-              <a:rPr lang="es-ES" dirty="0" err="1"/>
-              <a:t>cod_pieza_Id</a:t>
-            </a:r>
-            <a:endParaRPr lang="es-ES" dirty="0"/>
-          </a:p>
-          <a:p>
-            <a:pPr marL="285750" indent="-285750">
-              <a:buFont typeface="Arial" panose="020B0604020202020204" pitchFamily="34" charset="0"/>
-              <a:buChar char="•"/>
-            </a:pPr>
-            <a:r>
-              <a:rPr lang="es-ES" dirty="0"/>
-              <a:t>nombre</a:t>
-            </a:r>
-          </a:p>
-          <a:p>
-            <a:pPr marL="285750" indent="-285750">
-              <a:buFont typeface="Arial" panose="020B0604020202020204" pitchFamily="34" charset="0"/>
-              <a:buChar char="•"/>
-            </a:pPr>
-            <a:r>
-              <a:rPr lang="es-ES" dirty="0"/>
-              <a:t>color</a:t>
-            </a:r>
-          </a:p>
-          <a:p>
-            <a:pPr marL="285750" indent="-285750">
-              <a:buFont typeface="Arial" panose="020B0604020202020204" pitchFamily="34" charset="0"/>
-              <a:buChar char="•"/>
-            </a:pPr>
-            <a:r>
-              <a:rPr lang="es-ES" dirty="0"/>
-              <a:t>precio</a:t>
-            </a:r>
-          </a:p>
-          <a:p>
-            <a:pPr marL="285750" indent="-285750">
-              <a:buFont typeface="Arial" panose="020B0604020202020204" pitchFamily="34" charset="0"/>
-              <a:buChar char="•"/>
-            </a:pPr>
-            <a:r>
-              <a:rPr lang="es-ES" dirty="0" err="1"/>
-              <a:t>cod_categoria_Id</a:t>
-            </a:r>
-            <a:endParaRPr lang="es-ES" dirty="0"/>
-          </a:p>
-        </p:txBody>
-      </p:sp>
-      <p:sp>
-        <p:nvSpPr>
-          <p:cNvPr id="11" name="CuadroTexto 10">
-            <a:extLst>
-              <a:ext uri="{FF2B5EF4-FFF2-40B4-BE49-F238E27FC236}">
-                <a16:creationId xmlns:a16="http://schemas.microsoft.com/office/drawing/2014/main" id="{EC3D9AB1-2C40-5DAF-9F86-1FAE7439139B}"/>
-              </a:ext>
-            </a:extLst>
-          </p:cNvPr>
-          <p:cNvSpPr txBox="1"/>
-          <p:nvPr/>
-        </p:nvSpPr>
-        <p:spPr>
-          <a:xfrm>
-            <a:off x="6794055" y="3870381"/>
-            <a:ext cx="2846745" cy="2031325"/>
-          </a:xfrm>
-          <a:prstGeom prst="rect">
-            <a:avLst/>
-          </a:prstGeom>
-          <a:noFill/>
-          <a:ln>
-            <a:solidFill>
-              <a:schemeClr val="accent1"/>
-            </a:solidFill>
-          </a:ln>
-        </p:spPr>
-        <p:txBody>
-          <a:bodyPr wrap="square" rtlCol="0">
-            <a:spAutoFit/>
-          </a:bodyPr>
-          <a:lstStyle/>
-          <a:p>
-            <a:r>
-              <a:rPr lang="es-ES" dirty="0" err="1"/>
-              <a:t>albaran_entrada_pieza</a:t>
-            </a:r>
-            <a:r>
-              <a:rPr lang="es-ES" dirty="0"/>
-              <a:t>:</a:t>
-            </a:r>
-          </a:p>
-          <a:p>
-            <a:pPr marL="285750" indent="-285750">
-              <a:buFont typeface="Arial" panose="020B0604020202020204" pitchFamily="34" charset="0"/>
-              <a:buChar char="•"/>
-            </a:pPr>
-            <a:r>
-              <a:rPr lang="es-ES" dirty="0" err="1"/>
-              <a:t>cod_albaran_Id</a:t>
-            </a:r>
-            <a:endParaRPr lang="es-ES" dirty="0"/>
-          </a:p>
-          <a:p>
-            <a:pPr marL="285750" indent="-285750">
-              <a:buFont typeface="Arial" panose="020B0604020202020204" pitchFamily="34" charset="0"/>
-              <a:buChar char="•"/>
-            </a:pPr>
-            <a:r>
-              <a:rPr lang="es-ES" dirty="0" err="1"/>
-              <a:t>cod_pieza_Id</a:t>
-            </a:r>
-            <a:endParaRPr lang="es-ES" dirty="0"/>
-          </a:p>
-          <a:p>
-            <a:pPr marL="285750" indent="-285750">
-              <a:buFont typeface="Arial" panose="020B0604020202020204" pitchFamily="34" charset="0"/>
-              <a:buChar char="•"/>
-            </a:pPr>
-            <a:r>
-              <a:rPr lang="es-ES" dirty="0" err="1"/>
-              <a:t>cod_proveedor_Id</a:t>
-            </a:r>
-            <a:endParaRPr lang="es-ES" dirty="0"/>
-          </a:p>
-          <a:p>
-            <a:pPr marL="285750" indent="-285750">
-              <a:buFont typeface="Arial" panose="020B0604020202020204" pitchFamily="34" charset="0"/>
-              <a:buChar char="•"/>
-            </a:pPr>
-            <a:r>
-              <a:rPr lang="es-ES" dirty="0" err="1"/>
-              <a:t>cantidad_piezas</a:t>
-            </a:r>
-            <a:endParaRPr lang="es-ES" dirty="0"/>
-          </a:p>
-          <a:p>
-            <a:pPr marL="285750" indent="-285750">
-              <a:buFont typeface="Arial" panose="020B0604020202020204" pitchFamily="34" charset="0"/>
-              <a:buChar char="•"/>
-            </a:pPr>
-            <a:r>
-              <a:rPr lang="es-ES" dirty="0" err="1"/>
-              <a:t>fecha_entrega</a:t>
-            </a:r>
-            <a:endParaRPr lang="es-ES" dirty="0"/>
-          </a:p>
-          <a:p>
-            <a:pPr marL="285750" indent="-285750">
-              <a:buFont typeface="Arial" panose="020B0604020202020204" pitchFamily="34" charset="0"/>
-              <a:buChar char="•"/>
-            </a:pPr>
-            <a:endParaRPr lang="es-ES" dirty="0"/>
+            <a:endParaRPr lang="en-US"/>
           </a:p>
         </p:txBody>
       </p:sp>
     </p:spTree>
     <p:extLst>
       <p:ext uri="{BB962C8B-B14F-4D97-AF65-F5344CB8AC3E}">
-        <p14:creationId xmlns:p14="http://schemas.microsoft.com/office/powerpoint/2010/main" val="1623627184"/>
+        <p14:creationId xmlns:p14="http://schemas.microsoft.com/office/powerpoint/2010/main" val="2360501937"/>
       </p:ext>
     </p:extLst>
   </p:cSld>
@@ -5891,7 +7146,7 @@
           <p:cNvPr id="2" name="Título 1">
             <a:extLst>
               <a:ext uri="{FF2B5EF4-FFF2-40B4-BE49-F238E27FC236}">
-                <a16:creationId xmlns:a16="http://schemas.microsoft.com/office/drawing/2014/main" id="{05240DC1-2F2E-81E9-50AE-9EF9DC7E7CE2}"/>
+                <a16:creationId xmlns:a16="http://schemas.microsoft.com/office/drawing/2014/main" id="{B656A396-2E08-2A22-4290-82C19EE910A0}"/>
               </a:ext>
             </a:extLst>
           </p:cNvPr>
@@ -5908,53 +7163,47 @@
           <a:lstStyle/>
           <a:p>
             <a:r>
-              <a:rPr lang="es-ES" dirty="0"/>
-              <a:t>Parte 2 –Modelo Base Datos</a:t>
-            </a:r>
-          </a:p>
-        </p:txBody>
-      </p:sp>
-      <p:sp>
-        <p:nvSpPr>
-          <p:cNvPr id="3" name="Marcador de contenido 2">
-            <a:extLst>
-              <a:ext uri="{FF2B5EF4-FFF2-40B4-BE49-F238E27FC236}">
-                <a16:creationId xmlns:a16="http://schemas.microsoft.com/office/drawing/2014/main" id="{3EF9CA01-4EB9-02C1-4DE9-13B4846EF91E}"/>
-              </a:ext>
-            </a:extLst>
-          </p:cNvPr>
-          <p:cNvSpPr>
-            <a:spLocks noGrp="1"/>
-          </p:cNvSpPr>
+              <a:rPr lang="es-MX" dirty="0"/>
+              <a:t>El segundo testigo, se llama Annabel, vive en algún lugar de "Franklin Ave".</a:t>
+            </a:r>
+            <a:endParaRPr lang="en-US" dirty="0"/>
+          </a:p>
+        </p:txBody>
+      </p:sp>
+      <p:pic>
+        <p:nvPicPr>
+          <p:cNvPr id="6" name="Marcador de contenido 5">
+            <a:extLst>
+              <a:ext uri="{FF2B5EF4-FFF2-40B4-BE49-F238E27FC236}">
+                <a16:creationId xmlns:a16="http://schemas.microsoft.com/office/drawing/2014/main" id="{1E17DBA4-1919-5EDA-FDAD-F7BA12372D2E}"/>
+              </a:ext>
+            </a:extLst>
+          </p:cNvPr>
+          <p:cNvPicPr>
+            <a:picLocks noGrp="1" noChangeAspect="1"/>
+          </p:cNvPicPr>
           <p:nvPr>
             <p:ph idx="1"/>
           </p:nvPr>
-        </p:nvSpPr>
-        <p:spPr/>
-        <p:txBody>
-          <a:bodyPr/>
-          <a:lstStyle/>
-          <a:p>
-            <a:r>
-              <a:rPr lang="es-ES" dirty="0"/>
-              <a:t>Creación de la base de datos: </a:t>
-            </a:r>
-          </a:p>
-          <a:p>
-            <a:pPr lvl="1"/>
-            <a:r>
-              <a:rPr lang="es-ES" dirty="0"/>
-              <a:t>Ver notebook</a:t>
-            </a:r>
-          </a:p>
-        </p:txBody>
-      </p:sp>
+        </p:nvPicPr>
+        <p:blipFill>
+          <a:blip r:embed="rId2"/>
+          <a:srcRect r="34965"/>
+          <a:stretch/>
+        </p:blipFill>
+        <p:spPr>
+          <a:xfrm>
+            <a:off x="1826483" y="2037778"/>
+            <a:ext cx="7550706" cy="3852606"/>
+          </a:xfrm>
+        </p:spPr>
+      </p:pic>
       <p:sp>
         <p:nvSpPr>
           <p:cNvPr id="4" name="Marcador de fecha 3">
             <a:extLst>
               <a:ext uri="{FF2B5EF4-FFF2-40B4-BE49-F238E27FC236}">
-                <a16:creationId xmlns:a16="http://schemas.microsoft.com/office/drawing/2014/main" id="{35AEAA59-06B9-4CD8-D11A-B00BA9939ECB}"/>
+                <a16:creationId xmlns:a16="http://schemas.microsoft.com/office/drawing/2014/main" id="{CD250194-86F3-1ED9-7B67-CE766F341003}"/>
               </a:ext>
             </a:extLst>
           </p:cNvPr>
@@ -5981,7 +7230,7 @@
     </p:spTree>
     <p:extLst>
       <p:ext uri="{BB962C8B-B14F-4D97-AF65-F5344CB8AC3E}">
-        <p14:creationId xmlns:p14="http://schemas.microsoft.com/office/powerpoint/2010/main" val="1668531633"/>
+        <p14:creationId xmlns:p14="http://schemas.microsoft.com/office/powerpoint/2010/main" val="1570722702"/>
       </p:ext>
     </p:extLst>
   </p:cSld>
@@ -6013,7 +7262,7 @@
           <p:cNvPr id="2" name="Título 1">
             <a:extLst>
               <a:ext uri="{FF2B5EF4-FFF2-40B4-BE49-F238E27FC236}">
-                <a16:creationId xmlns:a16="http://schemas.microsoft.com/office/drawing/2014/main" id="{88EF4765-6929-D440-6ECB-FEAE3D97AE48}"/>
+                <a16:creationId xmlns:a16="http://schemas.microsoft.com/office/drawing/2014/main" id="{52C01EF6-A9E9-A4E5-6D59-A381910F022B}"/>
               </a:ext>
             </a:extLst>
           </p:cNvPr>
@@ -6030,49 +7279,47 @@
           <a:lstStyle/>
           <a:p>
             <a:r>
-              <a:rPr lang="es-ES" dirty="0"/>
-              <a:t>Parte 2 –Modelo Base Datos</a:t>
-            </a:r>
-          </a:p>
-        </p:txBody>
-      </p:sp>
-      <p:sp>
-        <p:nvSpPr>
-          <p:cNvPr id="3" name="Marcador de contenido 2">
-            <a:extLst>
-              <a:ext uri="{FF2B5EF4-FFF2-40B4-BE49-F238E27FC236}">
-                <a16:creationId xmlns:a16="http://schemas.microsoft.com/office/drawing/2014/main" id="{38C68160-C8F9-C4F7-9275-BDB644A04507}"/>
-              </a:ext>
-            </a:extLst>
-          </p:cNvPr>
-          <p:cNvSpPr>
-            <a:spLocks noGrp="1"/>
-          </p:cNvSpPr>
+              <a:rPr lang="es-MX" dirty="0"/>
+              <a:t>Testimonio de Testigos</a:t>
+            </a:r>
+            <a:endParaRPr lang="en-US" dirty="0"/>
+          </a:p>
+        </p:txBody>
+      </p:sp>
+      <p:pic>
+        <p:nvPicPr>
+          <p:cNvPr id="6" name="Marcador de contenido 5">
+            <a:extLst>
+              <a:ext uri="{FF2B5EF4-FFF2-40B4-BE49-F238E27FC236}">
+                <a16:creationId xmlns:a16="http://schemas.microsoft.com/office/drawing/2014/main" id="{867889F0-AACA-FA07-DA81-AF292B573CEB}"/>
+              </a:ext>
+            </a:extLst>
+          </p:cNvPr>
+          <p:cNvPicPr>
+            <a:picLocks noGrp="1" noChangeAspect="1"/>
+          </p:cNvPicPr>
           <p:nvPr>
             <p:ph idx="1"/>
           </p:nvPr>
-        </p:nvSpPr>
-        <p:spPr/>
-        <p:txBody>
-          <a:bodyPr/>
-          <a:lstStyle/>
-          <a:p>
-            <a:r>
-              <a:rPr lang="es-ES" dirty="0"/>
-              <a:t>Conexiones entre las tablas:</a:t>
-            </a:r>
-          </a:p>
-          <a:p>
-            <a:endParaRPr lang="es-ES" dirty="0"/>
-          </a:p>
-        </p:txBody>
-      </p:sp>
+        </p:nvPicPr>
+        <p:blipFill>
+          <a:blip r:embed="rId2"/>
+          <a:srcRect r="2267"/>
+          <a:stretch/>
+        </p:blipFill>
+        <p:spPr>
+          <a:xfrm>
+            <a:off x="569705" y="2005281"/>
+            <a:ext cx="10064261" cy="3917600"/>
+          </a:xfrm>
+        </p:spPr>
+      </p:pic>
       <p:sp>
         <p:nvSpPr>
           <p:cNvPr id="4" name="Marcador de fecha 3">
             <a:extLst>
               <a:ext uri="{FF2B5EF4-FFF2-40B4-BE49-F238E27FC236}">
-                <a16:creationId xmlns:a16="http://schemas.microsoft.com/office/drawing/2014/main" id="{9285E110-F7FA-3D55-3F94-E5E36E5BF145}"/>
+                <a16:creationId xmlns:a16="http://schemas.microsoft.com/office/drawing/2014/main" id="{F65D4284-D994-5E79-5E10-787A9EC31AC6}"/>
               </a:ext>
             </a:extLst>
           </p:cNvPr>
@@ -6096,19 +7343,80 @@
           </a:p>
         </p:txBody>
       </p:sp>
+    </p:spTree>
+    <p:extLst>
+      <p:ext uri="{BB962C8B-B14F-4D97-AF65-F5344CB8AC3E}">
+        <p14:creationId xmlns:p14="http://schemas.microsoft.com/office/powerpoint/2010/main" val="1483466181"/>
+      </p:ext>
+    </p:extLst>
+  </p:cSld>
+  <p:clrMapOvr>
+    <a:masterClrMapping/>
+  </p:clrMapOvr>
+</p:sld>
+</file>
+
+<file path=ppt/slides/slide7.xml><?xml version="1.0" encoding="utf-8"?>
+<p:sld xmlns:a="http://schemas.openxmlformats.org/drawingml/2006/main" xmlns:r="http://schemas.openxmlformats.org/officeDocument/2006/relationships" xmlns:p="http://schemas.openxmlformats.org/presentationml/2006/main">
+  <p:cSld>
+    <p:spTree>
+      <p:nvGrpSpPr>
+        <p:cNvPr id="1" name=""/>
+        <p:cNvGrpSpPr/>
+        <p:nvPr/>
+      </p:nvGrpSpPr>
+      <p:grpSpPr>
+        <a:xfrm>
+          <a:off x="0" y="0"/>
+          <a:ext cx="0" cy="0"/>
+          <a:chOff x="0" y="0"/>
+          <a:chExt cx="0" cy="0"/>
+        </a:xfrm>
+      </p:grpSpPr>
+      <p:sp>
+        <p:nvSpPr>
+          <p:cNvPr id="2" name="Título 1">
+            <a:extLst>
+              <a:ext uri="{FF2B5EF4-FFF2-40B4-BE49-F238E27FC236}">
+                <a16:creationId xmlns:a16="http://schemas.microsoft.com/office/drawing/2014/main" id="{9F59C0C2-921F-2D2F-ADBA-4D87AD4D1B6B}"/>
+              </a:ext>
+            </a:extLst>
+          </p:cNvPr>
+          <p:cNvSpPr>
+            <a:spLocks noGrp="1"/>
+          </p:cNvSpPr>
+          <p:nvPr>
+            <p:ph type="title"/>
+          </p:nvPr>
+        </p:nvSpPr>
+        <p:spPr/>
+        <p:txBody>
+          <a:bodyPr/>
+          <a:lstStyle/>
+          <a:p>
+            <a:r>
+              <a:rPr lang="es-MX" dirty="0"/>
+              <a:t>Buscando Membresía “Oro” que inicie con “48Z”</a:t>
+            </a:r>
+            <a:endParaRPr lang="en-US" dirty="0"/>
+          </a:p>
+        </p:txBody>
+      </p:sp>
       <p:pic>
         <p:nvPicPr>
-          <p:cNvPr id="6" name="Imagen 5">
-            <a:extLst>
-              <a:ext uri="{FF2B5EF4-FFF2-40B4-BE49-F238E27FC236}">
-                <a16:creationId xmlns:a16="http://schemas.microsoft.com/office/drawing/2014/main" id="{7E5B1B52-B52B-0F8B-C3EB-CC87B088BB1C}"/>
+          <p:cNvPr id="6" name="Marcador de contenido 5">
+            <a:extLst>
+              <a:ext uri="{FF2B5EF4-FFF2-40B4-BE49-F238E27FC236}">
+                <a16:creationId xmlns:a16="http://schemas.microsoft.com/office/drawing/2014/main" id="{2B0238E9-91E3-3630-03E2-E98E66870625}"/>
               </a:ext>
             </a:extLst>
           </p:cNvPr>
           <p:cNvPicPr>
-            <a:picLocks noChangeAspect="1"/>
+            <a:picLocks noGrp="1" noChangeAspect="1"/>
           </p:cNvPicPr>
-          <p:nvPr/>
+          <p:nvPr>
+            <p:ph idx="1"/>
+          </p:nvPr>
         </p:nvPicPr>
         <p:blipFill>
           <a:blip r:embed="rId2"/>
@@ -6118,18 +7426,286 @@
         </p:blipFill>
         <p:spPr>
           <a:xfrm>
-            <a:off x="4613616" y="2074269"/>
-            <a:ext cx="5350192" cy="3678257"/>
+            <a:off x="2225187" y="2022447"/>
+            <a:ext cx="7741625" cy="3824594"/>
           </a:xfrm>
-          <a:prstGeom prst="rect">
-            <a:avLst/>
-          </a:prstGeom>
         </p:spPr>
       </p:pic>
+      <p:sp>
+        <p:nvSpPr>
+          <p:cNvPr id="4" name="Marcador de fecha 3">
+            <a:extLst>
+              <a:ext uri="{FF2B5EF4-FFF2-40B4-BE49-F238E27FC236}">
+                <a16:creationId xmlns:a16="http://schemas.microsoft.com/office/drawing/2014/main" id="{C00A2FB8-0FDF-C713-0037-09706FDB8964}"/>
+              </a:ext>
+            </a:extLst>
+          </p:cNvPr>
+          <p:cNvSpPr>
+            <a:spLocks noGrp="1"/>
+          </p:cNvSpPr>
+          <p:nvPr>
+            <p:ph type="dt" sz="half" idx="10"/>
+          </p:nvPr>
+        </p:nvSpPr>
+        <p:spPr/>
+        <p:txBody>
+          <a:bodyPr/>
+          <a:lstStyle/>
+          <a:p>
+            <a:fld id="{0A35D1BA-79EA-46D7-87E5-59794141B822}" type="datetime3">
+              <a:rPr lang="en-US" smtClean="0"/>
+              <a:t>2 December 2024</a:t>
+            </a:fld>
+            <a:endParaRPr lang="en-US"/>
+          </a:p>
+        </p:txBody>
+      </p:sp>
     </p:spTree>
     <p:extLst>
       <p:ext uri="{BB962C8B-B14F-4D97-AF65-F5344CB8AC3E}">
-        <p14:creationId xmlns:p14="http://schemas.microsoft.com/office/powerpoint/2010/main" val="1117940499"/>
+        <p14:creationId xmlns:p14="http://schemas.microsoft.com/office/powerpoint/2010/main" val="2853240765"/>
+      </p:ext>
+    </p:extLst>
+  </p:cSld>
+  <p:clrMapOvr>
+    <a:masterClrMapping/>
+  </p:clrMapOvr>
+</p:sld>
+</file>
+
+<file path=ppt/slides/slide8.xml><?xml version="1.0" encoding="utf-8"?>
+<p:sld xmlns:a="http://schemas.openxmlformats.org/drawingml/2006/main" xmlns:r="http://schemas.openxmlformats.org/officeDocument/2006/relationships" xmlns:p="http://schemas.openxmlformats.org/presentationml/2006/main">
+  <p:cSld>
+    <p:spTree>
+      <p:nvGrpSpPr>
+        <p:cNvPr id="1" name=""/>
+        <p:cNvGrpSpPr/>
+        <p:nvPr/>
+      </p:nvGrpSpPr>
+      <p:grpSpPr>
+        <a:xfrm>
+          <a:off x="0" y="0"/>
+          <a:ext cx="0" cy="0"/>
+          <a:chOff x="0" y="0"/>
+          <a:chExt cx="0" cy="0"/>
+        </a:xfrm>
+      </p:grpSpPr>
+      <p:sp>
+        <p:nvSpPr>
+          <p:cNvPr id="2" name="Título 1">
+            <a:extLst>
+              <a:ext uri="{FF2B5EF4-FFF2-40B4-BE49-F238E27FC236}">
+                <a16:creationId xmlns:a16="http://schemas.microsoft.com/office/drawing/2014/main" id="{39C5BE0A-8FDC-A295-3BBC-A4212712AC58}"/>
+              </a:ext>
+            </a:extLst>
+          </p:cNvPr>
+          <p:cNvSpPr>
+            <a:spLocks noGrp="1"/>
+          </p:cNvSpPr>
+          <p:nvPr>
+            <p:ph type="title"/>
+          </p:nvPr>
+        </p:nvSpPr>
+        <p:spPr/>
+        <p:txBody>
+          <a:bodyPr/>
+          <a:lstStyle/>
+          <a:p>
+            <a:r>
+              <a:rPr lang="es-MX" dirty="0"/>
+              <a:t>Buscando Matricula que contenga “H42W”</a:t>
+            </a:r>
+            <a:endParaRPr lang="en-US" dirty="0"/>
+          </a:p>
+        </p:txBody>
+      </p:sp>
+      <p:pic>
+        <p:nvPicPr>
+          <p:cNvPr id="6" name="Marcador de contenido 5">
+            <a:extLst>
+              <a:ext uri="{FF2B5EF4-FFF2-40B4-BE49-F238E27FC236}">
+                <a16:creationId xmlns:a16="http://schemas.microsoft.com/office/drawing/2014/main" id="{D2960CB3-BFC2-59D4-78A8-DB0D708E7461}"/>
+              </a:ext>
+            </a:extLst>
+          </p:cNvPr>
+          <p:cNvPicPr>
+            <a:picLocks noGrp="1" noChangeAspect="1"/>
+          </p:cNvPicPr>
+          <p:nvPr>
+            <p:ph idx="1"/>
+          </p:nvPr>
+        </p:nvPicPr>
+        <p:blipFill>
+          <a:blip r:embed="rId2"/>
+          <a:stretch>
+            <a:fillRect/>
+          </a:stretch>
+        </p:blipFill>
+        <p:spPr>
+          <a:xfrm>
+            <a:off x="1374307" y="2031027"/>
+            <a:ext cx="8455058" cy="3866108"/>
+          </a:xfrm>
+        </p:spPr>
+      </p:pic>
+      <p:sp>
+        <p:nvSpPr>
+          <p:cNvPr id="4" name="Marcador de fecha 3">
+            <a:extLst>
+              <a:ext uri="{FF2B5EF4-FFF2-40B4-BE49-F238E27FC236}">
+                <a16:creationId xmlns:a16="http://schemas.microsoft.com/office/drawing/2014/main" id="{0D4F9B60-57E2-F696-199A-A8BF4B79B65C}"/>
+              </a:ext>
+            </a:extLst>
+          </p:cNvPr>
+          <p:cNvSpPr>
+            <a:spLocks noGrp="1"/>
+          </p:cNvSpPr>
+          <p:nvPr>
+            <p:ph type="dt" sz="half" idx="10"/>
+          </p:nvPr>
+        </p:nvSpPr>
+        <p:spPr/>
+        <p:txBody>
+          <a:bodyPr/>
+          <a:lstStyle/>
+          <a:p>
+            <a:fld id="{0A35D1BA-79EA-46D7-87E5-59794141B822}" type="datetime3">
+              <a:rPr lang="en-US" smtClean="0"/>
+              <a:t>2 December 2024</a:t>
+            </a:fld>
+            <a:endParaRPr lang="en-US"/>
+          </a:p>
+        </p:txBody>
+      </p:sp>
+    </p:spTree>
+    <p:extLst>
+      <p:ext uri="{BB962C8B-B14F-4D97-AF65-F5344CB8AC3E}">
+        <p14:creationId xmlns:p14="http://schemas.microsoft.com/office/powerpoint/2010/main" val="3753221090"/>
+      </p:ext>
+    </p:extLst>
+  </p:cSld>
+  <p:clrMapOvr>
+    <a:masterClrMapping/>
+  </p:clrMapOvr>
+</p:sld>
+</file>
+
+<file path=ppt/slides/slide9.xml><?xml version="1.0" encoding="utf-8"?>
+<p:sld xmlns:a="http://schemas.openxmlformats.org/drawingml/2006/main" xmlns:r="http://schemas.openxmlformats.org/officeDocument/2006/relationships" xmlns:p="http://schemas.openxmlformats.org/presentationml/2006/main">
+  <p:cSld>
+    <p:spTree>
+      <p:nvGrpSpPr>
+        <p:cNvPr id="1" name=""/>
+        <p:cNvGrpSpPr/>
+        <p:nvPr/>
+      </p:nvGrpSpPr>
+      <p:grpSpPr>
+        <a:xfrm>
+          <a:off x="0" y="0"/>
+          <a:ext cx="0" cy="0"/>
+          <a:chOff x="0" y="0"/>
+          <a:chExt cx="0" cy="0"/>
+        </a:xfrm>
+      </p:grpSpPr>
+      <p:sp>
+        <p:nvSpPr>
+          <p:cNvPr id="2" name="Título 1">
+            <a:extLst>
+              <a:ext uri="{FF2B5EF4-FFF2-40B4-BE49-F238E27FC236}">
+                <a16:creationId xmlns:a16="http://schemas.microsoft.com/office/drawing/2014/main" id="{57B78C10-7ECE-9394-BA0F-ABCA85ACDCAC}"/>
+              </a:ext>
+            </a:extLst>
+          </p:cNvPr>
+          <p:cNvSpPr>
+            <a:spLocks noGrp="1"/>
+          </p:cNvSpPr>
+          <p:nvPr>
+            <p:ph type="title"/>
+          </p:nvPr>
+        </p:nvSpPr>
+        <p:spPr/>
+        <p:txBody>
+          <a:bodyPr/>
+          <a:lstStyle/>
+          <a:p>
+            <a:r>
+              <a:rPr lang="es-MX" dirty="0"/>
+              <a:t>Buscando acceso al </a:t>
+            </a:r>
+            <a:r>
+              <a:rPr lang="es-MX" dirty="0" err="1"/>
+              <a:t>Gym</a:t>
+            </a:r>
+            <a:r>
+              <a:rPr lang="es-MX" dirty="0"/>
+              <a:t> el día 9 de Enero del 2018</a:t>
+            </a:r>
+            <a:endParaRPr lang="en-US" dirty="0"/>
+          </a:p>
+        </p:txBody>
+      </p:sp>
+      <p:pic>
+        <p:nvPicPr>
+          <p:cNvPr id="6" name="Marcador de contenido 5">
+            <a:extLst>
+              <a:ext uri="{FF2B5EF4-FFF2-40B4-BE49-F238E27FC236}">
+                <a16:creationId xmlns:a16="http://schemas.microsoft.com/office/drawing/2014/main" id="{4A5F05BE-2D81-93C9-30C9-FD7EDB8627C0}"/>
+              </a:ext>
+            </a:extLst>
+          </p:cNvPr>
+          <p:cNvPicPr>
+            <a:picLocks noGrp="1" noChangeAspect="1"/>
+          </p:cNvPicPr>
+          <p:nvPr>
+            <p:ph idx="1"/>
+          </p:nvPr>
+        </p:nvPicPr>
+        <p:blipFill>
+          <a:blip r:embed="rId2"/>
+          <a:stretch>
+            <a:fillRect/>
+          </a:stretch>
+        </p:blipFill>
+        <p:spPr>
+          <a:xfrm>
+            <a:off x="3843851" y="1981536"/>
+            <a:ext cx="3515969" cy="3965089"/>
+          </a:xfrm>
+        </p:spPr>
+      </p:pic>
+      <p:sp>
+        <p:nvSpPr>
+          <p:cNvPr id="4" name="Marcador de fecha 3">
+            <a:extLst>
+              <a:ext uri="{FF2B5EF4-FFF2-40B4-BE49-F238E27FC236}">
+                <a16:creationId xmlns:a16="http://schemas.microsoft.com/office/drawing/2014/main" id="{D5AAAFD9-265A-985E-DBA7-4812B6EEBA93}"/>
+              </a:ext>
+            </a:extLst>
+          </p:cNvPr>
+          <p:cNvSpPr>
+            <a:spLocks noGrp="1"/>
+          </p:cNvSpPr>
+          <p:nvPr>
+            <p:ph type="dt" sz="half" idx="10"/>
+          </p:nvPr>
+        </p:nvSpPr>
+        <p:spPr/>
+        <p:txBody>
+          <a:bodyPr/>
+          <a:lstStyle/>
+          <a:p>
+            <a:fld id="{0A35D1BA-79EA-46D7-87E5-59794141B822}" type="datetime3">
+              <a:rPr lang="en-US" smtClean="0"/>
+              <a:t>2 December 2024</a:t>
+            </a:fld>
+            <a:endParaRPr lang="en-US"/>
+          </a:p>
+        </p:txBody>
+      </p:sp>
+    </p:spTree>
+    <p:extLst>
+      <p:ext uri="{BB962C8B-B14F-4D97-AF65-F5344CB8AC3E}">
+        <p14:creationId xmlns:p14="http://schemas.microsoft.com/office/powerpoint/2010/main" val="1337539958"/>
       </p:ext>
     </p:extLst>
   </p:cSld>

--- a/TEAM CHALLENGE.pptx
+++ b/TEAM CHALLENGE.pptx
@@ -5,7 +5,7 @@
     <p:sldMasterId id="2147483755" r:id="rId1"/>
   </p:sldMasterIdLst>
   <p:notesMasterIdLst>
-    <p:notesMasterId r:id="rId21"/>
+    <p:notesMasterId r:id="rId24"/>
   </p:notesMasterIdLst>
   <p:sldIdLst>
     <p:sldId id="256" r:id="rId2"/>
@@ -25,8 +25,11 @@
     <p:sldId id="274" r:id="rId16"/>
     <p:sldId id="259" r:id="rId17"/>
     <p:sldId id="258" r:id="rId18"/>
-    <p:sldId id="261" r:id="rId19"/>
-    <p:sldId id="260" r:id="rId20"/>
+    <p:sldId id="260" r:id="rId19"/>
+    <p:sldId id="261" r:id="rId20"/>
+    <p:sldId id="276" r:id="rId21"/>
+    <p:sldId id="275" r:id="rId22"/>
+    <p:sldId id="277" r:id="rId23"/>
   </p:sldIdLst>
   <p:sldSz cx="12192000" cy="6858000"/>
   <p:notesSz cx="6858000" cy="9144000"/>
@@ -215,7 +218,7 @@
           <a:p>
             <a:fld id="{5BD182C1-5DAB-473C-90B6-CB7996CDA10C}" type="datetimeFigureOut">
               <a:rPr lang="es-ES" smtClean="0"/>
-              <a:t>02/12/2024</a:t>
+              <a:t>03/12/2024</a:t>
             </a:fld>
             <a:endParaRPr lang="es-ES"/>
           </a:p>
@@ -638,7 +641,7 @@
           <a:p>
             <a:fld id="{A9F247EF-9E98-43EB-A79B-6217CBB327EC}" type="datetime3">
               <a:rPr lang="en-US" smtClean="0"/>
-              <a:t>2 December 2024</a:t>
+              <a:t>3 December 2024</a:t>
             </a:fld>
             <a:endParaRPr lang="en-US"/>
           </a:p>
@@ -889,7 +892,7 @@
           <a:p>
             <a:fld id="{AAC855E0-F2B1-485D-BB2D-16AF7DB36FD4}" type="datetime3">
               <a:rPr lang="en-US" smtClean="0"/>
-              <a:t>2 December 2024</a:t>
+              <a:t>3 December 2024</a:t>
             </a:fld>
             <a:endParaRPr lang="en-US"/>
           </a:p>
@@ -1099,7 +1102,7 @@
           <a:p>
             <a:fld id="{F39F6E54-6356-434E-8854-95BE46F82E10}" type="datetime3">
               <a:rPr lang="en-US" smtClean="0"/>
-              <a:t>2 December 2024</a:t>
+              <a:t>3 December 2024</a:t>
             </a:fld>
             <a:endParaRPr lang="en-US"/>
           </a:p>
@@ -1309,7 +1312,7 @@
           <a:p>
             <a:fld id="{0A35D1BA-79EA-46D7-87E5-59794141B822}" type="datetime3">
               <a:rPr lang="en-US" smtClean="0"/>
-              <a:t>2 December 2024</a:t>
+              <a:t>3 December 2024</a:t>
             </a:fld>
             <a:endParaRPr lang="en-US"/>
           </a:p>
@@ -1626,7 +1629,7 @@
           <a:p>
             <a:fld id="{D4266BE9-46EE-4BA3-A5FC-8C070747DFC3}" type="datetime3">
               <a:rPr lang="en-US" smtClean="0"/>
-              <a:t>2 December 2024</a:t>
+              <a:t>3 December 2024</a:t>
             </a:fld>
             <a:endParaRPr lang="en-US"/>
           </a:p>
@@ -1899,7 +1902,7 @@
           <a:p>
             <a:fld id="{6407FF24-2D4B-4AB1-999F-B33226B0B4CE}" type="datetime3">
               <a:rPr lang="en-US" smtClean="0"/>
-              <a:t>2 December 2024</a:t>
+              <a:t>3 December 2024</a:t>
             </a:fld>
             <a:endParaRPr lang="en-US"/>
           </a:p>
@@ -2410,7 +2413,7 @@
           <a:p>
             <a:fld id="{21C0BCCA-6E8D-4144-9A09-5950A7523EE0}" type="datetime3">
               <a:rPr lang="en-US" smtClean="0"/>
-              <a:t>2 December 2024</a:t>
+              <a:t>3 December 2024</a:t>
             </a:fld>
             <a:endParaRPr lang="en-US"/>
           </a:p>
@@ -2643,7 +2646,7 @@
           <a:p>
             <a:fld id="{8B9F2932-4F2D-42BD-B69E-0802F0F2A0A2}" type="datetime3">
               <a:rPr lang="en-US" smtClean="0"/>
-              <a:t>2 December 2024</a:t>
+              <a:t>3 December 2024</a:t>
             </a:fld>
             <a:endParaRPr lang="en-US"/>
           </a:p>
@@ -2756,7 +2759,7 @@
           <a:p>
             <a:fld id="{F929CE95-58B0-4D20-8D34-8E37FDF3F337}" type="datetime3">
               <a:rPr lang="en-US" smtClean="0"/>
-              <a:t>2 December 2024</a:t>
+              <a:t>3 December 2024</a:t>
             </a:fld>
             <a:endParaRPr lang="en-US"/>
           </a:p>
@@ -3071,7 +3074,7 @@
           <a:p>
             <a:fld id="{41275441-1B6C-4CB5-945E-F02D53899D29}" type="datetime3">
               <a:rPr lang="en-US" smtClean="0"/>
-              <a:t>2 December 2024</a:t>
+              <a:t>3 December 2024</a:t>
             </a:fld>
             <a:endParaRPr lang="en-US"/>
           </a:p>
@@ -3363,7 +3366,7 @@
           <a:p>
             <a:fld id="{34D301F7-64C2-49BE-8B5C-CF1F39B48CCA}" type="datetime3">
               <a:rPr lang="en-US" smtClean="0"/>
-              <a:t>2 December 2024</a:t>
+              <a:t>3 December 2024</a:t>
             </a:fld>
             <a:endParaRPr lang="en-US"/>
           </a:p>
@@ -3658,7 +3661,7 @@
           <a:p>
             <a:fld id="{A739BDB9-9F0D-44FF-867F-E1AF16857E6A}" type="datetime3">
               <a:rPr lang="en-US" smtClean="0"/>
-              <a:t>2 December 2024</a:t>
+              <a:t>3 December 2024</a:t>
             </a:fld>
             <a:endParaRPr lang="en-US" dirty="0"/>
           </a:p>
@@ -5099,7 +5102,7 @@
             <a:fld id="{77AB9C67-E026-4FC0-82D7-99635915FD73}" type="datetime3">
               <a:rPr lang="en-US" smtClean="0"/>
               <a:pPr/>
-              <a:t>2 December 2024</a:t>
+              <a:t>3 December 2024</a:t>
             </a:fld>
             <a:endParaRPr lang="en-US" dirty="0"/>
           </a:p>
@@ -5216,7 +5219,7 @@
           <a:p>
             <a:fld id="{0A35D1BA-79EA-46D7-87E5-59794141B822}" type="datetime3">
               <a:rPr lang="en-US" smtClean="0"/>
-              <a:t>2 December 2024</a:t>
+              <a:t>3 December 2024</a:t>
             </a:fld>
             <a:endParaRPr lang="en-US"/>
           </a:p>
@@ -5333,7 +5336,7 @@
           <a:p>
             <a:fld id="{0A35D1BA-79EA-46D7-87E5-59794141B822}" type="datetime3">
               <a:rPr lang="en-US" smtClean="0"/>
-              <a:t>2 December 2024</a:t>
+              <a:t>3 December 2024</a:t>
             </a:fld>
             <a:endParaRPr lang="en-US"/>
           </a:p>
@@ -5458,7 +5461,7 @@
           <a:p>
             <a:fld id="{0A35D1BA-79EA-46D7-87E5-59794141B822}" type="datetime3">
               <a:rPr lang="en-US" smtClean="0"/>
-              <a:t>2 December 2024</a:t>
+              <a:t>3 December 2024</a:t>
             </a:fld>
             <a:endParaRPr lang="en-US"/>
           </a:p>
@@ -5575,7 +5578,7 @@
           <a:p>
             <a:fld id="{0A35D1BA-79EA-46D7-87E5-59794141B822}" type="datetime3">
               <a:rPr lang="en-US" smtClean="0"/>
-              <a:t>2 December 2024</a:t>
+              <a:t>3 December 2024</a:t>
             </a:fld>
             <a:endParaRPr lang="en-US"/>
           </a:p>
@@ -5692,7 +5695,7 @@
           <a:p>
             <a:fld id="{0A35D1BA-79EA-46D7-87E5-59794141B822}" type="datetime3">
               <a:rPr lang="en-US" smtClean="0"/>
-              <a:t>2 December 2024</a:t>
+              <a:t>3 December 2024</a:t>
             </a:fld>
             <a:endParaRPr lang="en-US"/>
           </a:p>
@@ -5809,7 +5812,7 @@
           <a:p>
             <a:fld id="{0A35D1BA-79EA-46D7-87E5-59794141B822}" type="datetime3">
               <a:rPr lang="en-US" smtClean="0"/>
-              <a:t>2 December 2024</a:t>
+              <a:t>3 December 2024</a:t>
             </a:fld>
             <a:endParaRPr lang="en-US"/>
           </a:p>
@@ -5892,7 +5895,7 @@
         <p:spPr/>
         <p:txBody>
           <a:bodyPr>
-            <a:normAutofit/>
+            <a:normAutofit fontScale="92500" lnSpcReduction="20000"/>
           </a:bodyPr>
           <a:lstStyle/>
           <a:p>
@@ -5933,7 +5936,21 @@
             <a:pPr lvl="1"/>
             <a:r>
               <a:rPr lang="es-ES" dirty="0"/>
-              <a:t>Interrelación entre tablas</a:t>
+              <a:t>Conexiones entre tablas</a:t>
+            </a:r>
+          </a:p>
+          <a:p>
+            <a:pPr lvl="1"/>
+            <a:r>
+              <a:rPr lang="es-ES" dirty="0"/>
+              <a:t>Creación de la base de datos </a:t>
+            </a:r>
+          </a:p>
+          <a:p>
+            <a:pPr lvl="1"/>
+            <a:r>
+              <a:rPr lang="es-ES" dirty="0"/>
+              <a:t>Introducción datos de prueba</a:t>
             </a:r>
           </a:p>
           <a:p>
@@ -5974,7 +5991,7 @@
           <a:p>
             <a:fld id="{0A35D1BA-79EA-46D7-87E5-59794141B822}" type="datetime3">
               <a:rPr lang="en-US" smtClean="0"/>
-              <a:t>2 December 2024</a:t>
+              <a:t>3 December 2024</a:t>
             </a:fld>
             <a:endParaRPr lang="en-US"/>
           </a:p>
@@ -6094,7 +6111,7 @@
           <a:p>
             <a:fld id="{B36DE166-B0EE-4C2A-9DF3-B2FCF4FBEA17}" type="datetime3">
               <a:rPr lang="en-US" smtClean="0"/>
-              <a:t>2 December 2024</a:t>
+              <a:t>3 December 2024</a:t>
             </a:fld>
             <a:endParaRPr lang="en-US" dirty="0"/>
           </a:p>
@@ -6493,7 +6510,7 @@
           <p:cNvPr id="2" name="Título 1">
             <a:extLst>
               <a:ext uri="{FF2B5EF4-FFF2-40B4-BE49-F238E27FC236}">
-                <a16:creationId xmlns:a16="http://schemas.microsoft.com/office/drawing/2014/main" id="{05240DC1-2F2E-81E9-50AE-9EF9DC7E7CE2}"/>
+                <a16:creationId xmlns:a16="http://schemas.microsoft.com/office/drawing/2014/main" id="{88EF4765-6929-D440-6ECB-FEAE3D97AE48}"/>
               </a:ext>
             </a:extLst>
           </p:cNvPr>
@@ -6521,7 +6538,7 @@
           <p:cNvPr id="3" name="Marcador de contenido 2">
             <a:extLst>
               <a:ext uri="{FF2B5EF4-FFF2-40B4-BE49-F238E27FC236}">
-                <a16:creationId xmlns:a16="http://schemas.microsoft.com/office/drawing/2014/main" id="{3EF9CA01-4EB9-02C1-4DE9-13B4846EF91E}"/>
+                <a16:creationId xmlns:a16="http://schemas.microsoft.com/office/drawing/2014/main" id="{38C68160-C8F9-C4F7-9275-BDB644A04507}"/>
               </a:ext>
             </a:extLst>
           </p:cNvPr>
@@ -6539,15 +6556,19 @@
           <a:p>
             <a:r>
               <a:rPr lang="es-ES" dirty="0"/>
-              <a:t>Creación de la base de datos: </a:t>
-            </a:r>
-          </a:p>
-          <a:p>
-            <a:pPr lvl="1"/>
+              <a:t>Conexiones entre tablas (Diagrama ER-obtenido de </a:t>
+            </a:r>
+            <a:r>
+              <a:rPr lang="es-ES" dirty="0" err="1"/>
+              <a:t>Dbeaver</a:t>
+            </a:r>
             <a:r>
               <a:rPr lang="es-ES" dirty="0"/>
-              <a:t>Ver notebook</a:t>
-            </a:r>
+              <a:t>):</a:t>
+            </a:r>
+          </a:p>
+          <a:p>
+            <a:endParaRPr lang="es-ES" dirty="0"/>
           </a:p>
         </p:txBody>
       </p:sp>
@@ -6556,7 +6577,7 @@
           <p:cNvPr id="4" name="Marcador de fecha 3">
             <a:extLst>
               <a:ext uri="{FF2B5EF4-FFF2-40B4-BE49-F238E27FC236}">
-                <a16:creationId xmlns:a16="http://schemas.microsoft.com/office/drawing/2014/main" id="{35AEAA59-06B9-4CD8-D11A-B00BA9939ECB}"/>
+                <a16:creationId xmlns:a16="http://schemas.microsoft.com/office/drawing/2014/main" id="{9285E110-F7FA-3D55-3F94-E5E36E5BF145}"/>
               </a:ext>
             </a:extLst>
           </p:cNvPr>
@@ -6574,16 +6595,46 @@
           <a:p>
             <a:fld id="{0A35D1BA-79EA-46D7-87E5-59794141B822}" type="datetime3">
               <a:rPr lang="en-US" smtClean="0"/>
-              <a:t>2 December 2024</a:t>
+              <a:t>3 December 2024</a:t>
             </a:fld>
-            <a:endParaRPr lang="en-US"/>
-          </a:p>
-        </p:txBody>
-      </p:sp>
+            <a:endParaRPr lang="en-US" dirty="0"/>
+          </a:p>
+        </p:txBody>
+      </p:sp>
+      <p:pic>
+        <p:nvPicPr>
+          <p:cNvPr id="7" name="Imagen 6">
+            <a:extLst>
+              <a:ext uri="{FF2B5EF4-FFF2-40B4-BE49-F238E27FC236}">
+                <a16:creationId xmlns:a16="http://schemas.microsoft.com/office/drawing/2014/main" id="{7685E90D-714B-7B41-D8C2-C4F3FE571D33}"/>
+              </a:ext>
+            </a:extLst>
+          </p:cNvPr>
+          <p:cNvPicPr>
+            <a:picLocks noChangeAspect="1"/>
+          </p:cNvPicPr>
+          <p:nvPr/>
+        </p:nvPicPr>
+        <p:blipFill>
+          <a:blip r:embed="rId2"/>
+          <a:stretch>
+            <a:fillRect/>
+          </a:stretch>
+        </p:blipFill>
+        <p:spPr>
+          <a:xfrm>
+            <a:off x="1741469" y="2559254"/>
+            <a:ext cx="7720733" cy="3387161"/>
+          </a:xfrm>
+          <a:prstGeom prst="rect">
+            <a:avLst/>
+          </a:prstGeom>
+        </p:spPr>
+      </p:pic>
     </p:spTree>
     <p:extLst>
       <p:ext uri="{BB962C8B-B14F-4D97-AF65-F5344CB8AC3E}">
-        <p14:creationId xmlns:p14="http://schemas.microsoft.com/office/powerpoint/2010/main" val="1668531633"/>
+        <p14:creationId xmlns:p14="http://schemas.microsoft.com/office/powerpoint/2010/main" val="1117940499"/>
       </p:ext>
     </p:extLst>
   </p:cSld>
@@ -6615,7 +6666,7 @@
           <p:cNvPr id="2" name="Título 1">
             <a:extLst>
               <a:ext uri="{FF2B5EF4-FFF2-40B4-BE49-F238E27FC236}">
-                <a16:creationId xmlns:a16="http://schemas.microsoft.com/office/drawing/2014/main" id="{88EF4765-6929-D440-6ECB-FEAE3D97AE48}"/>
+                <a16:creationId xmlns:a16="http://schemas.microsoft.com/office/drawing/2014/main" id="{05240DC1-2F2E-81E9-50AE-9EF9DC7E7CE2}"/>
               </a:ext>
             </a:extLst>
           </p:cNvPr>
@@ -6643,7 +6694,7 @@
           <p:cNvPr id="3" name="Marcador de contenido 2">
             <a:extLst>
               <a:ext uri="{FF2B5EF4-FFF2-40B4-BE49-F238E27FC236}">
-                <a16:creationId xmlns:a16="http://schemas.microsoft.com/office/drawing/2014/main" id="{38C68160-C8F9-C4F7-9275-BDB644A04507}"/>
+                <a16:creationId xmlns:a16="http://schemas.microsoft.com/office/drawing/2014/main" id="{3EF9CA01-4EB9-02C1-4DE9-13B4846EF91E}"/>
               </a:ext>
             </a:extLst>
           </p:cNvPr>
@@ -6661,11 +6712,25 @@
           <a:p>
             <a:r>
               <a:rPr lang="es-ES" dirty="0"/>
-              <a:t>Conexiones entre las tablas:</a:t>
-            </a:r>
-          </a:p>
-          <a:p>
-            <a:endParaRPr lang="es-ES" dirty="0"/>
+              <a:t>Creación de la base de datos “</a:t>
+            </a:r>
+            <a:r>
+              <a:rPr lang="es-ES" dirty="0" err="1"/>
+              <a:t>control_piezas.db</a:t>
+            </a:r>
+            <a:r>
+              <a:rPr lang="es-ES" dirty="0"/>
+              <a:t>:</a:t>
+            </a:r>
+          </a:p>
+          <a:p>
+            <a:pPr marL="0" indent="0">
+              <a:buNone/>
+            </a:pPr>
+            <a:r>
+              <a:rPr lang="es-ES" dirty="0"/>
+              <a:t> </a:t>
+            </a:r>
           </a:p>
         </p:txBody>
       </p:sp>
@@ -6674,7 +6739,7 @@
           <p:cNvPr id="4" name="Marcador de fecha 3">
             <a:extLst>
               <a:ext uri="{FF2B5EF4-FFF2-40B4-BE49-F238E27FC236}">
-                <a16:creationId xmlns:a16="http://schemas.microsoft.com/office/drawing/2014/main" id="{9285E110-F7FA-3D55-3F94-E5E36E5BF145}"/>
+                <a16:creationId xmlns:a16="http://schemas.microsoft.com/office/drawing/2014/main" id="{35AEAA59-06B9-4CD8-D11A-B00BA9939ECB}"/>
               </a:ext>
             </a:extLst>
           </p:cNvPr>
@@ -6692,7 +6757,7 @@
           <a:p>
             <a:fld id="{0A35D1BA-79EA-46D7-87E5-59794141B822}" type="datetime3">
               <a:rPr lang="en-US" smtClean="0"/>
-              <a:t>2 December 2024</a:t>
+              <a:t>3 December 2024</a:t>
             </a:fld>
             <a:endParaRPr lang="en-US"/>
           </a:p>
@@ -6700,10 +6765,10 @@
       </p:sp>
       <p:pic>
         <p:nvPicPr>
-          <p:cNvPr id="6" name="Imagen 5">
-            <a:extLst>
-              <a:ext uri="{FF2B5EF4-FFF2-40B4-BE49-F238E27FC236}">
-                <a16:creationId xmlns:a16="http://schemas.microsoft.com/office/drawing/2014/main" id="{7E5B1B52-B52B-0F8B-C3EB-CC87B088BB1C}"/>
+          <p:cNvPr id="10" name="Imagen 9">
+            <a:extLst>
+              <a:ext uri="{FF2B5EF4-FFF2-40B4-BE49-F238E27FC236}">
+                <a16:creationId xmlns:a16="http://schemas.microsoft.com/office/drawing/2014/main" id="{DA4F0541-8D82-468C-7756-AC4FF3979816}"/>
               </a:ext>
             </a:extLst>
           </p:cNvPr>
@@ -6720,8 +6785,8 @@
         </p:blipFill>
         <p:spPr>
           <a:xfrm>
-            <a:off x="4613616" y="2074269"/>
-            <a:ext cx="5350192" cy="3678257"/>
+            <a:off x="932928" y="2692211"/>
+            <a:ext cx="9337816" cy="2476697"/>
           </a:xfrm>
           <a:prstGeom prst="rect">
             <a:avLst/>
@@ -6731,7 +6796,7 @@
     </p:spTree>
     <p:extLst>
       <p:ext uri="{BB962C8B-B14F-4D97-AF65-F5344CB8AC3E}">
-        <p14:creationId xmlns:p14="http://schemas.microsoft.com/office/powerpoint/2010/main" val="1117940499"/>
+        <p14:creationId xmlns:p14="http://schemas.microsoft.com/office/powerpoint/2010/main" val="1668531633"/>
       </p:ext>
     </p:extLst>
   </p:cSld>
@@ -6848,7 +6913,7 @@
           <a:p>
             <a:fld id="{77AB9C67-E026-4FC0-82D7-99635915FD73}" type="datetime3">
               <a:rPr lang="en-US" smtClean="0"/>
-              <a:t>2 December 2024</a:t>
+              <a:t>3 December 2024</a:t>
             </a:fld>
             <a:endParaRPr lang="en-US" dirty="0"/>
           </a:p>
@@ -6858,6 +6923,553 @@
     <p:extLst>
       <p:ext uri="{BB962C8B-B14F-4D97-AF65-F5344CB8AC3E}">
         <p14:creationId xmlns:p14="http://schemas.microsoft.com/office/powerpoint/2010/main" val="3709795783"/>
+      </p:ext>
+    </p:extLst>
+  </p:cSld>
+  <p:clrMapOvr>
+    <a:masterClrMapping/>
+  </p:clrMapOvr>
+</p:sld>
+</file>
+
+<file path=ppt/slides/slide20.xml><?xml version="1.0" encoding="utf-8"?>
+<p:sld xmlns:a="http://schemas.openxmlformats.org/drawingml/2006/main" xmlns:r="http://schemas.openxmlformats.org/officeDocument/2006/relationships" xmlns:p="http://schemas.openxmlformats.org/presentationml/2006/main">
+  <p:cSld>
+    <p:spTree>
+      <p:nvGrpSpPr>
+        <p:cNvPr id="1" name=""/>
+        <p:cNvGrpSpPr/>
+        <p:nvPr/>
+      </p:nvGrpSpPr>
+      <p:grpSpPr>
+        <a:xfrm>
+          <a:off x="0" y="0"/>
+          <a:ext cx="0" cy="0"/>
+          <a:chOff x="0" y="0"/>
+          <a:chExt cx="0" cy="0"/>
+        </a:xfrm>
+      </p:grpSpPr>
+      <p:sp>
+        <p:nvSpPr>
+          <p:cNvPr id="2" name="Título 1">
+            <a:extLst>
+              <a:ext uri="{FF2B5EF4-FFF2-40B4-BE49-F238E27FC236}">
+                <a16:creationId xmlns:a16="http://schemas.microsoft.com/office/drawing/2014/main" id="{7F823210-B9E2-78B4-46F9-351E8673D9F1}"/>
+              </a:ext>
+            </a:extLst>
+          </p:cNvPr>
+          <p:cNvSpPr>
+            <a:spLocks noGrp="1"/>
+          </p:cNvSpPr>
+          <p:nvPr>
+            <p:ph type="title"/>
+          </p:nvPr>
+        </p:nvSpPr>
+        <p:spPr/>
+        <p:txBody>
+          <a:bodyPr/>
+          <a:lstStyle/>
+          <a:p>
+            <a:r>
+              <a:rPr lang="es-ES" dirty="0"/>
+              <a:t>Parte 2 –Modelo Base Datos</a:t>
+            </a:r>
+          </a:p>
+        </p:txBody>
+      </p:sp>
+      <p:sp>
+        <p:nvSpPr>
+          <p:cNvPr id="3" name="Marcador de contenido 2">
+            <a:extLst>
+              <a:ext uri="{FF2B5EF4-FFF2-40B4-BE49-F238E27FC236}">
+                <a16:creationId xmlns:a16="http://schemas.microsoft.com/office/drawing/2014/main" id="{773EEC50-8DAB-C0A5-817F-28D2A918D6C9}"/>
+              </a:ext>
+            </a:extLst>
+          </p:cNvPr>
+          <p:cNvSpPr>
+            <a:spLocks noGrp="1"/>
+          </p:cNvSpPr>
+          <p:nvPr>
+            <p:ph idx="1"/>
+          </p:nvPr>
+        </p:nvSpPr>
+        <p:spPr/>
+        <p:txBody>
+          <a:bodyPr/>
+          <a:lstStyle/>
+          <a:p>
+            <a:r>
+              <a:rPr lang="es-ES" dirty="0"/>
+              <a:t>Definición de las funciones ejecutar(</a:t>
+            </a:r>
+            <a:r>
+              <a:rPr lang="es-ES" dirty="0" err="1"/>
+              <a:t>query</a:t>
+            </a:r>
+            <a:r>
+              <a:rPr lang="es-ES" dirty="0"/>
+              <a:t>) y consultar(</a:t>
+            </a:r>
+            <a:r>
+              <a:rPr lang="es-ES" dirty="0" err="1"/>
+              <a:t>query</a:t>
+            </a:r>
+            <a:r>
+              <a:rPr lang="es-ES" dirty="0"/>
+              <a:t>)</a:t>
+            </a:r>
+          </a:p>
+          <a:p>
+            <a:endParaRPr lang="es-ES" dirty="0"/>
+          </a:p>
+        </p:txBody>
+      </p:sp>
+      <p:sp>
+        <p:nvSpPr>
+          <p:cNvPr id="4" name="Marcador de fecha 3">
+            <a:extLst>
+              <a:ext uri="{FF2B5EF4-FFF2-40B4-BE49-F238E27FC236}">
+                <a16:creationId xmlns:a16="http://schemas.microsoft.com/office/drawing/2014/main" id="{438B5BD2-CF62-371C-27B1-F2320A1C411D}"/>
+              </a:ext>
+            </a:extLst>
+          </p:cNvPr>
+          <p:cNvSpPr>
+            <a:spLocks noGrp="1"/>
+          </p:cNvSpPr>
+          <p:nvPr>
+            <p:ph type="dt" sz="half" idx="10"/>
+          </p:nvPr>
+        </p:nvSpPr>
+        <p:spPr/>
+        <p:txBody>
+          <a:bodyPr/>
+          <a:lstStyle/>
+          <a:p>
+            <a:fld id="{0A35D1BA-79EA-46D7-87E5-59794141B822}" type="datetime3">
+              <a:rPr lang="en-US" smtClean="0"/>
+              <a:t>3 December 2024</a:t>
+            </a:fld>
+            <a:endParaRPr lang="en-US"/>
+          </a:p>
+        </p:txBody>
+      </p:sp>
+      <p:pic>
+        <p:nvPicPr>
+          <p:cNvPr id="6" name="Imagen 5">
+            <a:extLst>
+              <a:ext uri="{FF2B5EF4-FFF2-40B4-BE49-F238E27FC236}">
+                <a16:creationId xmlns:a16="http://schemas.microsoft.com/office/drawing/2014/main" id="{255343BA-6855-AC8D-A110-94279AEAFA06}"/>
+              </a:ext>
+            </a:extLst>
+          </p:cNvPr>
+          <p:cNvPicPr>
+            <a:picLocks noChangeAspect="1"/>
+          </p:cNvPicPr>
+          <p:nvPr/>
+        </p:nvPicPr>
+        <p:blipFill>
+          <a:blip r:embed="rId2"/>
+          <a:stretch>
+            <a:fillRect/>
+          </a:stretch>
+        </p:blipFill>
+        <p:spPr>
+          <a:xfrm>
+            <a:off x="1826526" y="2509746"/>
+            <a:ext cx="7355574" cy="3242780"/>
+          </a:xfrm>
+          <a:prstGeom prst="rect">
+            <a:avLst/>
+          </a:prstGeom>
+        </p:spPr>
+      </p:pic>
+    </p:spTree>
+    <p:extLst>
+      <p:ext uri="{BB962C8B-B14F-4D97-AF65-F5344CB8AC3E}">
+        <p14:creationId xmlns:p14="http://schemas.microsoft.com/office/powerpoint/2010/main" val="3078947589"/>
+      </p:ext>
+    </p:extLst>
+  </p:cSld>
+  <p:clrMapOvr>
+    <a:masterClrMapping/>
+  </p:clrMapOvr>
+</p:sld>
+</file>
+
+<file path=ppt/slides/slide21.xml><?xml version="1.0" encoding="utf-8"?>
+<p:sld xmlns:a="http://schemas.openxmlformats.org/drawingml/2006/main" xmlns:r="http://schemas.openxmlformats.org/officeDocument/2006/relationships" xmlns:p="http://schemas.openxmlformats.org/presentationml/2006/main">
+  <p:cSld>
+    <p:spTree>
+      <p:nvGrpSpPr>
+        <p:cNvPr id="1" name=""/>
+        <p:cNvGrpSpPr/>
+        <p:nvPr/>
+      </p:nvGrpSpPr>
+      <p:grpSpPr>
+        <a:xfrm>
+          <a:off x="0" y="0"/>
+          <a:ext cx="0" cy="0"/>
+          <a:chOff x="0" y="0"/>
+          <a:chExt cx="0" cy="0"/>
+        </a:xfrm>
+      </p:grpSpPr>
+      <p:sp>
+        <p:nvSpPr>
+          <p:cNvPr id="2" name="Título 1">
+            <a:extLst>
+              <a:ext uri="{FF2B5EF4-FFF2-40B4-BE49-F238E27FC236}">
+                <a16:creationId xmlns:a16="http://schemas.microsoft.com/office/drawing/2014/main" id="{C72C12D8-7CE4-05E4-5CBD-6042EF975328}"/>
+              </a:ext>
+            </a:extLst>
+          </p:cNvPr>
+          <p:cNvSpPr>
+            <a:spLocks noGrp="1"/>
+          </p:cNvSpPr>
+          <p:nvPr>
+            <p:ph type="title"/>
+          </p:nvPr>
+        </p:nvSpPr>
+        <p:spPr/>
+        <p:txBody>
+          <a:bodyPr/>
+          <a:lstStyle/>
+          <a:p>
+            <a:r>
+              <a:rPr lang="es-ES" dirty="0"/>
+              <a:t>Parte 2 –Modelo Base Datos</a:t>
+            </a:r>
+          </a:p>
+        </p:txBody>
+      </p:sp>
+      <p:pic>
+        <p:nvPicPr>
+          <p:cNvPr id="6" name="Marcador de contenido 5">
+            <a:extLst>
+              <a:ext uri="{FF2B5EF4-FFF2-40B4-BE49-F238E27FC236}">
+                <a16:creationId xmlns:a16="http://schemas.microsoft.com/office/drawing/2014/main" id="{0228EE77-0DFD-4067-1D0B-BB45E20A2D81}"/>
+              </a:ext>
+            </a:extLst>
+          </p:cNvPr>
+          <p:cNvPicPr>
+            <a:picLocks noGrp="1" noChangeAspect="1"/>
+          </p:cNvPicPr>
+          <p:nvPr>
+            <p:ph idx="1"/>
+          </p:nvPr>
+        </p:nvPicPr>
+        <p:blipFill>
+          <a:blip r:embed="rId2"/>
+          <a:stretch>
+            <a:fillRect/>
+          </a:stretch>
+        </p:blipFill>
+        <p:spPr>
+          <a:xfrm>
+            <a:off x="691672" y="2482760"/>
+            <a:ext cx="3704193" cy="1819275"/>
+          </a:xfrm>
+        </p:spPr>
+      </p:pic>
+      <p:sp>
+        <p:nvSpPr>
+          <p:cNvPr id="4" name="Marcador de fecha 3">
+            <a:extLst>
+              <a:ext uri="{FF2B5EF4-FFF2-40B4-BE49-F238E27FC236}">
+                <a16:creationId xmlns:a16="http://schemas.microsoft.com/office/drawing/2014/main" id="{AD8CA7AD-35C6-C106-97AD-F933921A7EE2}"/>
+              </a:ext>
+            </a:extLst>
+          </p:cNvPr>
+          <p:cNvSpPr>
+            <a:spLocks noGrp="1"/>
+          </p:cNvSpPr>
+          <p:nvPr>
+            <p:ph type="dt" sz="half" idx="10"/>
+          </p:nvPr>
+        </p:nvSpPr>
+        <p:spPr/>
+        <p:txBody>
+          <a:bodyPr/>
+          <a:lstStyle/>
+          <a:p>
+            <a:fld id="{0A35D1BA-79EA-46D7-87E5-59794141B822}" type="datetime3">
+              <a:rPr lang="en-US" smtClean="0"/>
+              <a:t>3 December 2024</a:t>
+            </a:fld>
+            <a:endParaRPr lang="en-US"/>
+          </a:p>
+        </p:txBody>
+      </p:sp>
+      <p:pic>
+        <p:nvPicPr>
+          <p:cNvPr id="8" name="Imagen 7">
+            <a:extLst>
+              <a:ext uri="{FF2B5EF4-FFF2-40B4-BE49-F238E27FC236}">
+                <a16:creationId xmlns:a16="http://schemas.microsoft.com/office/drawing/2014/main" id="{26C1115E-5F58-72C3-DFC6-6DD4EB056F74}"/>
+              </a:ext>
+            </a:extLst>
+          </p:cNvPr>
+          <p:cNvPicPr>
+            <a:picLocks noChangeAspect="1"/>
+          </p:cNvPicPr>
+          <p:nvPr/>
+        </p:nvPicPr>
+        <p:blipFill>
+          <a:blip r:embed="rId3"/>
+          <a:stretch>
+            <a:fillRect/>
+          </a:stretch>
+        </p:blipFill>
+        <p:spPr>
+          <a:xfrm>
+            <a:off x="691672" y="4302035"/>
+            <a:ext cx="3704193" cy="1667079"/>
+          </a:xfrm>
+          <a:prstGeom prst="rect">
+            <a:avLst/>
+          </a:prstGeom>
+        </p:spPr>
+      </p:pic>
+      <p:pic>
+        <p:nvPicPr>
+          <p:cNvPr id="10" name="Imagen 9">
+            <a:extLst>
+              <a:ext uri="{FF2B5EF4-FFF2-40B4-BE49-F238E27FC236}">
+                <a16:creationId xmlns:a16="http://schemas.microsoft.com/office/drawing/2014/main" id="{EAEEA3A8-A621-2929-9A21-46223B6E660F}"/>
+              </a:ext>
+            </a:extLst>
+          </p:cNvPr>
+          <p:cNvPicPr>
+            <a:picLocks noChangeAspect="1"/>
+          </p:cNvPicPr>
+          <p:nvPr/>
+        </p:nvPicPr>
+        <p:blipFill>
+          <a:blip r:embed="rId4"/>
+          <a:stretch>
+            <a:fillRect/>
+          </a:stretch>
+        </p:blipFill>
+        <p:spPr>
+          <a:xfrm>
+            <a:off x="5973539" y="1928552"/>
+            <a:ext cx="4767928" cy="1981477"/>
+          </a:xfrm>
+          <a:prstGeom prst="rect">
+            <a:avLst/>
+          </a:prstGeom>
+        </p:spPr>
+      </p:pic>
+      <p:pic>
+        <p:nvPicPr>
+          <p:cNvPr id="12" name="Imagen 11">
+            <a:extLst>
+              <a:ext uri="{FF2B5EF4-FFF2-40B4-BE49-F238E27FC236}">
+                <a16:creationId xmlns:a16="http://schemas.microsoft.com/office/drawing/2014/main" id="{7328551F-7982-2B10-34A9-B84241AD4FEB}"/>
+              </a:ext>
+            </a:extLst>
+          </p:cNvPr>
+          <p:cNvPicPr>
+            <a:picLocks noChangeAspect="1"/>
+          </p:cNvPicPr>
+          <p:nvPr/>
+        </p:nvPicPr>
+        <p:blipFill>
+          <a:blip r:embed="rId5"/>
+          <a:stretch>
+            <a:fillRect/>
+          </a:stretch>
+        </p:blipFill>
+        <p:spPr>
+          <a:xfrm>
+            <a:off x="5973538" y="4050723"/>
+            <a:ext cx="4767927" cy="2476845"/>
+          </a:xfrm>
+          <a:prstGeom prst="rect">
+            <a:avLst/>
+          </a:prstGeom>
+        </p:spPr>
+      </p:pic>
+      <p:sp>
+        <p:nvSpPr>
+          <p:cNvPr id="17" name="CuadroTexto 16">
+            <a:extLst>
+              <a:ext uri="{FF2B5EF4-FFF2-40B4-BE49-F238E27FC236}">
+                <a16:creationId xmlns:a16="http://schemas.microsoft.com/office/drawing/2014/main" id="{55C4D555-857B-9EF3-F31E-E0A1C95EF359}"/>
+              </a:ext>
+            </a:extLst>
+          </p:cNvPr>
+          <p:cNvSpPr txBox="1"/>
+          <p:nvPr/>
+        </p:nvSpPr>
+        <p:spPr>
+          <a:xfrm>
+            <a:off x="1348627" y="1928552"/>
+            <a:ext cx="6094476" cy="757130"/>
+          </a:xfrm>
+          <a:prstGeom prst="rect">
+            <a:avLst/>
+          </a:prstGeom>
+          <a:noFill/>
+        </p:spPr>
+        <p:txBody>
+          <a:bodyPr wrap="square">
+            <a:spAutoFit/>
+          </a:bodyPr>
+          <a:lstStyle/>
+          <a:p>
+            <a:pPr marL="285750" marR="0" lvl="0" indent="-285750" algn="l" defTabSz="914400" rtl="0" eaLnBrk="1" fontAlgn="auto" latinLnBrk="0" hangingPunct="1">
+              <a:lnSpc>
+                <a:spcPct val="140000"/>
+              </a:lnSpc>
+              <a:spcBef>
+                <a:spcPts val="1000"/>
+              </a:spcBef>
+              <a:spcAft>
+                <a:spcPts val="0"/>
+              </a:spcAft>
+              <a:buClrTx/>
+              <a:buSzTx/>
+              <a:buFont typeface="Arial" panose="020B0604020202020204" pitchFamily="34" charset="0"/>
+              <a:buChar char="•"/>
+              <a:tabLst/>
+              <a:defRPr/>
+            </a:pPr>
+            <a:r>
+              <a:rPr kumimoji="0" lang="es-ES" sz="1800" b="0" i="0" u="none" strike="noStrike" kern="1200" cap="none" spc="0" normalizeH="0" baseline="0" noProof="0" dirty="0">
+                <a:ln>
+                  <a:noFill/>
+                </a:ln>
+                <a:solidFill>
+                  <a:srgbClr val="ED625F"/>
+                </a:solidFill>
+                <a:effectLst/>
+                <a:uLnTx/>
+                <a:uFillTx/>
+                <a:latin typeface="Univers Condensed"/>
+                <a:ea typeface="+mn-ea"/>
+                <a:cs typeface="+mn-cs"/>
+              </a:rPr>
+              <a:t> Creación de las tablas de la base de datos:</a:t>
+            </a:r>
+          </a:p>
+          <a:p>
+            <a:endParaRPr lang="es-ES" dirty="0"/>
+          </a:p>
+        </p:txBody>
+      </p:sp>
+    </p:spTree>
+    <p:extLst>
+      <p:ext uri="{BB962C8B-B14F-4D97-AF65-F5344CB8AC3E}">
+        <p14:creationId xmlns:p14="http://schemas.microsoft.com/office/powerpoint/2010/main" val="3686198254"/>
+      </p:ext>
+    </p:extLst>
+  </p:cSld>
+  <p:clrMapOvr>
+    <a:masterClrMapping/>
+  </p:clrMapOvr>
+</p:sld>
+</file>
+
+<file path=ppt/slides/slide22.xml><?xml version="1.0" encoding="utf-8"?>
+<p:sld xmlns:a="http://schemas.openxmlformats.org/drawingml/2006/main" xmlns:r="http://schemas.openxmlformats.org/officeDocument/2006/relationships" xmlns:p="http://schemas.openxmlformats.org/presentationml/2006/main">
+  <p:cSld>
+    <p:spTree>
+      <p:nvGrpSpPr>
+        <p:cNvPr id="1" name=""/>
+        <p:cNvGrpSpPr/>
+        <p:nvPr/>
+      </p:nvGrpSpPr>
+      <p:grpSpPr>
+        <a:xfrm>
+          <a:off x="0" y="0"/>
+          <a:ext cx="0" cy="0"/>
+          <a:chOff x="0" y="0"/>
+          <a:chExt cx="0" cy="0"/>
+        </a:xfrm>
+      </p:grpSpPr>
+      <p:sp>
+        <p:nvSpPr>
+          <p:cNvPr id="2" name="Título 1">
+            <a:extLst>
+              <a:ext uri="{FF2B5EF4-FFF2-40B4-BE49-F238E27FC236}">
+                <a16:creationId xmlns:a16="http://schemas.microsoft.com/office/drawing/2014/main" id="{9B889AAC-4CDD-23AF-21A3-548F6FE020F7}"/>
+              </a:ext>
+            </a:extLst>
+          </p:cNvPr>
+          <p:cNvSpPr>
+            <a:spLocks noGrp="1"/>
+          </p:cNvSpPr>
+          <p:nvPr>
+            <p:ph type="title"/>
+          </p:nvPr>
+        </p:nvSpPr>
+        <p:spPr/>
+        <p:txBody>
+          <a:bodyPr/>
+          <a:lstStyle/>
+          <a:p>
+            <a:endParaRPr lang="es-ES"/>
+          </a:p>
+        </p:txBody>
+      </p:sp>
+      <p:sp>
+        <p:nvSpPr>
+          <p:cNvPr id="3" name="Marcador de contenido 2">
+            <a:extLst>
+              <a:ext uri="{FF2B5EF4-FFF2-40B4-BE49-F238E27FC236}">
+                <a16:creationId xmlns:a16="http://schemas.microsoft.com/office/drawing/2014/main" id="{A018E598-7402-7052-D8C4-115C49DF232E}"/>
+              </a:ext>
+            </a:extLst>
+          </p:cNvPr>
+          <p:cNvSpPr>
+            <a:spLocks noGrp="1"/>
+          </p:cNvSpPr>
+          <p:nvPr>
+            <p:ph idx="1"/>
+          </p:nvPr>
+        </p:nvSpPr>
+        <p:spPr/>
+        <p:txBody>
+          <a:bodyPr/>
+          <a:lstStyle/>
+          <a:p>
+            <a:endParaRPr lang="es-ES"/>
+          </a:p>
+        </p:txBody>
+      </p:sp>
+      <p:sp>
+        <p:nvSpPr>
+          <p:cNvPr id="4" name="Marcador de fecha 3">
+            <a:extLst>
+              <a:ext uri="{FF2B5EF4-FFF2-40B4-BE49-F238E27FC236}">
+                <a16:creationId xmlns:a16="http://schemas.microsoft.com/office/drawing/2014/main" id="{794430D7-A53F-98D4-9121-323C10424B69}"/>
+              </a:ext>
+            </a:extLst>
+          </p:cNvPr>
+          <p:cNvSpPr>
+            <a:spLocks noGrp="1"/>
+          </p:cNvSpPr>
+          <p:nvPr>
+            <p:ph type="dt" sz="half" idx="10"/>
+          </p:nvPr>
+        </p:nvSpPr>
+        <p:spPr/>
+        <p:txBody>
+          <a:bodyPr/>
+          <a:lstStyle/>
+          <a:p>
+            <a:fld id="{0A35D1BA-79EA-46D7-87E5-59794141B822}" type="datetime3">
+              <a:rPr lang="en-US" smtClean="0"/>
+              <a:t>3 December 2024</a:t>
+            </a:fld>
+            <a:endParaRPr lang="en-US"/>
+          </a:p>
+        </p:txBody>
+      </p:sp>
+    </p:spTree>
+    <p:extLst>
+      <p:ext uri="{BB962C8B-B14F-4D97-AF65-F5344CB8AC3E}">
+        <p14:creationId xmlns:p14="http://schemas.microsoft.com/office/powerpoint/2010/main" val="914793357"/>
       </p:ext>
     </p:extLst>
   </p:cSld>
@@ -6964,7 +7576,7 @@
           <a:p>
             <a:fld id="{0A35D1BA-79EA-46D7-87E5-59794141B822}" type="datetime3">
               <a:rPr lang="en-US" smtClean="0"/>
-              <a:t>2 December 2024</a:t>
+              <a:t>3 December 2024</a:t>
             </a:fld>
             <a:endParaRPr lang="en-US"/>
           </a:p>
@@ -7105,7 +7717,7 @@
           <a:p>
             <a:fld id="{0A35D1BA-79EA-46D7-87E5-59794141B822}" type="datetime3">
               <a:rPr lang="en-US" smtClean="0"/>
-              <a:t>2 December 2024</a:t>
+              <a:t>3 December 2024</a:t>
             </a:fld>
             <a:endParaRPr lang="en-US"/>
           </a:p>
@@ -7221,7 +7833,7 @@
           <a:p>
             <a:fld id="{0A35D1BA-79EA-46D7-87E5-59794141B822}" type="datetime3">
               <a:rPr lang="en-US" smtClean="0"/>
-              <a:t>2 December 2024</a:t>
+              <a:t>3 December 2024</a:t>
             </a:fld>
             <a:endParaRPr lang="en-US"/>
           </a:p>
@@ -7337,7 +7949,7 @@
           <a:p>
             <a:fld id="{0A35D1BA-79EA-46D7-87E5-59794141B822}" type="datetime3">
               <a:rPr lang="en-US" smtClean="0"/>
-              <a:t>2 December 2024</a:t>
+              <a:t>3 December 2024</a:t>
             </a:fld>
             <a:endParaRPr lang="en-US"/>
           </a:p>
@@ -7454,7 +8066,7 @@
           <a:p>
             <a:fld id="{0A35D1BA-79EA-46D7-87E5-59794141B822}" type="datetime3">
               <a:rPr lang="en-US" smtClean="0"/>
-              <a:t>2 December 2024</a:t>
+              <a:t>3 December 2024</a:t>
             </a:fld>
             <a:endParaRPr lang="en-US"/>
           </a:p>
@@ -7571,7 +8183,7 @@
           <a:p>
             <a:fld id="{0A35D1BA-79EA-46D7-87E5-59794141B822}" type="datetime3">
               <a:rPr lang="en-US" smtClean="0"/>
-              <a:t>2 December 2024</a:t>
+              <a:t>3 December 2024</a:t>
             </a:fld>
             <a:endParaRPr lang="en-US"/>
           </a:p>
@@ -7696,7 +8308,7 @@
           <a:p>
             <a:fld id="{0A35D1BA-79EA-46D7-87E5-59794141B822}" type="datetime3">
               <a:rPr lang="en-US" smtClean="0"/>
-              <a:t>2 December 2024</a:t>
+              <a:t>3 December 2024</a:t>
             </a:fld>
             <a:endParaRPr lang="en-US"/>
           </a:p>

--- a/TEAM CHALLENGE.pptx
+++ b/TEAM CHALLENGE.pptx
@@ -5,7 +5,7 @@
     <p:sldMasterId id="2147483755" r:id="rId1"/>
   </p:sldMasterIdLst>
   <p:notesMasterIdLst>
-    <p:notesMasterId r:id="rId24"/>
+    <p:notesMasterId r:id="rId28"/>
   </p:notesMasterIdLst>
   <p:sldIdLst>
     <p:sldId id="256" r:id="rId2"/>
@@ -30,6 +30,10 @@
     <p:sldId id="276" r:id="rId21"/>
     <p:sldId id="275" r:id="rId22"/>
     <p:sldId id="277" r:id="rId23"/>
+    <p:sldId id="278" r:id="rId24"/>
+    <p:sldId id="279" r:id="rId25"/>
+    <p:sldId id="280" r:id="rId26"/>
+    <p:sldId id="281" r:id="rId27"/>
   </p:sldIdLst>
   <p:sldSz cx="12192000" cy="6858000"/>
   <p:notesSz cx="6858000" cy="9144000"/>
@@ -7408,7 +7412,10 @@
           <a:bodyPr/>
           <a:lstStyle/>
           <a:p>
-            <a:endParaRPr lang="es-ES"/>
+            <a:r>
+              <a:rPr lang="es-ES" dirty="0"/>
+              <a:t>Parte 2 –Modelo Base Datos</a:t>
+            </a:r>
           </a:p>
         </p:txBody>
       </p:sp>
@@ -7433,7 +7440,10 @@
           <a:bodyPr/>
           <a:lstStyle/>
           <a:p>
-            <a:endParaRPr lang="es-ES"/>
+            <a:r>
+              <a:rPr lang="es-ES" dirty="0"/>
+              <a:t>Añadir datos a las tablas:</a:t>
+            </a:r>
           </a:p>
         </p:txBody>
       </p:sp>
@@ -7466,10 +7476,712 @@
           </a:p>
         </p:txBody>
       </p:sp>
+      <p:pic>
+        <p:nvPicPr>
+          <p:cNvPr id="6" name="Imagen 5" descr="Captura de pantalla de computadora&#10;&#10;Descripción generada automáticamente">
+            <a:extLst>
+              <a:ext uri="{FF2B5EF4-FFF2-40B4-BE49-F238E27FC236}">
+                <a16:creationId xmlns:a16="http://schemas.microsoft.com/office/drawing/2014/main" id="{31DA3693-FF16-235A-2C9A-C7CD99629579}"/>
+              </a:ext>
+            </a:extLst>
+          </p:cNvPr>
+          <p:cNvPicPr>
+            <a:picLocks noChangeAspect="1"/>
+          </p:cNvPicPr>
+          <p:nvPr/>
+        </p:nvPicPr>
+        <p:blipFill>
+          <a:blip r:embed="rId2">
+            <a:extLst>
+              <a:ext uri="{28A0092B-C50C-407E-A947-70E740481C1C}">
+                <a14:useLocalDpi xmlns:a14="http://schemas.microsoft.com/office/drawing/2010/main" val="0"/>
+              </a:ext>
+            </a:extLst>
+          </a:blip>
+          <a:stretch>
+            <a:fillRect/>
+          </a:stretch>
+        </p:blipFill>
+        <p:spPr>
+          <a:xfrm>
+            <a:off x="389728" y="3009900"/>
+            <a:ext cx="10333663" cy="2659395"/>
+          </a:xfrm>
+          <a:prstGeom prst="rect">
+            <a:avLst/>
+          </a:prstGeom>
+        </p:spPr>
+      </p:pic>
     </p:spTree>
     <p:extLst>
       <p:ext uri="{BB962C8B-B14F-4D97-AF65-F5344CB8AC3E}">
         <p14:creationId xmlns:p14="http://schemas.microsoft.com/office/powerpoint/2010/main" val="914793357"/>
+      </p:ext>
+    </p:extLst>
+  </p:cSld>
+  <p:clrMapOvr>
+    <a:masterClrMapping/>
+  </p:clrMapOvr>
+</p:sld>
+</file>
+
+<file path=ppt/slides/slide23.xml><?xml version="1.0" encoding="utf-8"?>
+<p:sld xmlns:a="http://schemas.openxmlformats.org/drawingml/2006/main" xmlns:r="http://schemas.openxmlformats.org/officeDocument/2006/relationships" xmlns:p="http://schemas.openxmlformats.org/presentationml/2006/main">
+  <p:cSld>
+    <p:spTree>
+      <p:nvGrpSpPr>
+        <p:cNvPr id="1" name="">
+          <a:extLst>
+            <a:ext uri="{FF2B5EF4-FFF2-40B4-BE49-F238E27FC236}">
+              <a16:creationId xmlns:a16="http://schemas.microsoft.com/office/drawing/2014/main" id="{76B48D42-9818-DBBC-E901-AA716D8C2566}"/>
+            </a:ext>
+          </a:extLst>
+        </p:cNvPr>
+        <p:cNvGrpSpPr/>
+        <p:nvPr/>
+      </p:nvGrpSpPr>
+      <p:grpSpPr>
+        <a:xfrm>
+          <a:off x="0" y="0"/>
+          <a:ext cx="0" cy="0"/>
+          <a:chOff x="0" y="0"/>
+          <a:chExt cx="0" cy="0"/>
+        </a:xfrm>
+      </p:grpSpPr>
+      <p:sp>
+        <p:nvSpPr>
+          <p:cNvPr id="2" name="Título 1">
+            <a:extLst>
+              <a:ext uri="{FF2B5EF4-FFF2-40B4-BE49-F238E27FC236}">
+                <a16:creationId xmlns:a16="http://schemas.microsoft.com/office/drawing/2014/main" id="{656E3525-4A2A-EDFC-937B-264B5FA33EB1}"/>
+              </a:ext>
+            </a:extLst>
+          </p:cNvPr>
+          <p:cNvSpPr>
+            <a:spLocks noGrp="1"/>
+          </p:cNvSpPr>
+          <p:nvPr>
+            <p:ph type="title"/>
+          </p:nvPr>
+        </p:nvSpPr>
+        <p:spPr/>
+        <p:txBody>
+          <a:bodyPr/>
+          <a:lstStyle/>
+          <a:p>
+            <a:r>
+              <a:rPr lang="es-ES" dirty="0"/>
+              <a:t>Parte 2 –Modelo Base Datos</a:t>
+            </a:r>
+          </a:p>
+        </p:txBody>
+      </p:sp>
+      <p:sp>
+        <p:nvSpPr>
+          <p:cNvPr id="3" name="Marcador de contenido 2">
+            <a:extLst>
+              <a:ext uri="{FF2B5EF4-FFF2-40B4-BE49-F238E27FC236}">
+                <a16:creationId xmlns:a16="http://schemas.microsoft.com/office/drawing/2014/main" id="{C3C1BC2A-56B8-0C68-2A7D-DE055ECA2C59}"/>
+              </a:ext>
+            </a:extLst>
+          </p:cNvPr>
+          <p:cNvSpPr>
+            <a:spLocks noGrp="1"/>
+          </p:cNvSpPr>
+          <p:nvPr>
+            <p:ph idx="1"/>
+          </p:nvPr>
+        </p:nvSpPr>
+        <p:spPr/>
+        <p:txBody>
+          <a:bodyPr/>
+          <a:lstStyle/>
+          <a:p>
+            <a:r>
+              <a:rPr lang="es-ES" dirty="0"/>
+              <a:t>Añadir datos a las tablas:</a:t>
+            </a:r>
+          </a:p>
+        </p:txBody>
+      </p:sp>
+      <p:sp>
+        <p:nvSpPr>
+          <p:cNvPr id="4" name="Marcador de fecha 3">
+            <a:extLst>
+              <a:ext uri="{FF2B5EF4-FFF2-40B4-BE49-F238E27FC236}">
+                <a16:creationId xmlns:a16="http://schemas.microsoft.com/office/drawing/2014/main" id="{54CB95CE-E372-1671-4FDB-AAECEA2F568E}"/>
+              </a:ext>
+            </a:extLst>
+          </p:cNvPr>
+          <p:cNvSpPr>
+            <a:spLocks noGrp="1"/>
+          </p:cNvSpPr>
+          <p:nvPr>
+            <p:ph type="dt" sz="half" idx="10"/>
+          </p:nvPr>
+        </p:nvSpPr>
+        <p:spPr/>
+        <p:txBody>
+          <a:bodyPr/>
+          <a:lstStyle/>
+          <a:p>
+            <a:fld id="{0A35D1BA-79EA-46D7-87E5-59794141B822}" type="datetime3">
+              <a:rPr lang="en-US" smtClean="0"/>
+              <a:t>3 December 2024</a:t>
+            </a:fld>
+            <a:endParaRPr lang="en-US"/>
+          </a:p>
+        </p:txBody>
+      </p:sp>
+      <p:pic>
+        <p:nvPicPr>
+          <p:cNvPr id="7" name="Imagen 6" descr="Texto&#10;&#10;Descripción generada automáticamente">
+            <a:extLst>
+              <a:ext uri="{FF2B5EF4-FFF2-40B4-BE49-F238E27FC236}">
+                <a16:creationId xmlns:a16="http://schemas.microsoft.com/office/drawing/2014/main" id="{C1805C90-5D24-D6CB-B52C-4017943D2829}"/>
+              </a:ext>
+            </a:extLst>
+          </p:cNvPr>
+          <p:cNvPicPr>
+            <a:picLocks noChangeAspect="1"/>
+          </p:cNvPicPr>
+          <p:nvPr/>
+        </p:nvPicPr>
+        <p:blipFill>
+          <a:blip r:embed="rId2">
+            <a:extLst>
+              <a:ext uri="{28A0092B-C50C-407E-A947-70E740481C1C}">
+                <a14:useLocalDpi xmlns:a14="http://schemas.microsoft.com/office/drawing/2010/main" val="0"/>
+              </a:ext>
+            </a:extLst>
+          </a:blip>
+          <a:stretch>
+            <a:fillRect/>
+          </a:stretch>
+        </p:blipFill>
+        <p:spPr>
+          <a:xfrm>
+            <a:off x="1172093" y="2585811"/>
+            <a:ext cx="8859486" cy="3248478"/>
+          </a:xfrm>
+          <a:prstGeom prst="rect">
+            <a:avLst/>
+          </a:prstGeom>
+        </p:spPr>
+      </p:pic>
+    </p:spTree>
+    <p:extLst>
+      <p:ext uri="{BB962C8B-B14F-4D97-AF65-F5344CB8AC3E}">
+        <p14:creationId xmlns:p14="http://schemas.microsoft.com/office/powerpoint/2010/main" val="1313141152"/>
+      </p:ext>
+    </p:extLst>
+  </p:cSld>
+  <p:clrMapOvr>
+    <a:masterClrMapping/>
+  </p:clrMapOvr>
+</p:sld>
+</file>
+
+<file path=ppt/slides/slide24.xml><?xml version="1.0" encoding="utf-8"?>
+<p:sld xmlns:a="http://schemas.openxmlformats.org/drawingml/2006/main" xmlns:r="http://schemas.openxmlformats.org/officeDocument/2006/relationships" xmlns:p="http://schemas.openxmlformats.org/presentationml/2006/main">
+  <p:cSld>
+    <p:spTree>
+      <p:nvGrpSpPr>
+        <p:cNvPr id="1" name="">
+          <a:extLst>
+            <a:ext uri="{FF2B5EF4-FFF2-40B4-BE49-F238E27FC236}">
+              <a16:creationId xmlns:a16="http://schemas.microsoft.com/office/drawing/2014/main" id="{4324C0F9-97A9-73C8-37C0-1A226211C93E}"/>
+            </a:ext>
+          </a:extLst>
+        </p:cNvPr>
+        <p:cNvGrpSpPr/>
+        <p:nvPr/>
+      </p:nvGrpSpPr>
+      <p:grpSpPr>
+        <a:xfrm>
+          <a:off x="0" y="0"/>
+          <a:ext cx="0" cy="0"/>
+          <a:chOff x="0" y="0"/>
+          <a:chExt cx="0" cy="0"/>
+        </a:xfrm>
+      </p:grpSpPr>
+      <p:sp>
+        <p:nvSpPr>
+          <p:cNvPr id="2" name="Título 1">
+            <a:extLst>
+              <a:ext uri="{FF2B5EF4-FFF2-40B4-BE49-F238E27FC236}">
+                <a16:creationId xmlns:a16="http://schemas.microsoft.com/office/drawing/2014/main" id="{A086945B-843D-D589-8782-18CFE7843D2D}"/>
+              </a:ext>
+            </a:extLst>
+          </p:cNvPr>
+          <p:cNvSpPr>
+            <a:spLocks noGrp="1"/>
+          </p:cNvSpPr>
+          <p:nvPr>
+            <p:ph type="title"/>
+          </p:nvPr>
+        </p:nvSpPr>
+        <p:spPr/>
+        <p:txBody>
+          <a:bodyPr/>
+          <a:lstStyle/>
+          <a:p>
+            <a:r>
+              <a:rPr lang="es-ES" dirty="0"/>
+              <a:t>Parte 2 –Modelo Base Datos</a:t>
+            </a:r>
+          </a:p>
+        </p:txBody>
+      </p:sp>
+      <p:sp>
+        <p:nvSpPr>
+          <p:cNvPr id="3" name="Marcador de contenido 2">
+            <a:extLst>
+              <a:ext uri="{FF2B5EF4-FFF2-40B4-BE49-F238E27FC236}">
+                <a16:creationId xmlns:a16="http://schemas.microsoft.com/office/drawing/2014/main" id="{16D0C3F8-C1FD-9B6F-7F1A-50AC3A5B4342}"/>
+              </a:ext>
+            </a:extLst>
+          </p:cNvPr>
+          <p:cNvSpPr>
+            <a:spLocks noGrp="1"/>
+          </p:cNvSpPr>
+          <p:nvPr>
+            <p:ph idx="1"/>
+          </p:nvPr>
+        </p:nvSpPr>
+        <p:spPr/>
+        <p:txBody>
+          <a:bodyPr/>
+          <a:lstStyle/>
+          <a:p>
+            <a:r>
+              <a:rPr lang="es-ES" dirty="0"/>
+              <a:t>Añadir datos a las tablas:</a:t>
+            </a:r>
+          </a:p>
+        </p:txBody>
+      </p:sp>
+      <p:sp>
+        <p:nvSpPr>
+          <p:cNvPr id="4" name="Marcador de fecha 3">
+            <a:extLst>
+              <a:ext uri="{FF2B5EF4-FFF2-40B4-BE49-F238E27FC236}">
+                <a16:creationId xmlns:a16="http://schemas.microsoft.com/office/drawing/2014/main" id="{10C86C90-3F84-763F-F018-5BCF2ADE6860}"/>
+              </a:ext>
+            </a:extLst>
+          </p:cNvPr>
+          <p:cNvSpPr>
+            <a:spLocks noGrp="1"/>
+          </p:cNvSpPr>
+          <p:nvPr>
+            <p:ph type="dt" sz="half" idx="10"/>
+          </p:nvPr>
+        </p:nvSpPr>
+        <p:spPr/>
+        <p:txBody>
+          <a:bodyPr/>
+          <a:lstStyle/>
+          <a:p>
+            <a:fld id="{0A35D1BA-79EA-46D7-87E5-59794141B822}" type="datetime3">
+              <a:rPr lang="en-US" smtClean="0"/>
+              <a:t>3 December 2024</a:t>
+            </a:fld>
+            <a:endParaRPr lang="en-US"/>
+          </a:p>
+        </p:txBody>
+      </p:sp>
+      <p:pic>
+        <p:nvPicPr>
+          <p:cNvPr id="6" name="Imagen 5" descr="Captura de pantalla de un celular&#10;&#10;Descripción generada automáticamente">
+            <a:extLst>
+              <a:ext uri="{FF2B5EF4-FFF2-40B4-BE49-F238E27FC236}">
+                <a16:creationId xmlns:a16="http://schemas.microsoft.com/office/drawing/2014/main" id="{52D97E6A-582D-510B-844D-8BD802989B4E}"/>
+              </a:ext>
+            </a:extLst>
+          </p:cNvPr>
+          <p:cNvPicPr>
+            <a:picLocks noChangeAspect="1"/>
+          </p:cNvPicPr>
+          <p:nvPr/>
+        </p:nvPicPr>
+        <p:blipFill>
+          <a:blip r:embed="rId2">
+            <a:extLst>
+              <a:ext uri="{28A0092B-C50C-407E-A947-70E740481C1C}">
+                <a14:useLocalDpi xmlns:a14="http://schemas.microsoft.com/office/drawing/2010/main" val="0"/>
+              </a:ext>
+            </a:extLst>
+          </a:blip>
+          <a:stretch>
+            <a:fillRect/>
+          </a:stretch>
+        </p:blipFill>
+        <p:spPr>
+          <a:xfrm>
+            <a:off x="1114935" y="2766827"/>
+            <a:ext cx="8973802" cy="2657846"/>
+          </a:xfrm>
+          <a:prstGeom prst="rect">
+            <a:avLst/>
+          </a:prstGeom>
+        </p:spPr>
+      </p:pic>
+    </p:spTree>
+    <p:extLst>
+      <p:ext uri="{BB962C8B-B14F-4D97-AF65-F5344CB8AC3E}">
+        <p14:creationId xmlns:p14="http://schemas.microsoft.com/office/powerpoint/2010/main" val="4269696603"/>
+      </p:ext>
+    </p:extLst>
+  </p:cSld>
+  <p:clrMapOvr>
+    <a:masterClrMapping/>
+  </p:clrMapOvr>
+</p:sld>
+</file>
+
+<file path=ppt/slides/slide25.xml><?xml version="1.0" encoding="utf-8"?>
+<p:sld xmlns:a="http://schemas.openxmlformats.org/drawingml/2006/main" xmlns:r="http://schemas.openxmlformats.org/officeDocument/2006/relationships" xmlns:p="http://schemas.openxmlformats.org/presentationml/2006/main">
+  <p:cSld>
+    <p:spTree>
+      <p:nvGrpSpPr>
+        <p:cNvPr id="1" name="">
+          <a:extLst>
+            <a:ext uri="{FF2B5EF4-FFF2-40B4-BE49-F238E27FC236}">
+              <a16:creationId xmlns:a16="http://schemas.microsoft.com/office/drawing/2014/main" id="{F207D37E-3812-1118-CDB3-4550C95EB967}"/>
+            </a:ext>
+          </a:extLst>
+        </p:cNvPr>
+        <p:cNvGrpSpPr/>
+        <p:nvPr/>
+      </p:nvGrpSpPr>
+      <p:grpSpPr>
+        <a:xfrm>
+          <a:off x="0" y="0"/>
+          <a:ext cx="0" cy="0"/>
+          <a:chOff x="0" y="0"/>
+          <a:chExt cx="0" cy="0"/>
+        </a:xfrm>
+      </p:grpSpPr>
+      <p:sp>
+        <p:nvSpPr>
+          <p:cNvPr id="2" name="Título 1">
+            <a:extLst>
+              <a:ext uri="{FF2B5EF4-FFF2-40B4-BE49-F238E27FC236}">
+                <a16:creationId xmlns:a16="http://schemas.microsoft.com/office/drawing/2014/main" id="{F064D360-1006-1A72-C112-68BE4A6F8FD5}"/>
+              </a:ext>
+            </a:extLst>
+          </p:cNvPr>
+          <p:cNvSpPr>
+            <a:spLocks noGrp="1"/>
+          </p:cNvSpPr>
+          <p:nvPr>
+            <p:ph type="title"/>
+          </p:nvPr>
+        </p:nvSpPr>
+        <p:spPr/>
+        <p:txBody>
+          <a:bodyPr/>
+          <a:lstStyle/>
+          <a:p>
+            <a:r>
+              <a:rPr lang="es-ES" dirty="0"/>
+              <a:t>Parte 2 –Modelo Base Datos</a:t>
+            </a:r>
+          </a:p>
+        </p:txBody>
+      </p:sp>
+      <p:sp>
+        <p:nvSpPr>
+          <p:cNvPr id="3" name="Marcador de contenido 2">
+            <a:extLst>
+              <a:ext uri="{FF2B5EF4-FFF2-40B4-BE49-F238E27FC236}">
+                <a16:creationId xmlns:a16="http://schemas.microsoft.com/office/drawing/2014/main" id="{C9A08D46-B597-FA87-B504-FF1339A0E83C}"/>
+              </a:ext>
+            </a:extLst>
+          </p:cNvPr>
+          <p:cNvSpPr>
+            <a:spLocks noGrp="1"/>
+          </p:cNvSpPr>
+          <p:nvPr>
+            <p:ph idx="1"/>
+          </p:nvPr>
+        </p:nvSpPr>
+        <p:spPr/>
+        <p:txBody>
+          <a:bodyPr/>
+          <a:lstStyle/>
+          <a:p>
+            <a:r>
+              <a:rPr lang="es-ES" dirty="0"/>
+              <a:t>Añadir datos a las tablas:</a:t>
+            </a:r>
+          </a:p>
+        </p:txBody>
+      </p:sp>
+      <p:sp>
+        <p:nvSpPr>
+          <p:cNvPr id="4" name="Marcador de fecha 3">
+            <a:extLst>
+              <a:ext uri="{FF2B5EF4-FFF2-40B4-BE49-F238E27FC236}">
+                <a16:creationId xmlns:a16="http://schemas.microsoft.com/office/drawing/2014/main" id="{15C03133-C008-D36E-3954-E283EABCA777}"/>
+              </a:ext>
+            </a:extLst>
+          </p:cNvPr>
+          <p:cNvSpPr>
+            <a:spLocks noGrp="1"/>
+          </p:cNvSpPr>
+          <p:nvPr>
+            <p:ph type="dt" sz="half" idx="10"/>
+          </p:nvPr>
+        </p:nvSpPr>
+        <p:spPr/>
+        <p:txBody>
+          <a:bodyPr/>
+          <a:lstStyle/>
+          <a:p>
+            <a:fld id="{0A35D1BA-79EA-46D7-87E5-59794141B822}" type="datetime3">
+              <a:rPr lang="en-US" smtClean="0"/>
+              <a:t>3 December 2024</a:t>
+            </a:fld>
+            <a:endParaRPr lang="en-US"/>
+          </a:p>
+        </p:txBody>
+      </p:sp>
+      <p:pic>
+        <p:nvPicPr>
+          <p:cNvPr id="7" name="Imagen 6" descr="Texto&#10;&#10;Descripción generada automáticamente">
+            <a:extLst>
+              <a:ext uri="{FF2B5EF4-FFF2-40B4-BE49-F238E27FC236}">
+                <a16:creationId xmlns:a16="http://schemas.microsoft.com/office/drawing/2014/main" id="{4CFF00BA-B7DA-9999-F116-D0C8FD174A08}"/>
+              </a:ext>
+            </a:extLst>
+          </p:cNvPr>
+          <p:cNvPicPr>
+            <a:picLocks noChangeAspect="1"/>
+          </p:cNvPicPr>
+          <p:nvPr/>
+        </p:nvPicPr>
+        <p:blipFill>
+          <a:blip r:embed="rId2">
+            <a:extLst>
+              <a:ext uri="{28A0092B-C50C-407E-A947-70E740481C1C}">
+                <a14:useLocalDpi xmlns:a14="http://schemas.microsoft.com/office/drawing/2010/main" val="0"/>
+              </a:ext>
+            </a:extLst>
+          </a:blip>
+          <a:stretch>
+            <a:fillRect/>
+          </a:stretch>
+        </p:blipFill>
+        <p:spPr>
+          <a:xfrm>
+            <a:off x="2205699" y="2890666"/>
+            <a:ext cx="6792273" cy="2448267"/>
+          </a:xfrm>
+          <a:prstGeom prst="rect">
+            <a:avLst/>
+          </a:prstGeom>
+        </p:spPr>
+      </p:pic>
+    </p:spTree>
+    <p:extLst>
+      <p:ext uri="{BB962C8B-B14F-4D97-AF65-F5344CB8AC3E}">
+        <p14:creationId xmlns:p14="http://schemas.microsoft.com/office/powerpoint/2010/main" val="927058193"/>
+      </p:ext>
+    </p:extLst>
+  </p:cSld>
+  <p:clrMapOvr>
+    <a:masterClrMapping/>
+  </p:clrMapOvr>
+</p:sld>
+</file>
+
+<file path=ppt/slides/slide26.xml><?xml version="1.0" encoding="utf-8"?>
+<p:sld xmlns:a="http://schemas.openxmlformats.org/drawingml/2006/main" xmlns:r="http://schemas.openxmlformats.org/officeDocument/2006/relationships" xmlns:p="http://schemas.openxmlformats.org/presentationml/2006/main">
+  <p:cSld>
+    <p:spTree>
+      <p:nvGrpSpPr>
+        <p:cNvPr id="1" name=""/>
+        <p:cNvGrpSpPr/>
+        <p:nvPr/>
+      </p:nvGrpSpPr>
+      <p:grpSpPr>
+        <a:xfrm>
+          <a:off x="0" y="0"/>
+          <a:ext cx="0" cy="0"/>
+          <a:chOff x="0" y="0"/>
+          <a:chExt cx="0" cy="0"/>
+        </a:xfrm>
+      </p:grpSpPr>
+      <p:sp>
+        <p:nvSpPr>
+          <p:cNvPr id="2" name="Título 1">
+            <a:extLst>
+              <a:ext uri="{FF2B5EF4-FFF2-40B4-BE49-F238E27FC236}">
+                <a16:creationId xmlns:a16="http://schemas.microsoft.com/office/drawing/2014/main" id="{00AB8962-2655-6571-2544-F4736D5D3BE3}"/>
+              </a:ext>
+            </a:extLst>
+          </p:cNvPr>
+          <p:cNvSpPr>
+            <a:spLocks noGrp="1"/>
+          </p:cNvSpPr>
+          <p:nvPr>
+            <p:ph type="title"/>
+          </p:nvPr>
+        </p:nvSpPr>
+        <p:spPr/>
+        <p:txBody>
+          <a:bodyPr/>
+          <a:lstStyle/>
+          <a:p>
+            <a:r>
+              <a:rPr lang="es-ES"/>
+              <a:t>Parte 2 –Modelo Base Datos</a:t>
+            </a:r>
+            <a:endParaRPr lang="es-ES" dirty="0"/>
+          </a:p>
+        </p:txBody>
+      </p:sp>
+      <p:pic>
+        <p:nvPicPr>
+          <p:cNvPr id="6" name="Marcador de contenido 5" descr="Interfaz de usuario gráfica, Texto&#10;&#10;Descripción generada automáticamente">
+            <a:extLst>
+              <a:ext uri="{FF2B5EF4-FFF2-40B4-BE49-F238E27FC236}">
+                <a16:creationId xmlns:a16="http://schemas.microsoft.com/office/drawing/2014/main" id="{79CD7962-118E-76E2-FAB2-55372E7505A8}"/>
+              </a:ext>
+            </a:extLst>
+          </p:cNvPr>
+          <p:cNvPicPr>
+            <a:picLocks noGrp="1" noChangeAspect="1"/>
+          </p:cNvPicPr>
+          <p:nvPr>
+            <p:ph idx="1"/>
+          </p:nvPr>
+        </p:nvPicPr>
+        <p:blipFill>
+          <a:blip r:embed="rId2">
+            <a:extLst>
+              <a:ext uri="{28A0092B-C50C-407E-A947-70E740481C1C}">
+                <a14:useLocalDpi xmlns:a14="http://schemas.microsoft.com/office/drawing/2010/main" val="0"/>
+              </a:ext>
+            </a:extLst>
+          </a:blip>
+          <a:stretch>
+            <a:fillRect/>
+          </a:stretch>
+        </p:blipFill>
+        <p:spPr>
+          <a:xfrm>
+            <a:off x="4271615" y="2029627"/>
+            <a:ext cx="3648769" cy="2299522"/>
+          </a:xfrm>
+        </p:spPr>
+      </p:pic>
+      <p:sp>
+        <p:nvSpPr>
+          <p:cNvPr id="4" name="Marcador de fecha 3">
+            <a:extLst>
+              <a:ext uri="{FF2B5EF4-FFF2-40B4-BE49-F238E27FC236}">
+                <a16:creationId xmlns:a16="http://schemas.microsoft.com/office/drawing/2014/main" id="{388947C3-09AE-E4B2-FC1B-91A42FC2AE6D}"/>
+              </a:ext>
+            </a:extLst>
+          </p:cNvPr>
+          <p:cNvSpPr>
+            <a:spLocks noGrp="1"/>
+          </p:cNvSpPr>
+          <p:nvPr>
+            <p:ph type="dt" sz="half" idx="10"/>
+          </p:nvPr>
+        </p:nvSpPr>
+        <p:spPr/>
+        <p:txBody>
+          <a:bodyPr/>
+          <a:lstStyle/>
+          <a:p>
+            <a:fld id="{0A35D1BA-79EA-46D7-87E5-59794141B822}" type="datetime3">
+              <a:rPr lang="en-US" smtClean="0"/>
+              <a:t>3 December 2024</a:t>
+            </a:fld>
+            <a:endParaRPr lang="en-US"/>
+          </a:p>
+        </p:txBody>
+      </p:sp>
+      <p:pic>
+        <p:nvPicPr>
+          <p:cNvPr id="8" name="Imagen 7" descr="Captura de pantalla de computadora&#10;&#10;Descripción generada automáticamente">
+            <a:extLst>
+              <a:ext uri="{FF2B5EF4-FFF2-40B4-BE49-F238E27FC236}">
+                <a16:creationId xmlns:a16="http://schemas.microsoft.com/office/drawing/2014/main" id="{6CAC2551-D38F-8AB6-9264-6D39D6056C79}"/>
+              </a:ext>
+            </a:extLst>
+          </p:cNvPr>
+          <p:cNvPicPr>
+            <a:picLocks noChangeAspect="1"/>
+          </p:cNvPicPr>
+          <p:nvPr/>
+        </p:nvPicPr>
+        <p:blipFill>
+          <a:blip r:embed="rId3">
+            <a:extLst>
+              <a:ext uri="{28A0092B-C50C-407E-A947-70E740481C1C}">
+                <a14:useLocalDpi xmlns:a14="http://schemas.microsoft.com/office/drawing/2010/main" val="0"/>
+              </a:ext>
+            </a:extLst>
+          </a:blip>
+          <a:stretch>
+            <a:fillRect/>
+          </a:stretch>
+        </p:blipFill>
+        <p:spPr>
+          <a:xfrm>
+            <a:off x="400931" y="2057400"/>
+            <a:ext cx="3648769" cy="3800468"/>
+          </a:xfrm>
+          <a:prstGeom prst="rect">
+            <a:avLst/>
+          </a:prstGeom>
+        </p:spPr>
+      </p:pic>
+      <p:pic>
+        <p:nvPicPr>
+          <p:cNvPr id="10" name="Imagen 9" descr="Pantalla de computadora con fondo negro&#10;&#10;Descripción generada automáticamente con confianza baja">
+            <a:extLst>
+              <a:ext uri="{FF2B5EF4-FFF2-40B4-BE49-F238E27FC236}">
+                <a16:creationId xmlns:a16="http://schemas.microsoft.com/office/drawing/2014/main" id="{92255DAD-2790-EB1B-A531-E3267B50BC01}"/>
+              </a:ext>
+            </a:extLst>
+          </p:cNvPr>
+          <p:cNvPicPr>
+            <a:picLocks noChangeAspect="1"/>
+          </p:cNvPicPr>
+          <p:nvPr/>
+        </p:nvPicPr>
+        <p:blipFill>
+          <a:blip r:embed="rId4">
+            <a:extLst>
+              <a:ext uri="{28A0092B-C50C-407E-A947-70E740481C1C}">
+                <a14:useLocalDpi xmlns:a14="http://schemas.microsoft.com/office/drawing/2010/main" val="0"/>
+              </a:ext>
+            </a:extLst>
+          </a:blip>
+          <a:stretch>
+            <a:fillRect/>
+          </a:stretch>
+        </p:blipFill>
+        <p:spPr>
+          <a:xfrm>
+            <a:off x="6317917" y="3678612"/>
+            <a:ext cx="4300973" cy="2179256"/>
+          </a:xfrm>
+          <a:prstGeom prst="rect">
+            <a:avLst/>
+          </a:prstGeom>
+        </p:spPr>
+      </p:pic>
+    </p:spTree>
+    <p:extLst>
+      <p:ext uri="{BB962C8B-B14F-4D97-AF65-F5344CB8AC3E}">
+        <p14:creationId xmlns:p14="http://schemas.microsoft.com/office/powerpoint/2010/main" val="2970846313"/>
       </p:ext>
     </p:extLst>
   </p:cSld>

--- a/TEAM CHALLENGE.pptx
+++ b/TEAM CHALLENGE.pptx
@@ -222,7 +222,7 @@
           <a:p>
             <a:fld id="{5BD182C1-5DAB-473C-90B6-CB7996CDA10C}" type="datetimeFigureOut">
               <a:rPr lang="es-ES" smtClean="0"/>
-              <a:t>03/12/2024</a:t>
+              <a:t>04/12/2024</a:t>
             </a:fld>
             <a:endParaRPr lang="es-ES"/>
           </a:p>
@@ -645,7 +645,7 @@
           <a:p>
             <a:fld id="{A9F247EF-9E98-43EB-A79B-6217CBB327EC}" type="datetime3">
               <a:rPr lang="en-US" smtClean="0"/>
-              <a:t>3 December 2024</a:t>
+              <a:t>4 December 2024</a:t>
             </a:fld>
             <a:endParaRPr lang="en-US"/>
           </a:p>
@@ -896,7 +896,7 @@
           <a:p>
             <a:fld id="{AAC855E0-F2B1-485D-BB2D-16AF7DB36FD4}" type="datetime3">
               <a:rPr lang="en-US" smtClean="0"/>
-              <a:t>3 December 2024</a:t>
+              <a:t>4 December 2024</a:t>
             </a:fld>
             <a:endParaRPr lang="en-US"/>
           </a:p>
@@ -1106,7 +1106,7 @@
           <a:p>
             <a:fld id="{F39F6E54-6356-434E-8854-95BE46F82E10}" type="datetime3">
               <a:rPr lang="en-US" smtClean="0"/>
-              <a:t>3 December 2024</a:t>
+              <a:t>4 December 2024</a:t>
             </a:fld>
             <a:endParaRPr lang="en-US"/>
           </a:p>
@@ -1316,7 +1316,7 @@
           <a:p>
             <a:fld id="{0A35D1BA-79EA-46D7-87E5-59794141B822}" type="datetime3">
               <a:rPr lang="en-US" smtClean="0"/>
-              <a:t>3 December 2024</a:t>
+              <a:t>4 December 2024</a:t>
             </a:fld>
             <a:endParaRPr lang="en-US"/>
           </a:p>
@@ -1633,7 +1633,7 @@
           <a:p>
             <a:fld id="{D4266BE9-46EE-4BA3-A5FC-8C070747DFC3}" type="datetime3">
               <a:rPr lang="en-US" smtClean="0"/>
-              <a:t>3 December 2024</a:t>
+              <a:t>4 December 2024</a:t>
             </a:fld>
             <a:endParaRPr lang="en-US"/>
           </a:p>
@@ -1906,7 +1906,7 @@
           <a:p>
             <a:fld id="{6407FF24-2D4B-4AB1-999F-B33226B0B4CE}" type="datetime3">
               <a:rPr lang="en-US" smtClean="0"/>
-              <a:t>3 December 2024</a:t>
+              <a:t>4 December 2024</a:t>
             </a:fld>
             <a:endParaRPr lang="en-US"/>
           </a:p>
@@ -2417,7 +2417,7 @@
           <a:p>
             <a:fld id="{21C0BCCA-6E8D-4144-9A09-5950A7523EE0}" type="datetime3">
               <a:rPr lang="en-US" smtClean="0"/>
-              <a:t>3 December 2024</a:t>
+              <a:t>4 December 2024</a:t>
             </a:fld>
             <a:endParaRPr lang="en-US"/>
           </a:p>
@@ -2650,7 +2650,7 @@
           <a:p>
             <a:fld id="{8B9F2932-4F2D-42BD-B69E-0802F0F2A0A2}" type="datetime3">
               <a:rPr lang="en-US" smtClean="0"/>
-              <a:t>3 December 2024</a:t>
+              <a:t>4 December 2024</a:t>
             </a:fld>
             <a:endParaRPr lang="en-US"/>
           </a:p>
@@ -2763,7 +2763,7 @@
           <a:p>
             <a:fld id="{F929CE95-58B0-4D20-8D34-8E37FDF3F337}" type="datetime3">
               <a:rPr lang="en-US" smtClean="0"/>
-              <a:t>3 December 2024</a:t>
+              <a:t>4 December 2024</a:t>
             </a:fld>
             <a:endParaRPr lang="en-US"/>
           </a:p>
@@ -3078,7 +3078,7 @@
           <a:p>
             <a:fld id="{41275441-1B6C-4CB5-945E-F02D53899D29}" type="datetime3">
               <a:rPr lang="en-US" smtClean="0"/>
-              <a:t>3 December 2024</a:t>
+              <a:t>4 December 2024</a:t>
             </a:fld>
             <a:endParaRPr lang="en-US"/>
           </a:p>
@@ -3370,7 +3370,7 @@
           <a:p>
             <a:fld id="{34D301F7-64C2-49BE-8B5C-CF1F39B48CCA}" type="datetime3">
               <a:rPr lang="en-US" smtClean="0"/>
-              <a:t>3 December 2024</a:t>
+              <a:t>4 December 2024</a:t>
             </a:fld>
             <a:endParaRPr lang="en-US"/>
           </a:p>
@@ -3665,7 +3665,7 @@
           <a:p>
             <a:fld id="{A739BDB9-9F0D-44FF-867F-E1AF16857E6A}" type="datetime3">
               <a:rPr lang="en-US" smtClean="0"/>
-              <a:t>3 December 2024</a:t>
+              <a:t>4 December 2024</a:t>
             </a:fld>
             <a:endParaRPr lang="en-US" dirty="0"/>
           </a:p>
@@ -5106,7 +5106,7 @@
             <a:fld id="{77AB9C67-E026-4FC0-82D7-99635915FD73}" type="datetime3">
               <a:rPr lang="en-US" smtClean="0"/>
               <a:pPr/>
-              <a:t>3 December 2024</a:t>
+              <a:t>4 December 2024</a:t>
             </a:fld>
             <a:endParaRPr lang="en-US" dirty="0"/>
           </a:p>
@@ -5223,7 +5223,7 @@
           <a:p>
             <a:fld id="{0A35D1BA-79EA-46D7-87E5-59794141B822}" type="datetime3">
               <a:rPr lang="en-US" smtClean="0"/>
-              <a:t>3 December 2024</a:t>
+              <a:t>4 December 2024</a:t>
             </a:fld>
             <a:endParaRPr lang="en-US"/>
           </a:p>
@@ -5340,7 +5340,7 @@
           <a:p>
             <a:fld id="{0A35D1BA-79EA-46D7-87E5-59794141B822}" type="datetime3">
               <a:rPr lang="en-US" smtClean="0"/>
-              <a:t>3 December 2024</a:t>
+              <a:t>4 December 2024</a:t>
             </a:fld>
             <a:endParaRPr lang="en-US"/>
           </a:p>
@@ -5465,7 +5465,7 @@
           <a:p>
             <a:fld id="{0A35D1BA-79EA-46D7-87E5-59794141B822}" type="datetime3">
               <a:rPr lang="en-US" smtClean="0"/>
-              <a:t>3 December 2024</a:t>
+              <a:t>4 December 2024</a:t>
             </a:fld>
             <a:endParaRPr lang="en-US"/>
           </a:p>
@@ -5582,7 +5582,7 @@
           <a:p>
             <a:fld id="{0A35D1BA-79EA-46D7-87E5-59794141B822}" type="datetime3">
               <a:rPr lang="en-US" smtClean="0"/>
-              <a:t>3 December 2024</a:t>
+              <a:t>4 December 2024</a:t>
             </a:fld>
             <a:endParaRPr lang="en-US"/>
           </a:p>
@@ -5699,7 +5699,7 @@
           <a:p>
             <a:fld id="{0A35D1BA-79EA-46D7-87E5-59794141B822}" type="datetime3">
               <a:rPr lang="en-US" smtClean="0"/>
-              <a:t>3 December 2024</a:t>
+              <a:t>4 December 2024</a:t>
             </a:fld>
             <a:endParaRPr lang="en-US"/>
           </a:p>
@@ -5816,7 +5816,7 @@
           <a:p>
             <a:fld id="{0A35D1BA-79EA-46D7-87E5-59794141B822}" type="datetime3">
               <a:rPr lang="en-US" smtClean="0"/>
-              <a:t>3 December 2024</a:t>
+              <a:t>4 December 2024</a:t>
             </a:fld>
             <a:endParaRPr lang="en-US"/>
           </a:p>
@@ -5995,7 +5995,7 @@
           <a:p>
             <a:fld id="{0A35D1BA-79EA-46D7-87E5-59794141B822}" type="datetime3">
               <a:rPr lang="en-US" smtClean="0"/>
-              <a:t>3 December 2024</a:t>
+              <a:t>4 December 2024</a:t>
             </a:fld>
             <a:endParaRPr lang="en-US"/>
           </a:p>
@@ -6115,7 +6115,7 @@
           <a:p>
             <a:fld id="{B36DE166-B0EE-4C2A-9DF3-B2FCF4FBEA17}" type="datetime3">
               <a:rPr lang="en-US" smtClean="0"/>
-              <a:t>3 December 2024</a:t>
+              <a:t>4 December 2024</a:t>
             </a:fld>
             <a:endParaRPr lang="en-US" dirty="0"/>
           </a:p>
@@ -6599,7 +6599,7 @@
           <a:p>
             <a:fld id="{0A35D1BA-79EA-46D7-87E5-59794141B822}" type="datetime3">
               <a:rPr lang="en-US" smtClean="0"/>
-              <a:t>3 December 2024</a:t>
+              <a:t>4 December 2024</a:t>
             </a:fld>
             <a:endParaRPr lang="en-US" dirty="0"/>
           </a:p>
@@ -6761,7 +6761,7 @@
           <a:p>
             <a:fld id="{0A35D1BA-79EA-46D7-87E5-59794141B822}" type="datetime3">
               <a:rPr lang="en-US" smtClean="0"/>
-              <a:t>3 December 2024</a:t>
+              <a:t>4 December 2024</a:t>
             </a:fld>
             <a:endParaRPr lang="en-US"/>
           </a:p>
@@ -6917,7 +6917,7 @@
           <a:p>
             <a:fld id="{77AB9C67-E026-4FC0-82D7-99635915FD73}" type="datetime3">
               <a:rPr lang="en-US" smtClean="0"/>
-              <a:t>3 December 2024</a:t>
+              <a:t>4 December 2024</a:t>
             </a:fld>
             <a:endParaRPr lang="en-US" dirty="0"/>
           </a:p>
@@ -7051,7 +7051,7 @@
           <a:p>
             <a:fld id="{0A35D1BA-79EA-46D7-87E5-59794141B822}" type="datetime3">
               <a:rPr lang="en-US" smtClean="0"/>
-              <a:t>3 December 2024</a:t>
+              <a:t>4 December 2024</a:t>
             </a:fld>
             <a:endParaRPr lang="en-US"/>
           </a:p>
@@ -7197,7 +7197,7 @@
           <a:p>
             <a:fld id="{0A35D1BA-79EA-46D7-87E5-59794141B822}" type="datetime3">
               <a:rPr lang="en-US" smtClean="0"/>
-              <a:t>3 December 2024</a:t>
+              <a:t>4 December 2024</a:t>
             </a:fld>
             <a:endParaRPr lang="en-US"/>
           </a:p>
@@ -7470,7 +7470,7 @@
           <a:p>
             <a:fld id="{0A35D1BA-79EA-46D7-87E5-59794141B822}" type="datetime3">
               <a:rPr lang="en-US" smtClean="0"/>
-              <a:t>3 December 2024</a:t>
+              <a:t>4 December 2024</a:t>
             </a:fld>
             <a:endParaRPr lang="en-US"/>
           </a:p>
@@ -7627,7 +7627,7 @@
           <a:p>
             <a:fld id="{0A35D1BA-79EA-46D7-87E5-59794141B822}" type="datetime3">
               <a:rPr lang="en-US" smtClean="0"/>
-              <a:t>3 December 2024</a:t>
+              <a:t>4 December 2024</a:t>
             </a:fld>
             <a:endParaRPr lang="en-US"/>
           </a:p>
@@ -7784,7 +7784,7 @@
           <a:p>
             <a:fld id="{0A35D1BA-79EA-46D7-87E5-59794141B822}" type="datetime3">
               <a:rPr lang="en-US" smtClean="0"/>
-              <a:t>3 December 2024</a:t>
+              <a:t>4 December 2024</a:t>
             </a:fld>
             <a:endParaRPr lang="en-US"/>
           </a:p>
@@ -7941,7 +7941,7 @@
           <a:p>
             <a:fld id="{0A35D1BA-79EA-46D7-87E5-59794141B822}" type="datetime3">
               <a:rPr lang="en-US" smtClean="0"/>
-              <a:t>3 December 2024</a:t>
+              <a:t>4 December 2024</a:t>
             </a:fld>
             <a:endParaRPr lang="en-US"/>
           </a:p>
@@ -8100,7 +8100,7 @@
           <a:p>
             <a:fld id="{0A35D1BA-79EA-46D7-87E5-59794141B822}" type="datetime3">
               <a:rPr lang="en-US" smtClean="0"/>
-              <a:t>3 December 2024</a:t>
+              <a:t>4 December 2024</a:t>
             </a:fld>
             <a:endParaRPr lang="en-US"/>
           </a:p>
@@ -8231,7 +8231,7 @@
           <a:p>
             <a:r>
               <a:rPr lang="es-MX" dirty="0"/>
-              <a:t>Buscando asesinato con fecha Enero 15 del 2018</a:t>
+              <a:t>Buscando “asesinato” con fecha “Enero 15 del 2018” en “SQL City”</a:t>
             </a:r>
             <a:endParaRPr lang="en-US" dirty="0"/>
           </a:p>
@@ -8288,7 +8288,7 @@
           <a:p>
             <a:fld id="{0A35D1BA-79EA-46D7-87E5-59794141B822}" type="datetime3">
               <a:rPr lang="en-US" smtClean="0"/>
-              <a:t>3 December 2024</a:t>
+              <a:t>4 December 2024</a:t>
             </a:fld>
             <a:endParaRPr lang="en-US"/>
           </a:p>
@@ -8429,7 +8429,7 @@
           <a:p>
             <a:fld id="{0A35D1BA-79EA-46D7-87E5-59794141B822}" type="datetime3">
               <a:rPr lang="en-US" smtClean="0"/>
-              <a:t>3 December 2024</a:t>
+              <a:t>4 December 2024</a:t>
             </a:fld>
             <a:endParaRPr lang="en-US"/>
           </a:p>
@@ -8545,7 +8545,7 @@
           <a:p>
             <a:fld id="{0A35D1BA-79EA-46D7-87E5-59794141B822}" type="datetime3">
               <a:rPr lang="en-US" smtClean="0"/>
-              <a:t>3 December 2024</a:t>
+              <a:t>4 December 2024</a:t>
             </a:fld>
             <a:endParaRPr lang="en-US"/>
           </a:p>
@@ -8661,7 +8661,7 @@
           <a:p>
             <a:fld id="{0A35D1BA-79EA-46D7-87E5-59794141B822}" type="datetime3">
               <a:rPr lang="en-US" smtClean="0"/>
-              <a:t>3 December 2024</a:t>
+              <a:t>4 December 2024</a:t>
             </a:fld>
             <a:endParaRPr lang="en-US"/>
           </a:p>
@@ -8778,7 +8778,7 @@
           <a:p>
             <a:fld id="{0A35D1BA-79EA-46D7-87E5-59794141B822}" type="datetime3">
               <a:rPr lang="en-US" smtClean="0"/>
-              <a:t>3 December 2024</a:t>
+              <a:t>4 December 2024</a:t>
             </a:fld>
             <a:endParaRPr lang="en-US"/>
           </a:p>
@@ -8895,7 +8895,7 @@
           <a:p>
             <a:fld id="{0A35D1BA-79EA-46D7-87E5-59794141B822}" type="datetime3">
               <a:rPr lang="en-US" smtClean="0"/>
-              <a:t>3 December 2024</a:t>
+              <a:t>4 December 2024</a:t>
             </a:fld>
             <a:endParaRPr lang="en-US"/>
           </a:p>
@@ -9020,7 +9020,7 @@
           <a:p>
             <a:fld id="{0A35D1BA-79EA-46D7-87E5-59794141B822}" type="datetime3">
               <a:rPr lang="en-US" smtClean="0"/>
-              <a:t>3 December 2024</a:t>
+              <a:t>4 December 2024</a:t>
             </a:fld>
             <a:endParaRPr lang="en-US"/>
           </a:p>
